--- a/lessons/NMix.pptx
+++ b/lessons/NMix.pptx
@@ -5,7 +5,7 @@
     <p:sldMasterId id="2147483648" r:id="rId1"/>
   </p:sldMasterIdLst>
   <p:notesMasterIdLst>
-    <p:notesMasterId r:id="rId18"/>
+    <p:notesMasterId r:id="rId19"/>
   </p:notesMasterIdLst>
   <p:sldIdLst>
     <p:sldId id="256" r:id="rId2"/>
@@ -18,12 +18,13 @@
     <p:sldId id="282" r:id="rId9"/>
     <p:sldId id="259" r:id="rId10"/>
     <p:sldId id="260" r:id="rId11"/>
-    <p:sldId id="267" r:id="rId12"/>
-    <p:sldId id="262" r:id="rId13"/>
-    <p:sldId id="261" r:id="rId14"/>
-    <p:sldId id="277" r:id="rId15"/>
-    <p:sldId id="278" r:id="rId16"/>
-    <p:sldId id="279" r:id="rId17"/>
+    <p:sldId id="283" r:id="rId12"/>
+    <p:sldId id="267" r:id="rId13"/>
+    <p:sldId id="262" r:id="rId14"/>
+    <p:sldId id="261" r:id="rId15"/>
+    <p:sldId id="277" r:id="rId16"/>
+    <p:sldId id="278" r:id="rId17"/>
+    <p:sldId id="279" r:id="rId18"/>
   </p:sldIdLst>
   <p:sldSz cx="12192000" cy="6858000"/>
   <p:notesSz cx="6858000" cy="9144000"/>
@@ -206,13 +207,49 @@
           </inkml:annotationXML>
           <inkml:trace contextRef="#ctx0" brushRef="#br0">-718-1796 0</inkml:trace>
           <inkml:trace contextRef="#ctx0" brushRef="#br0" timeOffset="1017.03">-821-1642 0</inkml:trace>
-          <inkml:trace contextRef="#ctx0" brushRef="#br0" timeOffset="55952.522">-1257-2309 0</inkml:trace>
-          <inkml:trace contextRef="#ctx0" brushRef="#br0" timeOffset="56400.104">-924-2822 0</inkml:trace>
-          <inkml:trace contextRef="#ctx0" brushRef="#br0" timeOffset="57111.445">1001-3412 0</inkml:trace>
+          <inkml:trace contextRef="#ctx0" brushRef="#br0" timeOffset="55952.52">-1257-2309 0</inkml:trace>
+          <inkml:trace contextRef="#ctx0" brushRef="#br0" timeOffset="56400.1">-924-2822 0</inkml:trace>
+          <inkml:trace contextRef="#ctx0" brushRef="#br0" timeOffset="57111.44">1001-3412 0</inkml:trace>
         </inkml:traceGroup>
       </inkml:traceGroup>
     </inkml:traceGroup>
   </inkml:traceGroup>
+</inkml:ink>
+</file>
+
+<file path=ppt/ink/ink10.xml><?xml version="1.0" encoding="utf-8"?>
+<inkml:ink xmlns:inkml="http://www.w3.org/2003/InkML">
+  <inkml:definitions>
+    <inkml:context xml:id="ctx0">
+      <inkml:inkSource xml:id="inkSrc0">
+        <inkml:traceFormat>
+          <inkml:channel name="X" type="integer" min="-1920" max="1920" units="cm"/>
+          <inkml:channel name="Y" type="integer" max="1080" units="cm"/>
+          <inkml:channel name="T" type="integer" max="2.14748E9" units="dev"/>
+        </inkml:traceFormat>
+        <inkml:channelProperties>
+          <inkml:channelProperty channel="X" name="resolution" value="139.13043" units="1/cm"/>
+          <inkml:channelProperty channel="Y" name="resolution" value="69.67742" units="1/cm"/>
+          <inkml:channelProperty channel="T" name="resolution" value="1" units="1/dev"/>
+        </inkml:channelProperties>
+      </inkml:inkSource>
+      <inkml:timestamp xml:id="ts0" timeString="2017-01-19T14:30:39.515"/>
+    </inkml:context>
+    <inkml:brush xml:id="br0">
+      <inkml:brushProperty name="width" value="0.05833" units="cm"/>
+      <inkml:brushProperty name="height" value="0.05833" units="cm"/>
+      <inkml:brushProperty name="color" value="#ED1C24"/>
+      <inkml:brushProperty name="fitToCurve" value="1"/>
+    </inkml:brush>
+  </inkml:definitions>
+  <inkml:trace contextRef="#ctx0" brushRef="#br0">1334-1129 0</inkml:trace>
+  <inkml:trace contextRef="#ctx0" brushRef="#br0" timeOffset="1631.15">821-1873 0</inkml:trace>
+  <inkml:trace contextRef="#ctx0" brushRef="#br0" timeOffset="2062.5">1411-1847 0</inkml:trace>
+  <inkml:trace contextRef="#ctx0" brushRef="#br0" timeOffset="1166.63">231-1693 0</inkml:trace>
+  <inkml:trace contextRef="#ctx0" brushRef="#br0" timeOffset="4847.32">-2412-847 0</inkml:trace>
+  <inkml:trace contextRef="#ctx0" brushRef="#br0" timeOffset="5247.05">-1975-693 0</inkml:trace>
+  <inkml:trace contextRef="#ctx0" brushRef="#br0" timeOffset="53494.91">-4772-154 0</inkml:trace>
+  <inkml:trace contextRef="#ctx0" brushRef="#br0" timeOffset="53959">-5234 51 0</inkml:trace>
 </inkml:ink>
 </file>
 
@@ -317,7 +354,7 @@
               </emma:one-of>
             </emma:emma>
           </inkml:annotationXML>
-          <inkml:trace contextRef="#ctx0" brushRef="#br0" timeOffset="439.769">77 334 0,'0'51'16,"0"-25"15</inkml:trace>
+          <inkml:trace contextRef="#ctx0" brushRef="#br0" timeOffset="439.76">77 334 0,'0'51'16,"0"-25"15</inkml:trace>
         </inkml:traceGroup>
         <inkml:traceGroup>
           <inkml:annotationXML>
@@ -344,7 +381,7 @@
               </emma:one-of>
             </emma:emma>
           </inkml:annotationXML>
-          <inkml:trace contextRef="#ctx0" brushRef="#br0" timeOffset="1569.101">231 1129 0</inkml:trace>
+          <inkml:trace contextRef="#ctx0" brushRef="#br0" timeOffset="1569.1">231 1129 0</inkml:trace>
         </inkml:traceGroup>
       </inkml:traceGroup>
     </inkml:traceGroup>
@@ -427,7 +464,7 @@
             </emma:emma>
           </inkml:annotationXML>
           <inkml:trace contextRef="#ctx0" brushRef="#br0">-256-282 0</inkml:trace>
-          <inkml:trace contextRef="#ctx0" brushRef="#br0" timeOffset="-503.151">-564-26 0</inkml:trace>
+          <inkml:trace contextRef="#ctx0" brushRef="#br0" timeOffset="-503.16">-564-26 0</inkml:trace>
         </inkml:traceGroup>
         <inkml:traceGroup>
           <inkml:annotationXML>
@@ -454,8 +491,8 @@
               </emma:one-of>
             </emma:emma>
           </inkml:annotationXML>
-          <inkml:trace contextRef="#ctx0" brushRef="#br0" timeOffset="1128.18">1591-770 0</inkml:trace>
-          <inkml:trace contextRef="#ctx0" brushRef="#br0" timeOffset="744.418">924-693 0</inkml:trace>
+          <inkml:trace contextRef="#ctx0" brushRef="#br0" timeOffset="1128.17">1591-770 0</inkml:trace>
+          <inkml:trace contextRef="#ctx0" brushRef="#br0" timeOffset="744.41">924-693 0</inkml:trace>
         </inkml:traceGroup>
       </inkml:traceGroup>
     </inkml:traceGroup>
@@ -620,17 +657,142 @@
             </emma:emma>
           </inkml:annotationXML>
           <inkml:trace contextRef="#ctx0" brushRef="#br0">1334-1129 0</inkml:trace>
-          <inkml:trace contextRef="#ctx0" brushRef="#br0" timeOffset="1631.157">821-1873 0</inkml:trace>
-          <inkml:trace contextRef="#ctx0" brushRef="#br0" timeOffset="2062.505">1411-1847 0</inkml:trace>
-          <inkml:trace contextRef="#ctx0" brushRef="#br0" timeOffset="1166.649">231-1693 0</inkml:trace>
-          <inkml:trace contextRef="#ctx0" brushRef="#br0" timeOffset="4847.324">-2412-847 0</inkml:trace>
-          <inkml:trace contextRef="#ctx0" brushRef="#br0" timeOffset="5247.058">-1975-693 0</inkml:trace>
-          <inkml:trace contextRef="#ctx0" brushRef="#br0" timeOffset="53494.914">-4772-154 0</inkml:trace>
-          <inkml:trace contextRef="#ctx0" brushRef="#br0" timeOffset="53959.008">-5234 51 0</inkml:trace>
+          <inkml:trace contextRef="#ctx0" brushRef="#br0" timeOffset="1631.15">821-1873 0</inkml:trace>
+          <inkml:trace contextRef="#ctx0" brushRef="#br0" timeOffset="2062.5">1411-1847 0</inkml:trace>
+          <inkml:trace contextRef="#ctx0" brushRef="#br0" timeOffset="1166.64">231-1693 0</inkml:trace>
+          <inkml:trace contextRef="#ctx0" brushRef="#br0" timeOffset="4847.32">-2412-847 0</inkml:trace>
+          <inkml:trace contextRef="#ctx0" brushRef="#br0" timeOffset="5247.05">-1975-693 0</inkml:trace>
+          <inkml:trace contextRef="#ctx0" brushRef="#br0" timeOffset="53494.91">-4772-154 0</inkml:trace>
+          <inkml:trace contextRef="#ctx0" brushRef="#br0" timeOffset="53959">-5234 51 0</inkml:trace>
         </inkml:traceGroup>
       </inkml:traceGroup>
     </inkml:traceGroup>
   </inkml:traceGroup>
+</inkml:ink>
+</file>
+
+<file path=ppt/ink/ink6.xml><?xml version="1.0" encoding="utf-8"?>
+<inkml:ink xmlns:inkml="http://www.w3.org/2003/InkML">
+  <inkml:definitions>
+    <inkml:context xml:id="ctx0">
+      <inkml:inkSource xml:id="inkSrc0">
+        <inkml:traceFormat>
+          <inkml:channel name="X" type="integer" min="-1920" max="1920" units="cm"/>
+          <inkml:channel name="Y" type="integer" max="1080" units="cm"/>
+          <inkml:channel name="T" type="integer" max="2.14748E9" units="dev"/>
+        </inkml:traceFormat>
+        <inkml:channelProperties>
+          <inkml:channelProperty channel="X" name="resolution" value="139.13043" units="1/cm"/>
+          <inkml:channelProperty channel="Y" name="resolution" value="69.67742" units="1/cm"/>
+          <inkml:channelProperty channel="T" name="resolution" value="1" units="1/dev"/>
+        </inkml:channelProperties>
+      </inkml:inkSource>
+      <inkml:timestamp xml:id="ts0" timeString="2017-01-19T14:30:42.522"/>
+    </inkml:context>
+    <inkml:brush xml:id="br0">
+      <inkml:brushProperty name="width" value="0.05833" units="cm"/>
+      <inkml:brushProperty name="height" value="0.05833" units="cm"/>
+      <inkml:brushProperty name="color" value="#ED1C24"/>
+      <inkml:brushProperty name="fitToCurve" value="1"/>
+    </inkml:brush>
+  </inkml:definitions>
+  <inkml:trace contextRef="#ctx0" brushRef="#br0">-718-1796 0</inkml:trace>
+  <inkml:trace contextRef="#ctx0" brushRef="#br0" timeOffset="1017.03">-821-1642 0</inkml:trace>
+  <inkml:trace contextRef="#ctx0" brushRef="#br0" timeOffset="55952.52">-1257-2309 0</inkml:trace>
+  <inkml:trace contextRef="#ctx0" brushRef="#br0" timeOffset="56400.1">-924-2822 0</inkml:trace>
+  <inkml:trace contextRef="#ctx0" brushRef="#br0" timeOffset="57111.44">1001-3412 0</inkml:trace>
+</inkml:ink>
+</file>
+
+<file path=ppt/ink/ink7.xml><?xml version="1.0" encoding="utf-8"?>
+<inkml:ink xmlns:inkml="http://www.w3.org/2003/InkML">
+  <inkml:definitions>
+    <inkml:context xml:id="ctx0">
+      <inkml:inkSource xml:id="inkSrc0">
+        <inkml:traceFormat>
+          <inkml:channel name="X" type="integer" min="-1920" max="1920" units="cm"/>
+          <inkml:channel name="Y" type="integer" max="1080" units="cm"/>
+          <inkml:channel name="T" type="integer" max="2.14748E9" units="dev"/>
+        </inkml:traceFormat>
+        <inkml:channelProperties>
+          <inkml:channelProperty channel="X" name="resolution" value="139.13043" units="1/cm"/>
+          <inkml:channelProperty channel="Y" name="resolution" value="69.67742" units="1/cm"/>
+          <inkml:channelProperty channel="T" name="resolution" value="1" units="1/dev"/>
+        </inkml:channelProperties>
+      </inkml:inkSource>
+      <inkml:timestamp xml:id="ts0" timeString="2017-01-19T14:31:35.881"/>
+    </inkml:context>
+    <inkml:brush xml:id="br0">
+      <inkml:brushProperty name="width" value="0.05833" units="cm"/>
+      <inkml:brushProperty name="height" value="0.05833" units="cm"/>
+      <inkml:brushProperty name="color" value="#ED1C24"/>
+      <inkml:brushProperty name="fitToCurve" value="1"/>
+    </inkml:brush>
+  </inkml:definitions>
+  <inkml:trace contextRef="#ctx0" brushRef="#br0">0 0 0</inkml:trace>
+  <inkml:trace contextRef="#ctx0" brushRef="#br0" timeOffset="439.76">77 334 0,'0'51'16,"0"-25"15</inkml:trace>
+  <inkml:trace contextRef="#ctx0" brushRef="#br0" timeOffset="1569.1">231 1129 0</inkml:trace>
+</inkml:ink>
+</file>
+
+<file path=ppt/ink/ink8.xml><?xml version="1.0" encoding="utf-8"?>
+<inkml:ink xmlns:inkml="http://www.w3.org/2003/InkML">
+  <inkml:definitions>
+    <inkml:context xml:id="ctx0">
+      <inkml:inkSource xml:id="inkSrc0">
+        <inkml:traceFormat>
+          <inkml:channel name="X" type="integer" min="-1920" max="1920" units="cm"/>
+          <inkml:channel name="Y" type="integer" max="1080" units="cm"/>
+          <inkml:channel name="T" type="integer" max="2.14748E9" units="dev"/>
+        </inkml:traceFormat>
+        <inkml:channelProperties>
+          <inkml:channelProperty channel="X" name="resolution" value="139.13043" units="1/cm"/>
+          <inkml:channelProperty channel="Y" name="resolution" value="69.67742" units="1/cm"/>
+          <inkml:channelProperty channel="T" name="resolution" value="1" units="1/dev"/>
+        </inkml:channelProperties>
+      </inkml:inkSource>
+      <inkml:timestamp xml:id="ts0" timeString="2017-01-19T14:30:37.945"/>
+    </inkml:context>
+    <inkml:brush xml:id="br0">
+      <inkml:brushProperty name="width" value="0.05833" units="cm"/>
+      <inkml:brushProperty name="height" value="0.05833" units="cm"/>
+      <inkml:brushProperty name="color" value="#ED1C24"/>
+      <inkml:brushProperty name="fitToCurve" value="1"/>
+    </inkml:brush>
+  </inkml:definitions>
+  <inkml:trace contextRef="#ctx0" brushRef="#br0">-256-282 0</inkml:trace>
+  <inkml:trace contextRef="#ctx0" brushRef="#br0" timeOffset="-503.16">-564-26 0</inkml:trace>
+  <inkml:trace contextRef="#ctx0" brushRef="#br0" timeOffset="1128.16">1591-770 0</inkml:trace>
+  <inkml:trace contextRef="#ctx0" brushRef="#br0" timeOffset="744.41">924-693 0</inkml:trace>
+</inkml:ink>
+</file>
+
+<file path=ppt/ink/ink9.xml><?xml version="1.0" encoding="utf-8"?>
+<inkml:ink xmlns:inkml="http://www.w3.org/2003/InkML">
+  <inkml:definitions>
+    <inkml:context xml:id="ctx0">
+      <inkml:inkSource xml:id="inkSrc0">
+        <inkml:traceFormat>
+          <inkml:channel name="X" type="integer" min="-1920" max="1920" units="cm"/>
+          <inkml:channel name="Y" type="integer" max="1080" units="cm"/>
+          <inkml:channel name="T" type="integer" max="2.14748E9" units="dev"/>
+        </inkml:traceFormat>
+        <inkml:channelProperties>
+          <inkml:channelProperty channel="X" name="resolution" value="139.13043" units="1/cm"/>
+          <inkml:channelProperty channel="Y" name="resolution" value="69.67742" units="1/cm"/>
+          <inkml:channelProperty channel="T" name="resolution" value="1" units="1/dev"/>
+        </inkml:channelProperties>
+      </inkml:inkSource>
+      <inkml:timestamp xml:id="ts0" timeString="2017-01-19T14:31:35.051"/>
+    </inkml:context>
+    <inkml:brush xml:id="br0">
+      <inkml:brushProperty name="width" value="0.05833" units="cm"/>
+      <inkml:brushProperty name="height" value="0.05833" units="cm"/>
+      <inkml:brushProperty name="color" value="#ED1C24"/>
+      <inkml:brushProperty name="fitToCurve" value="1"/>
+    </inkml:brush>
+  </inkml:definitions>
+  <inkml:trace contextRef="#ctx0" brushRef="#br0">1873 437 0</inkml:trace>
 </inkml:ink>
 </file>
 
@@ -716,7 +878,7 @@
           <a:p>
             <a:fld id="{1D37FB07-B5CC-49B8-84E1-22FBE231681E}" type="datetimeFigureOut">
               <a:rPr lang="en-US" smtClean="0"/>
-              <a:t>6/15/2020</a:t>
+              <a:t>7/23/2021</a:t>
             </a:fld>
             <a:endParaRPr lang="en-US"/>
           </a:p>
@@ -1406,7 +1568,7 @@
           <a:p>
             <a:fld id="{EAEF05B8-B30A-40EA-A8D0-99409BD26F96}" type="slidenum">
               <a:rPr lang="en-US" smtClean="0"/>
-              <a:t>12</a:t>
+              <a:t>13</a:t>
             </a:fld>
             <a:endParaRPr lang="en-US"/>
           </a:p>
@@ -1554,7 +1716,7 @@
           <a:p>
             <a:fld id="{B39A8F00-C517-4D9F-AA6E-F2CF838B1F10}" type="datetimeFigureOut">
               <a:rPr lang="en-US" smtClean="0"/>
-              <a:t>6/15/2020</a:t>
+              <a:t>7/23/2021</a:t>
             </a:fld>
             <a:endParaRPr lang="en-US"/>
           </a:p>
@@ -1722,7 +1884,7 @@
           <a:p>
             <a:fld id="{B39A8F00-C517-4D9F-AA6E-F2CF838B1F10}" type="datetimeFigureOut">
               <a:rPr lang="en-US" smtClean="0"/>
-              <a:t>6/15/2020</a:t>
+              <a:t>7/23/2021</a:t>
             </a:fld>
             <a:endParaRPr lang="en-US"/>
           </a:p>
@@ -1900,7 +2062,7 @@
           <a:p>
             <a:fld id="{B39A8F00-C517-4D9F-AA6E-F2CF838B1F10}" type="datetimeFigureOut">
               <a:rPr lang="en-US" smtClean="0"/>
-              <a:t>6/15/2020</a:t>
+              <a:t>7/23/2021</a:t>
             </a:fld>
             <a:endParaRPr lang="en-US"/>
           </a:p>
@@ -2068,7 +2230,7 @@
           <a:p>
             <a:fld id="{B39A8F00-C517-4D9F-AA6E-F2CF838B1F10}" type="datetimeFigureOut">
               <a:rPr lang="en-US" smtClean="0"/>
-              <a:t>6/15/2020</a:t>
+              <a:t>7/23/2021</a:t>
             </a:fld>
             <a:endParaRPr lang="en-US"/>
           </a:p>
@@ -2313,7 +2475,7 @@
           <a:p>
             <a:fld id="{B39A8F00-C517-4D9F-AA6E-F2CF838B1F10}" type="datetimeFigureOut">
               <a:rPr lang="en-US" smtClean="0"/>
-              <a:t>6/15/2020</a:t>
+              <a:t>7/23/2021</a:t>
             </a:fld>
             <a:endParaRPr lang="en-US"/>
           </a:p>
@@ -2542,7 +2704,7 @@
           <a:p>
             <a:fld id="{B39A8F00-C517-4D9F-AA6E-F2CF838B1F10}" type="datetimeFigureOut">
               <a:rPr lang="en-US" smtClean="0"/>
-              <a:t>6/15/2020</a:t>
+              <a:t>7/23/2021</a:t>
             </a:fld>
             <a:endParaRPr lang="en-US"/>
           </a:p>
@@ -2906,7 +3068,7 @@
           <a:p>
             <a:fld id="{B39A8F00-C517-4D9F-AA6E-F2CF838B1F10}" type="datetimeFigureOut">
               <a:rPr lang="en-US" smtClean="0"/>
-              <a:t>6/15/2020</a:t>
+              <a:t>7/23/2021</a:t>
             </a:fld>
             <a:endParaRPr lang="en-US"/>
           </a:p>
@@ -3023,7 +3185,7 @@
           <a:p>
             <a:fld id="{B39A8F00-C517-4D9F-AA6E-F2CF838B1F10}" type="datetimeFigureOut">
               <a:rPr lang="en-US" smtClean="0"/>
-              <a:t>6/15/2020</a:t>
+              <a:t>7/23/2021</a:t>
             </a:fld>
             <a:endParaRPr lang="en-US"/>
           </a:p>
@@ -3118,7 +3280,7 @@
           <a:p>
             <a:fld id="{B39A8F00-C517-4D9F-AA6E-F2CF838B1F10}" type="datetimeFigureOut">
               <a:rPr lang="en-US" smtClean="0"/>
-              <a:t>6/15/2020</a:t>
+              <a:t>7/23/2021</a:t>
             </a:fld>
             <a:endParaRPr lang="en-US"/>
           </a:p>
@@ -3393,7 +3555,7 @@
           <a:p>
             <a:fld id="{B39A8F00-C517-4D9F-AA6E-F2CF838B1F10}" type="datetimeFigureOut">
               <a:rPr lang="en-US" smtClean="0"/>
-              <a:t>6/15/2020</a:t>
+              <a:t>7/23/2021</a:t>
             </a:fld>
             <a:endParaRPr lang="en-US"/>
           </a:p>
@@ -3645,7 +3807,7 @@
           <a:p>
             <a:fld id="{B39A8F00-C517-4D9F-AA6E-F2CF838B1F10}" type="datetimeFigureOut">
               <a:rPr lang="en-US" smtClean="0"/>
-              <a:t>6/15/2020</a:t>
+              <a:t>7/23/2021</a:t>
             </a:fld>
             <a:endParaRPr lang="en-US"/>
           </a:p>
@@ -3856,7 +4018,7 @@
           <a:p>
             <a:fld id="{B39A8F00-C517-4D9F-AA6E-F2CF838B1F10}" type="datetimeFigureOut">
               <a:rPr lang="en-US" smtClean="0"/>
-              <a:t>6/15/2020</a:t>
+              <a:t>7/23/2021</a:t>
             </a:fld>
             <a:endParaRPr lang="en-US"/>
           </a:p>
@@ -8655,6 +8817,4324 @@
           <a:p>
             <a:r>
               <a:rPr lang="en-US" dirty="0"/>
+              <a:t>Occupancy Models</a:t>
+            </a:r>
+          </a:p>
+        </p:txBody>
+      </p:sp>
+      <p:sp>
+        <p:nvSpPr>
+          <p:cNvPr id="3" name="Content Placeholder 2"/>
+          <p:cNvSpPr>
+            <a:spLocks noGrp="1"/>
+          </p:cNvSpPr>
+          <p:nvPr>
+            <p:ph idx="1"/>
+          </p:nvPr>
+        </p:nvSpPr>
+        <p:spPr/>
+        <p:txBody>
+          <a:bodyPr/>
+          <a:lstStyle/>
+          <a:p>
+            <a:r>
+              <a:rPr lang="en-US" dirty="0"/>
+              <a:t>Note that if we were instead using an occupancy model, these would all be 0s or 1s</a:t>
+            </a:r>
+          </a:p>
+        </p:txBody>
+      </p:sp>
+      <p:pic>
+        <p:nvPicPr>
+          <p:cNvPr id="4" name="Content Placeholder 3"/>
+          <p:cNvPicPr>
+            <a:picLocks noChangeAspect="1" noChangeArrowheads="1"/>
+          </p:cNvPicPr>
+          <p:nvPr/>
+        </p:nvPicPr>
+        <p:blipFill>
+          <a:blip r:embed="rId2" cstate="print"/>
+          <a:srcRect l="13125" t="34000" r="53125" b="36000"/>
+          <a:stretch>
+            <a:fillRect/>
+          </a:stretch>
+        </p:blipFill>
+        <p:spPr bwMode="auto">
+          <a:xfrm>
+            <a:off x="2881850" y="2840040"/>
+            <a:ext cx="6428299" cy="3571277"/>
+          </a:xfrm>
+          <a:prstGeom prst="rect">
+            <a:avLst/>
+          </a:prstGeom>
+          <a:noFill/>
+          <a:ln w="9525">
+            <a:noFill/>
+            <a:miter lim="800000"/>
+            <a:headEnd/>
+            <a:tailEnd/>
+          </a:ln>
+        </p:spPr>
+      </p:pic>
+      <mc:AlternateContent xmlns:mc="http://schemas.openxmlformats.org/markup-compatibility/2006">
+        <mc:Choice xmlns:p14="http://schemas.microsoft.com/office/powerpoint/2010/main" Requires="p14">
+          <p:contentPart p14:bwMode="auto" r:id="rId3">
+            <p14:nvContentPartPr>
+              <p14:cNvPr id="7" name="Ink 6"/>
+              <p14:cNvContentPartPr/>
+              <p14:nvPr/>
+            </p14:nvContentPartPr>
+            <p14:xfrm>
+              <a:off x="5431000" y="4747611"/>
+              <a:ext cx="813240" cy="637560"/>
+            </p14:xfrm>
+          </p:contentPart>
+        </mc:Choice>
+        <mc:Fallback>
+          <p:pic>
+            <p:nvPicPr>
+              <p:cNvPr id="7" name="Ink 6"/>
+              <p:cNvPicPr/>
+              <p:nvPr/>
+            </p:nvPicPr>
+            <p:blipFill>
+              <a:blip r:embed="rId4"/>
+              <a:stretch>
+                <a:fillRect/>
+              </a:stretch>
+            </p:blipFill>
+            <p:spPr>
+              <a:xfrm>
+                <a:off x="5420560" y="4737171"/>
+                <a:ext cx="833760" cy="658080"/>
+              </a:xfrm>
+              <a:prstGeom prst="rect">
+                <a:avLst/>
+              </a:prstGeom>
+            </p:spPr>
+          </p:pic>
+        </mc:Fallback>
+      </mc:AlternateContent>
+      <mc:AlternateContent xmlns:mc="http://schemas.openxmlformats.org/markup-compatibility/2006">
+        <mc:Choice xmlns:p14="http://schemas.microsoft.com/office/powerpoint/2010/main" Requires="p14">
+          <p:contentPart p14:bwMode="auto" r:id="rId5">
+            <p14:nvContentPartPr>
+              <p14:cNvPr id="53" name="Ink 52"/>
+              <p14:cNvContentPartPr/>
+              <p14:nvPr/>
+            </p14:nvContentPartPr>
+            <p14:xfrm>
+              <a:off x="7638520" y="4728891"/>
+              <a:ext cx="83520" cy="406800"/>
+            </p14:xfrm>
+          </p:contentPart>
+        </mc:Choice>
+        <mc:Fallback>
+          <p:pic>
+            <p:nvPicPr>
+              <p:cNvPr id="53" name="Ink 52"/>
+              <p:cNvPicPr/>
+              <p:nvPr/>
+            </p:nvPicPr>
+            <p:blipFill>
+              <a:blip r:embed="rId6"/>
+              <a:stretch>
+                <a:fillRect/>
+              </a:stretch>
+            </p:blipFill>
+            <p:spPr>
+              <a:xfrm>
+                <a:off x="7628080" y="4718451"/>
+                <a:ext cx="104040" cy="427320"/>
+              </a:xfrm>
+              <a:prstGeom prst="rect">
+                <a:avLst/>
+              </a:prstGeom>
+            </p:spPr>
+          </p:pic>
+        </mc:Fallback>
+      </mc:AlternateContent>
+      <mc:AlternateContent xmlns:mc="http://schemas.openxmlformats.org/markup-compatibility/2006">
+        <mc:Choice xmlns:p14="http://schemas.microsoft.com/office/powerpoint/2010/main" Requires="p14">
+          <p:contentPart p14:bwMode="auto" r:id="rId7">
+            <p14:nvContentPartPr>
+              <p14:cNvPr id="54" name="Ink 53"/>
+              <p14:cNvContentPartPr/>
+              <p14:nvPr/>
+            </p14:nvContentPartPr>
+            <p14:xfrm>
+              <a:off x="5680480" y="5698731"/>
+              <a:ext cx="776160" cy="268200"/>
+            </p14:xfrm>
+          </p:contentPart>
+        </mc:Choice>
+        <mc:Fallback>
+          <p:pic>
+            <p:nvPicPr>
+              <p:cNvPr id="54" name="Ink 53"/>
+              <p:cNvPicPr/>
+              <p:nvPr/>
+            </p:nvPicPr>
+            <p:blipFill>
+              <a:blip r:embed="rId8"/>
+              <a:stretch>
+                <a:fillRect/>
+              </a:stretch>
+            </p:blipFill>
+            <p:spPr>
+              <a:xfrm>
+                <a:off x="5670040" y="5688291"/>
+                <a:ext cx="796680" cy="288720"/>
+              </a:xfrm>
+              <a:prstGeom prst="rect">
+                <a:avLst/>
+              </a:prstGeom>
+            </p:spPr>
+          </p:pic>
+        </mc:Fallback>
+      </mc:AlternateContent>
+      <mc:AlternateContent xmlns:mc="http://schemas.openxmlformats.org/markup-compatibility/2006">
+        <mc:Choice xmlns:p14="http://schemas.microsoft.com/office/powerpoint/2010/main" Requires="p14">
+          <p:contentPart p14:bwMode="auto" r:id="rId9">
+            <p14:nvContentPartPr>
+              <p14:cNvPr id="58" name="Ink 57"/>
+              <p14:cNvContentPartPr/>
+              <p14:nvPr/>
+            </p14:nvContentPartPr>
+            <p14:xfrm>
+              <a:off x="8312800" y="4886211"/>
+              <a:ext cx="360" cy="360"/>
+            </p14:xfrm>
+          </p:contentPart>
+        </mc:Choice>
+        <mc:Fallback>
+          <p:pic>
+            <p:nvPicPr>
+              <p:cNvPr id="58" name="Ink 57"/>
+              <p:cNvPicPr/>
+              <p:nvPr/>
+            </p:nvPicPr>
+            <p:blipFill>
+              <a:blip r:embed="rId10"/>
+              <a:stretch>
+                <a:fillRect/>
+              </a:stretch>
+            </p:blipFill>
+            <p:spPr>
+              <a:xfrm>
+                <a:off x="8302360" y="4875771"/>
+                <a:ext cx="20880" cy="20880"/>
+              </a:xfrm>
+              <a:prstGeom prst="rect">
+                <a:avLst/>
+              </a:prstGeom>
+            </p:spPr>
+          </p:pic>
+        </mc:Fallback>
+      </mc:AlternateContent>
+      <mc:AlternateContent xmlns:mc="http://schemas.openxmlformats.org/markup-compatibility/2006">
+        <mc:Choice xmlns:p14="http://schemas.microsoft.com/office/powerpoint/2010/main" Requires="p14">
+          <p:contentPart p14:bwMode="auto" r:id="rId11">
+            <p14:nvContentPartPr>
+              <p14:cNvPr id="60" name="Ink 59"/>
+              <p14:cNvContentPartPr/>
+              <p14:nvPr/>
+            </p14:nvContentPartPr>
+            <p14:xfrm>
+              <a:off x="3999280" y="5301651"/>
+              <a:ext cx="2392560" cy="693000"/>
+            </p14:xfrm>
+          </p:contentPart>
+        </mc:Choice>
+        <mc:Fallback>
+          <p:pic>
+            <p:nvPicPr>
+              <p:cNvPr id="60" name="Ink 59"/>
+              <p:cNvPicPr/>
+              <p:nvPr/>
+            </p:nvPicPr>
+            <p:blipFill>
+              <a:blip r:embed="rId12"/>
+              <a:stretch>
+                <a:fillRect/>
+              </a:stretch>
+            </p:blipFill>
+            <p:spPr>
+              <a:xfrm>
+                <a:off x="3988840" y="5291211"/>
+                <a:ext cx="2413080" cy="713520"/>
+              </a:xfrm>
+              <a:prstGeom prst="rect">
+                <a:avLst/>
+              </a:prstGeom>
+            </p:spPr>
+          </p:pic>
+        </mc:Fallback>
+      </mc:AlternateContent>
+      <p:sp>
+        <p:nvSpPr>
+          <p:cNvPr id="64" name="Freeform 63"/>
+          <p:cNvSpPr/>
+          <p:nvPr/>
+        </p:nvSpPr>
+        <p:spPr>
+          <a:xfrm>
+            <a:off x="4655127" y="3611418"/>
+            <a:ext cx="665018" cy="184727"/>
+          </a:xfrm>
+          <a:custGeom>
+            <a:avLst/>
+            <a:gdLst>
+              <a:gd name="connsiteX0" fmla="*/ 0 w 665018"/>
+              <a:gd name="connsiteY0" fmla="*/ 184727 h 184727"/>
+              <a:gd name="connsiteX1" fmla="*/ 46182 w 665018"/>
+              <a:gd name="connsiteY1" fmla="*/ 138546 h 184727"/>
+              <a:gd name="connsiteX2" fmla="*/ 83128 w 665018"/>
+              <a:gd name="connsiteY2" fmla="*/ 129309 h 184727"/>
+              <a:gd name="connsiteX3" fmla="*/ 110837 w 665018"/>
+              <a:gd name="connsiteY3" fmla="*/ 110837 h 184727"/>
+              <a:gd name="connsiteX4" fmla="*/ 166255 w 665018"/>
+              <a:gd name="connsiteY4" fmla="*/ 92364 h 184727"/>
+              <a:gd name="connsiteX5" fmla="*/ 193964 w 665018"/>
+              <a:gd name="connsiteY5" fmla="*/ 83127 h 184727"/>
+              <a:gd name="connsiteX6" fmla="*/ 221673 w 665018"/>
+              <a:gd name="connsiteY6" fmla="*/ 73891 h 184727"/>
+              <a:gd name="connsiteX7" fmla="*/ 249382 w 665018"/>
+              <a:gd name="connsiteY7" fmla="*/ 55418 h 184727"/>
+              <a:gd name="connsiteX8" fmla="*/ 277091 w 665018"/>
+              <a:gd name="connsiteY8" fmla="*/ 46182 h 184727"/>
+              <a:gd name="connsiteX9" fmla="*/ 295564 w 665018"/>
+              <a:gd name="connsiteY9" fmla="*/ 18473 h 184727"/>
+              <a:gd name="connsiteX10" fmla="*/ 323273 w 665018"/>
+              <a:gd name="connsiteY10" fmla="*/ 0 h 184727"/>
+              <a:gd name="connsiteX11" fmla="*/ 406400 w 665018"/>
+              <a:gd name="connsiteY11" fmla="*/ 9237 h 184727"/>
+              <a:gd name="connsiteX12" fmla="*/ 452582 w 665018"/>
+              <a:gd name="connsiteY12" fmla="*/ 18473 h 184727"/>
+              <a:gd name="connsiteX13" fmla="*/ 526473 w 665018"/>
+              <a:gd name="connsiteY13" fmla="*/ 27709 h 184727"/>
+              <a:gd name="connsiteX14" fmla="*/ 563418 w 665018"/>
+              <a:gd name="connsiteY14" fmla="*/ 36946 h 184727"/>
+              <a:gd name="connsiteX15" fmla="*/ 665018 w 665018"/>
+              <a:gd name="connsiteY15" fmla="*/ 18473 h 184727"/>
+              <a:gd name="connsiteX16" fmla="*/ 572655 w 665018"/>
+              <a:gd name="connsiteY16" fmla="*/ 55418 h 184727"/>
+              <a:gd name="connsiteX17" fmla="*/ 544946 w 665018"/>
+              <a:gd name="connsiteY17" fmla="*/ 64655 h 184727"/>
+              <a:gd name="connsiteX18" fmla="*/ 517237 w 665018"/>
+              <a:gd name="connsiteY18" fmla="*/ 83127 h 184727"/>
+              <a:gd name="connsiteX19" fmla="*/ 461818 w 665018"/>
+              <a:gd name="connsiteY19" fmla="*/ 101600 h 184727"/>
+              <a:gd name="connsiteX20" fmla="*/ 406400 w 665018"/>
+              <a:gd name="connsiteY20" fmla="*/ 129309 h 184727"/>
+              <a:gd name="connsiteX21" fmla="*/ 350982 w 665018"/>
+              <a:gd name="connsiteY21" fmla="*/ 157018 h 184727"/>
+              <a:gd name="connsiteX22" fmla="*/ 295564 w 665018"/>
+              <a:gd name="connsiteY22" fmla="*/ 147782 h 184727"/>
+              <a:gd name="connsiteX23" fmla="*/ 240146 w 665018"/>
+              <a:gd name="connsiteY23" fmla="*/ 129309 h 184727"/>
+              <a:gd name="connsiteX24" fmla="*/ 55418 w 665018"/>
+              <a:gd name="connsiteY24" fmla="*/ 147782 h 184727"/>
+            </a:gdLst>
+            <a:ahLst/>
+            <a:cxnLst>
+              <a:cxn ang="0">
+                <a:pos x="connsiteX0" y="connsiteY0"/>
+              </a:cxn>
+              <a:cxn ang="0">
+                <a:pos x="connsiteX1" y="connsiteY1"/>
+              </a:cxn>
+              <a:cxn ang="0">
+                <a:pos x="connsiteX2" y="connsiteY2"/>
+              </a:cxn>
+              <a:cxn ang="0">
+                <a:pos x="connsiteX3" y="connsiteY3"/>
+              </a:cxn>
+              <a:cxn ang="0">
+                <a:pos x="connsiteX4" y="connsiteY4"/>
+              </a:cxn>
+              <a:cxn ang="0">
+                <a:pos x="connsiteX5" y="connsiteY5"/>
+              </a:cxn>
+              <a:cxn ang="0">
+                <a:pos x="connsiteX6" y="connsiteY6"/>
+              </a:cxn>
+              <a:cxn ang="0">
+                <a:pos x="connsiteX7" y="connsiteY7"/>
+              </a:cxn>
+              <a:cxn ang="0">
+                <a:pos x="connsiteX8" y="connsiteY8"/>
+              </a:cxn>
+              <a:cxn ang="0">
+                <a:pos x="connsiteX9" y="connsiteY9"/>
+              </a:cxn>
+              <a:cxn ang="0">
+                <a:pos x="connsiteX10" y="connsiteY10"/>
+              </a:cxn>
+              <a:cxn ang="0">
+                <a:pos x="connsiteX11" y="connsiteY11"/>
+              </a:cxn>
+              <a:cxn ang="0">
+                <a:pos x="connsiteX12" y="connsiteY12"/>
+              </a:cxn>
+              <a:cxn ang="0">
+                <a:pos x="connsiteX13" y="connsiteY13"/>
+              </a:cxn>
+              <a:cxn ang="0">
+                <a:pos x="connsiteX14" y="connsiteY14"/>
+              </a:cxn>
+              <a:cxn ang="0">
+                <a:pos x="connsiteX15" y="connsiteY15"/>
+              </a:cxn>
+              <a:cxn ang="0">
+                <a:pos x="connsiteX16" y="connsiteY16"/>
+              </a:cxn>
+              <a:cxn ang="0">
+                <a:pos x="connsiteX17" y="connsiteY17"/>
+              </a:cxn>
+              <a:cxn ang="0">
+                <a:pos x="connsiteX18" y="connsiteY18"/>
+              </a:cxn>
+              <a:cxn ang="0">
+                <a:pos x="connsiteX19" y="connsiteY19"/>
+              </a:cxn>
+              <a:cxn ang="0">
+                <a:pos x="connsiteX20" y="connsiteY20"/>
+              </a:cxn>
+              <a:cxn ang="0">
+                <a:pos x="connsiteX21" y="connsiteY21"/>
+              </a:cxn>
+              <a:cxn ang="0">
+                <a:pos x="connsiteX22" y="connsiteY22"/>
+              </a:cxn>
+              <a:cxn ang="0">
+                <a:pos x="connsiteX23" y="connsiteY23"/>
+              </a:cxn>
+              <a:cxn ang="0">
+                <a:pos x="connsiteX24" y="connsiteY24"/>
+              </a:cxn>
+            </a:cxnLst>
+            <a:rect l="l" t="t" r="r" b="b"/>
+            <a:pathLst>
+              <a:path w="665018" h="184727">
+                <a:moveTo>
+                  <a:pt x="0" y="184727"/>
+                </a:moveTo>
+                <a:cubicBezTo>
+                  <a:pt x="15394" y="169333"/>
+                  <a:pt x="28068" y="150622"/>
+                  <a:pt x="46182" y="138546"/>
+                </a:cubicBezTo>
+                <a:cubicBezTo>
+                  <a:pt x="56744" y="131504"/>
+                  <a:pt x="71460" y="134310"/>
+                  <a:pt x="83128" y="129309"/>
+                </a:cubicBezTo>
+                <a:cubicBezTo>
+                  <a:pt x="93331" y="124936"/>
+                  <a:pt x="100693" y="115345"/>
+                  <a:pt x="110837" y="110837"/>
+                </a:cubicBezTo>
+                <a:cubicBezTo>
+                  <a:pt x="128631" y="102929"/>
+                  <a:pt x="147782" y="98522"/>
+                  <a:pt x="166255" y="92364"/>
+                </a:cubicBezTo>
+                <a:lnTo>
+                  <a:pt x="193964" y="83127"/>
+                </a:lnTo>
+                <a:lnTo>
+                  <a:pt x="221673" y="73891"/>
+                </a:lnTo>
+                <a:cubicBezTo>
+                  <a:pt x="230909" y="67733"/>
+                  <a:pt x="239453" y="60382"/>
+                  <a:pt x="249382" y="55418"/>
+                </a:cubicBezTo>
+                <a:cubicBezTo>
+                  <a:pt x="258090" y="51064"/>
+                  <a:pt x="269488" y="52264"/>
+                  <a:pt x="277091" y="46182"/>
+                </a:cubicBezTo>
+                <a:cubicBezTo>
+                  <a:pt x="285759" y="39247"/>
+                  <a:pt x="287715" y="26322"/>
+                  <a:pt x="295564" y="18473"/>
+                </a:cubicBezTo>
+                <a:cubicBezTo>
+                  <a:pt x="303413" y="10624"/>
+                  <a:pt x="314037" y="6158"/>
+                  <a:pt x="323273" y="0"/>
+                </a:cubicBezTo>
+                <a:cubicBezTo>
+                  <a:pt x="350982" y="3079"/>
+                  <a:pt x="378801" y="5294"/>
+                  <a:pt x="406400" y="9237"/>
+                </a:cubicBezTo>
+                <a:cubicBezTo>
+                  <a:pt x="421941" y="11457"/>
+                  <a:pt x="437066" y="16086"/>
+                  <a:pt x="452582" y="18473"/>
+                </a:cubicBezTo>
+                <a:cubicBezTo>
+                  <a:pt x="477115" y="22247"/>
+                  <a:pt x="501843" y="24630"/>
+                  <a:pt x="526473" y="27709"/>
+                </a:cubicBezTo>
+                <a:cubicBezTo>
+                  <a:pt x="538788" y="30788"/>
+                  <a:pt x="550724" y="36946"/>
+                  <a:pt x="563418" y="36946"/>
+                </a:cubicBezTo>
+                <a:cubicBezTo>
+                  <a:pt x="596509" y="36946"/>
+                  <a:pt x="632684" y="26556"/>
+                  <a:pt x="665018" y="18473"/>
+                </a:cubicBezTo>
+                <a:cubicBezTo>
+                  <a:pt x="610653" y="45656"/>
+                  <a:pt x="641140" y="32590"/>
+                  <a:pt x="572655" y="55418"/>
+                </a:cubicBezTo>
+                <a:cubicBezTo>
+                  <a:pt x="563419" y="58497"/>
+                  <a:pt x="553047" y="59255"/>
+                  <a:pt x="544946" y="64655"/>
+                </a:cubicBezTo>
+                <a:cubicBezTo>
+                  <a:pt x="535710" y="70812"/>
+                  <a:pt x="527381" y="78619"/>
+                  <a:pt x="517237" y="83127"/>
+                </a:cubicBezTo>
+                <a:cubicBezTo>
+                  <a:pt x="499443" y="91035"/>
+                  <a:pt x="461818" y="101600"/>
+                  <a:pt x="461818" y="101600"/>
+                </a:cubicBezTo>
+                <a:cubicBezTo>
+                  <a:pt x="382407" y="154541"/>
+                  <a:pt x="482880" y="91069"/>
+                  <a:pt x="406400" y="129309"/>
+                </a:cubicBezTo>
+                <a:cubicBezTo>
+                  <a:pt x="334781" y="165119"/>
+                  <a:pt x="420629" y="133803"/>
+                  <a:pt x="350982" y="157018"/>
+                </a:cubicBezTo>
+                <a:cubicBezTo>
+                  <a:pt x="332509" y="153939"/>
+                  <a:pt x="313732" y="152324"/>
+                  <a:pt x="295564" y="147782"/>
+                </a:cubicBezTo>
+                <a:cubicBezTo>
+                  <a:pt x="276673" y="143059"/>
+                  <a:pt x="240146" y="129309"/>
+                  <a:pt x="240146" y="129309"/>
+                </a:cubicBezTo>
+                <a:cubicBezTo>
+                  <a:pt x="60307" y="138775"/>
+                  <a:pt x="106078" y="97127"/>
+                  <a:pt x="55418" y="147782"/>
+                </a:cubicBezTo>
+              </a:path>
+            </a:pathLst>
+          </a:custGeom>
+          <a:solidFill>
+            <a:schemeClr val="bg1"/>
+          </a:solidFill>
+          <a:ln>
+            <a:solidFill>
+              <a:schemeClr val="bg1"/>
+            </a:solidFill>
+          </a:ln>
+        </p:spPr>
+        <p:style>
+          <a:lnRef idx="2">
+            <a:schemeClr val="accent1">
+              <a:shade val="50000"/>
+            </a:schemeClr>
+          </a:lnRef>
+          <a:fillRef idx="1">
+            <a:schemeClr val="accent1"/>
+          </a:fillRef>
+          <a:effectRef idx="0">
+            <a:schemeClr val="accent1"/>
+          </a:effectRef>
+          <a:fontRef idx="minor">
+            <a:schemeClr val="lt1"/>
+          </a:fontRef>
+        </p:style>
+        <p:txBody>
+          <a:bodyPr rtlCol="0" anchor="ctr"/>
+          <a:lstStyle/>
+          <a:p>
+            <a:pPr algn="ctr"/>
+            <a:r>
+              <a:rPr lang="en-US" dirty="0">
+                <a:solidFill>
+                  <a:schemeClr val="tx1"/>
+                </a:solidFill>
+              </a:rPr>
+              <a:t>000</a:t>
+            </a:r>
+          </a:p>
+        </p:txBody>
+      </p:sp>
+      <p:sp>
+        <p:nvSpPr>
+          <p:cNvPr id="65" name="Freeform 64"/>
+          <p:cNvSpPr/>
+          <p:nvPr/>
+        </p:nvSpPr>
+        <p:spPr>
+          <a:xfrm>
+            <a:off x="4765982" y="3860800"/>
+            <a:ext cx="665018" cy="210045"/>
+          </a:xfrm>
+          <a:custGeom>
+            <a:avLst/>
+            <a:gdLst>
+              <a:gd name="connsiteX0" fmla="*/ 0 w 665018"/>
+              <a:gd name="connsiteY0" fmla="*/ 184727 h 184727"/>
+              <a:gd name="connsiteX1" fmla="*/ 46182 w 665018"/>
+              <a:gd name="connsiteY1" fmla="*/ 138546 h 184727"/>
+              <a:gd name="connsiteX2" fmla="*/ 83128 w 665018"/>
+              <a:gd name="connsiteY2" fmla="*/ 129309 h 184727"/>
+              <a:gd name="connsiteX3" fmla="*/ 110837 w 665018"/>
+              <a:gd name="connsiteY3" fmla="*/ 110837 h 184727"/>
+              <a:gd name="connsiteX4" fmla="*/ 166255 w 665018"/>
+              <a:gd name="connsiteY4" fmla="*/ 92364 h 184727"/>
+              <a:gd name="connsiteX5" fmla="*/ 193964 w 665018"/>
+              <a:gd name="connsiteY5" fmla="*/ 83127 h 184727"/>
+              <a:gd name="connsiteX6" fmla="*/ 221673 w 665018"/>
+              <a:gd name="connsiteY6" fmla="*/ 73891 h 184727"/>
+              <a:gd name="connsiteX7" fmla="*/ 249382 w 665018"/>
+              <a:gd name="connsiteY7" fmla="*/ 55418 h 184727"/>
+              <a:gd name="connsiteX8" fmla="*/ 277091 w 665018"/>
+              <a:gd name="connsiteY8" fmla="*/ 46182 h 184727"/>
+              <a:gd name="connsiteX9" fmla="*/ 295564 w 665018"/>
+              <a:gd name="connsiteY9" fmla="*/ 18473 h 184727"/>
+              <a:gd name="connsiteX10" fmla="*/ 323273 w 665018"/>
+              <a:gd name="connsiteY10" fmla="*/ 0 h 184727"/>
+              <a:gd name="connsiteX11" fmla="*/ 406400 w 665018"/>
+              <a:gd name="connsiteY11" fmla="*/ 9237 h 184727"/>
+              <a:gd name="connsiteX12" fmla="*/ 452582 w 665018"/>
+              <a:gd name="connsiteY12" fmla="*/ 18473 h 184727"/>
+              <a:gd name="connsiteX13" fmla="*/ 526473 w 665018"/>
+              <a:gd name="connsiteY13" fmla="*/ 27709 h 184727"/>
+              <a:gd name="connsiteX14" fmla="*/ 563418 w 665018"/>
+              <a:gd name="connsiteY14" fmla="*/ 36946 h 184727"/>
+              <a:gd name="connsiteX15" fmla="*/ 665018 w 665018"/>
+              <a:gd name="connsiteY15" fmla="*/ 18473 h 184727"/>
+              <a:gd name="connsiteX16" fmla="*/ 572655 w 665018"/>
+              <a:gd name="connsiteY16" fmla="*/ 55418 h 184727"/>
+              <a:gd name="connsiteX17" fmla="*/ 544946 w 665018"/>
+              <a:gd name="connsiteY17" fmla="*/ 64655 h 184727"/>
+              <a:gd name="connsiteX18" fmla="*/ 517237 w 665018"/>
+              <a:gd name="connsiteY18" fmla="*/ 83127 h 184727"/>
+              <a:gd name="connsiteX19" fmla="*/ 461818 w 665018"/>
+              <a:gd name="connsiteY19" fmla="*/ 101600 h 184727"/>
+              <a:gd name="connsiteX20" fmla="*/ 406400 w 665018"/>
+              <a:gd name="connsiteY20" fmla="*/ 129309 h 184727"/>
+              <a:gd name="connsiteX21" fmla="*/ 350982 w 665018"/>
+              <a:gd name="connsiteY21" fmla="*/ 157018 h 184727"/>
+              <a:gd name="connsiteX22" fmla="*/ 295564 w 665018"/>
+              <a:gd name="connsiteY22" fmla="*/ 147782 h 184727"/>
+              <a:gd name="connsiteX23" fmla="*/ 240146 w 665018"/>
+              <a:gd name="connsiteY23" fmla="*/ 129309 h 184727"/>
+              <a:gd name="connsiteX24" fmla="*/ 55418 w 665018"/>
+              <a:gd name="connsiteY24" fmla="*/ 147782 h 184727"/>
+            </a:gdLst>
+            <a:ahLst/>
+            <a:cxnLst>
+              <a:cxn ang="0">
+                <a:pos x="connsiteX0" y="connsiteY0"/>
+              </a:cxn>
+              <a:cxn ang="0">
+                <a:pos x="connsiteX1" y="connsiteY1"/>
+              </a:cxn>
+              <a:cxn ang="0">
+                <a:pos x="connsiteX2" y="connsiteY2"/>
+              </a:cxn>
+              <a:cxn ang="0">
+                <a:pos x="connsiteX3" y="connsiteY3"/>
+              </a:cxn>
+              <a:cxn ang="0">
+                <a:pos x="connsiteX4" y="connsiteY4"/>
+              </a:cxn>
+              <a:cxn ang="0">
+                <a:pos x="connsiteX5" y="connsiteY5"/>
+              </a:cxn>
+              <a:cxn ang="0">
+                <a:pos x="connsiteX6" y="connsiteY6"/>
+              </a:cxn>
+              <a:cxn ang="0">
+                <a:pos x="connsiteX7" y="connsiteY7"/>
+              </a:cxn>
+              <a:cxn ang="0">
+                <a:pos x="connsiteX8" y="connsiteY8"/>
+              </a:cxn>
+              <a:cxn ang="0">
+                <a:pos x="connsiteX9" y="connsiteY9"/>
+              </a:cxn>
+              <a:cxn ang="0">
+                <a:pos x="connsiteX10" y="connsiteY10"/>
+              </a:cxn>
+              <a:cxn ang="0">
+                <a:pos x="connsiteX11" y="connsiteY11"/>
+              </a:cxn>
+              <a:cxn ang="0">
+                <a:pos x="connsiteX12" y="connsiteY12"/>
+              </a:cxn>
+              <a:cxn ang="0">
+                <a:pos x="connsiteX13" y="connsiteY13"/>
+              </a:cxn>
+              <a:cxn ang="0">
+                <a:pos x="connsiteX14" y="connsiteY14"/>
+              </a:cxn>
+              <a:cxn ang="0">
+                <a:pos x="connsiteX15" y="connsiteY15"/>
+              </a:cxn>
+              <a:cxn ang="0">
+                <a:pos x="connsiteX16" y="connsiteY16"/>
+              </a:cxn>
+              <a:cxn ang="0">
+                <a:pos x="connsiteX17" y="connsiteY17"/>
+              </a:cxn>
+              <a:cxn ang="0">
+                <a:pos x="connsiteX18" y="connsiteY18"/>
+              </a:cxn>
+              <a:cxn ang="0">
+                <a:pos x="connsiteX19" y="connsiteY19"/>
+              </a:cxn>
+              <a:cxn ang="0">
+                <a:pos x="connsiteX20" y="connsiteY20"/>
+              </a:cxn>
+              <a:cxn ang="0">
+                <a:pos x="connsiteX21" y="connsiteY21"/>
+              </a:cxn>
+              <a:cxn ang="0">
+                <a:pos x="connsiteX22" y="connsiteY22"/>
+              </a:cxn>
+              <a:cxn ang="0">
+                <a:pos x="connsiteX23" y="connsiteY23"/>
+              </a:cxn>
+              <a:cxn ang="0">
+                <a:pos x="connsiteX24" y="connsiteY24"/>
+              </a:cxn>
+            </a:cxnLst>
+            <a:rect l="l" t="t" r="r" b="b"/>
+            <a:pathLst>
+              <a:path w="665018" h="184727">
+                <a:moveTo>
+                  <a:pt x="0" y="184727"/>
+                </a:moveTo>
+                <a:cubicBezTo>
+                  <a:pt x="15394" y="169333"/>
+                  <a:pt x="28068" y="150622"/>
+                  <a:pt x="46182" y="138546"/>
+                </a:cubicBezTo>
+                <a:cubicBezTo>
+                  <a:pt x="56744" y="131504"/>
+                  <a:pt x="71460" y="134310"/>
+                  <a:pt x="83128" y="129309"/>
+                </a:cubicBezTo>
+                <a:cubicBezTo>
+                  <a:pt x="93331" y="124936"/>
+                  <a:pt x="100693" y="115345"/>
+                  <a:pt x="110837" y="110837"/>
+                </a:cubicBezTo>
+                <a:cubicBezTo>
+                  <a:pt x="128631" y="102929"/>
+                  <a:pt x="147782" y="98522"/>
+                  <a:pt x="166255" y="92364"/>
+                </a:cubicBezTo>
+                <a:lnTo>
+                  <a:pt x="193964" y="83127"/>
+                </a:lnTo>
+                <a:lnTo>
+                  <a:pt x="221673" y="73891"/>
+                </a:lnTo>
+                <a:cubicBezTo>
+                  <a:pt x="230909" y="67733"/>
+                  <a:pt x="239453" y="60382"/>
+                  <a:pt x="249382" y="55418"/>
+                </a:cubicBezTo>
+                <a:cubicBezTo>
+                  <a:pt x="258090" y="51064"/>
+                  <a:pt x="269488" y="52264"/>
+                  <a:pt x="277091" y="46182"/>
+                </a:cubicBezTo>
+                <a:cubicBezTo>
+                  <a:pt x="285759" y="39247"/>
+                  <a:pt x="287715" y="26322"/>
+                  <a:pt x="295564" y="18473"/>
+                </a:cubicBezTo>
+                <a:cubicBezTo>
+                  <a:pt x="303413" y="10624"/>
+                  <a:pt x="314037" y="6158"/>
+                  <a:pt x="323273" y="0"/>
+                </a:cubicBezTo>
+                <a:cubicBezTo>
+                  <a:pt x="350982" y="3079"/>
+                  <a:pt x="378801" y="5294"/>
+                  <a:pt x="406400" y="9237"/>
+                </a:cubicBezTo>
+                <a:cubicBezTo>
+                  <a:pt x="421941" y="11457"/>
+                  <a:pt x="437066" y="16086"/>
+                  <a:pt x="452582" y="18473"/>
+                </a:cubicBezTo>
+                <a:cubicBezTo>
+                  <a:pt x="477115" y="22247"/>
+                  <a:pt x="501843" y="24630"/>
+                  <a:pt x="526473" y="27709"/>
+                </a:cubicBezTo>
+                <a:cubicBezTo>
+                  <a:pt x="538788" y="30788"/>
+                  <a:pt x="550724" y="36946"/>
+                  <a:pt x="563418" y="36946"/>
+                </a:cubicBezTo>
+                <a:cubicBezTo>
+                  <a:pt x="596509" y="36946"/>
+                  <a:pt x="632684" y="26556"/>
+                  <a:pt x="665018" y="18473"/>
+                </a:cubicBezTo>
+                <a:cubicBezTo>
+                  <a:pt x="610653" y="45656"/>
+                  <a:pt x="641140" y="32590"/>
+                  <a:pt x="572655" y="55418"/>
+                </a:cubicBezTo>
+                <a:cubicBezTo>
+                  <a:pt x="563419" y="58497"/>
+                  <a:pt x="553047" y="59255"/>
+                  <a:pt x="544946" y="64655"/>
+                </a:cubicBezTo>
+                <a:cubicBezTo>
+                  <a:pt x="535710" y="70812"/>
+                  <a:pt x="527381" y="78619"/>
+                  <a:pt x="517237" y="83127"/>
+                </a:cubicBezTo>
+                <a:cubicBezTo>
+                  <a:pt x="499443" y="91035"/>
+                  <a:pt x="461818" y="101600"/>
+                  <a:pt x="461818" y="101600"/>
+                </a:cubicBezTo>
+                <a:cubicBezTo>
+                  <a:pt x="382407" y="154541"/>
+                  <a:pt x="482880" y="91069"/>
+                  <a:pt x="406400" y="129309"/>
+                </a:cubicBezTo>
+                <a:cubicBezTo>
+                  <a:pt x="334781" y="165119"/>
+                  <a:pt x="420629" y="133803"/>
+                  <a:pt x="350982" y="157018"/>
+                </a:cubicBezTo>
+                <a:cubicBezTo>
+                  <a:pt x="332509" y="153939"/>
+                  <a:pt x="313732" y="152324"/>
+                  <a:pt x="295564" y="147782"/>
+                </a:cubicBezTo>
+                <a:cubicBezTo>
+                  <a:pt x="276673" y="143059"/>
+                  <a:pt x="240146" y="129309"/>
+                  <a:pt x="240146" y="129309"/>
+                </a:cubicBezTo>
+                <a:cubicBezTo>
+                  <a:pt x="60307" y="138775"/>
+                  <a:pt x="106078" y="97127"/>
+                  <a:pt x="55418" y="147782"/>
+                </a:cubicBezTo>
+              </a:path>
+            </a:pathLst>
+          </a:custGeom>
+          <a:solidFill>
+            <a:schemeClr val="bg1"/>
+          </a:solidFill>
+          <a:ln>
+            <a:solidFill>
+              <a:schemeClr val="bg1"/>
+            </a:solidFill>
+          </a:ln>
+        </p:spPr>
+        <p:style>
+          <a:lnRef idx="2">
+            <a:schemeClr val="accent1">
+              <a:shade val="50000"/>
+            </a:schemeClr>
+          </a:lnRef>
+          <a:fillRef idx="1">
+            <a:schemeClr val="accent1"/>
+          </a:fillRef>
+          <a:effectRef idx="0">
+            <a:schemeClr val="accent1"/>
+          </a:effectRef>
+          <a:fontRef idx="minor">
+            <a:schemeClr val="lt1"/>
+          </a:fontRef>
+        </p:style>
+        <p:txBody>
+          <a:bodyPr rtlCol="0" anchor="ctr"/>
+          <a:lstStyle/>
+          <a:p>
+            <a:pPr algn="ctr"/>
+            <a:r>
+              <a:rPr lang="en-US" dirty="0">
+                <a:solidFill>
+                  <a:schemeClr val="tx1"/>
+                </a:solidFill>
+              </a:rPr>
+              <a:t>100</a:t>
+            </a:r>
+          </a:p>
+        </p:txBody>
+      </p:sp>
+      <p:sp>
+        <p:nvSpPr>
+          <p:cNvPr id="66" name="Freeform 65"/>
+          <p:cNvSpPr/>
+          <p:nvPr/>
+        </p:nvSpPr>
+        <p:spPr>
+          <a:xfrm>
+            <a:off x="3736109" y="4152299"/>
+            <a:ext cx="665018" cy="184727"/>
+          </a:xfrm>
+          <a:custGeom>
+            <a:avLst/>
+            <a:gdLst>
+              <a:gd name="connsiteX0" fmla="*/ 0 w 665018"/>
+              <a:gd name="connsiteY0" fmla="*/ 184727 h 184727"/>
+              <a:gd name="connsiteX1" fmla="*/ 46182 w 665018"/>
+              <a:gd name="connsiteY1" fmla="*/ 138546 h 184727"/>
+              <a:gd name="connsiteX2" fmla="*/ 83128 w 665018"/>
+              <a:gd name="connsiteY2" fmla="*/ 129309 h 184727"/>
+              <a:gd name="connsiteX3" fmla="*/ 110837 w 665018"/>
+              <a:gd name="connsiteY3" fmla="*/ 110837 h 184727"/>
+              <a:gd name="connsiteX4" fmla="*/ 166255 w 665018"/>
+              <a:gd name="connsiteY4" fmla="*/ 92364 h 184727"/>
+              <a:gd name="connsiteX5" fmla="*/ 193964 w 665018"/>
+              <a:gd name="connsiteY5" fmla="*/ 83127 h 184727"/>
+              <a:gd name="connsiteX6" fmla="*/ 221673 w 665018"/>
+              <a:gd name="connsiteY6" fmla="*/ 73891 h 184727"/>
+              <a:gd name="connsiteX7" fmla="*/ 249382 w 665018"/>
+              <a:gd name="connsiteY7" fmla="*/ 55418 h 184727"/>
+              <a:gd name="connsiteX8" fmla="*/ 277091 w 665018"/>
+              <a:gd name="connsiteY8" fmla="*/ 46182 h 184727"/>
+              <a:gd name="connsiteX9" fmla="*/ 295564 w 665018"/>
+              <a:gd name="connsiteY9" fmla="*/ 18473 h 184727"/>
+              <a:gd name="connsiteX10" fmla="*/ 323273 w 665018"/>
+              <a:gd name="connsiteY10" fmla="*/ 0 h 184727"/>
+              <a:gd name="connsiteX11" fmla="*/ 406400 w 665018"/>
+              <a:gd name="connsiteY11" fmla="*/ 9237 h 184727"/>
+              <a:gd name="connsiteX12" fmla="*/ 452582 w 665018"/>
+              <a:gd name="connsiteY12" fmla="*/ 18473 h 184727"/>
+              <a:gd name="connsiteX13" fmla="*/ 526473 w 665018"/>
+              <a:gd name="connsiteY13" fmla="*/ 27709 h 184727"/>
+              <a:gd name="connsiteX14" fmla="*/ 563418 w 665018"/>
+              <a:gd name="connsiteY14" fmla="*/ 36946 h 184727"/>
+              <a:gd name="connsiteX15" fmla="*/ 665018 w 665018"/>
+              <a:gd name="connsiteY15" fmla="*/ 18473 h 184727"/>
+              <a:gd name="connsiteX16" fmla="*/ 572655 w 665018"/>
+              <a:gd name="connsiteY16" fmla="*/ 55418 h 184727"/>
+              <a:gd name="connsiteX17" fmla="*/ 544946 w 665018"/>
+              <a:gd name="connsiteY17" fmla="*/ 64655 h 184727"/>
+              <a:gd name="connsiteX18" fmla="*/ 517237 w 665018"/>
+              <a:gd name="connsiteY18" fmla="*/ 83127 h 184727"/>
+              <a:gd name="connsiteX19" fmla="*/ 461818 w 665018"/>
+              <a:gd name="connsiteY19" fmla="*/ 101600 h 184727"/>
+              <a:gd name="connsiteX20" fmla="*/ 406400 w 665018"/>
+              <a:gd name="connsiteY20" fmla="*/ 129309 h 184727"/>
+              <a:gd name="connsiteX21" fmla="*/ 350982 w 665018"/>
+              <a:gd name="connsiteY21" fmla="*/ 157018 h 184727"/>
+              <a:gd name="connsiteX22" fmla="*/ 295564 w 665018"/>
+              <a:gd name="connsiteY22" fmla="*/ 147782 h 184727"/>
+              <a:gd name="connsiteX23" fmla="*/ 240146 w 665018"/>
+              <a:gd name="connsiteY23" fmla="*/ 129309 h 184727"/>
+              <a:gd name="connsiteX24" fmla="*/ 55418 w 665018"/>
+              <a:gd name="connsiteY24" fmla="*/ 147782 h 184727"/>
+            </a:gdLst>
+            <a:ahLst/>
+            <a:cxnLst>
+              <a:cxn ang="0">
+                <a:pos x="connsiteX0" y="connsiteY0"/>
+              </a:cxn>
+              <a:cxn ang="0">
+                <a:pos x="connsiteX1" y="connsiteY1"/>
+              </a:cxn>
+              <a:cxn ang="0">
+                <a:pos x="connsiteX2" y="connsiteY2"/>
+              </a:cxn>
+              <a:cxn ang="0">
+                <a:pos x="connsiteX3" y="connsiteY3"/>
+              </a:cxn>
+              <a:cxn ang="0">
+                <a:pos x="connsiteX4" y="connsiteY4"/>
+              </a:cxn>
+              <a:cxn ang="0">
+                <a:pos x="connsiteX5" y="connsiteY5"/>
+              </a:cxn>
+              <a:cxn ang="0">
+                <a:pos x="connsiteX6" y="connsiteY6"/>
+              </a:cxn>
+              <a:cxn ang="0">
+                <a:pos x="connsiteX7" y="connsiteY7"/>
+              </a:cxn>
+              <a:cxn ang="0">
+                <a:pos x="connsiteX8" y="connsiteY8"/>
+              </a:cxn>
+              <a:cxn ang="0">
+                <a:pos x="connsiteX9" y="connsiteY9"/>
+              </a:cxn>
+              <a:cxn ang="0">
+                <a:pos x="connsiteX10" y="connsiteY10"/>
+              </a:cxn>
+              <a:cxn ang="0">
+                <a:pos x="connsiteX11" y="connsiteY11"/>
+              </a:cxn>
+              <a:cxn ang="0">
+                <a:pos x="connsiteX12" y="connsiteY12"/>
+              </a:cxn>
+              <a:cxn ang="0">
+                <a:pos x="connsiteX13" y="connsiteY13"/>
+              </a:cxn>
+              <a:cxn ang="0">
+                <a:pos x="connsiteX14" y="connsiteY14"/>
+              </a:cxn>
+              <a:cxn ang="0">
+                <a:pos x="connsiteX15" y="connsiteY15"/>
+              </a:cxn>
+              <a:cxn ang="0">
+                <a:pos x="connsiteX16" y="connsiteY16"/>
+              </a:cxn>
+              <a:cxn ang="0">
+                <a:pos x="connsiteX17" y="connsiteY17"/>
+              </a:cxn>
+              <a:cxn ang="0">
+                <a:pos x="connsiteX18" y="connsiteY18"/>
+              </a:cxn>
+              <a:cxn ang="0">
+                <a:pos x="connsiteX19" y="connsiteY19"/>
+              </a:cxn>
+              <a:cxn ang="0">
+                <a:pos x="connsiteX20" y="connsiteY20"/>
+              </a:cxn>
+              <a:cxn ang="0">
+                <a:pos x="connsiteX21" y="connsiteY21"/>
+              </a:cxn>
+              <a:cxn ang="0">
+                <a:pos x="connsiteX22" y="connsiteY22"/>
+              </a:cxn>
+              <a:cxn ang="0">
+                <a:pos x="connsiteX23" y="connsiteY23"/>
+              </a:cxn>
+              <a:cxn ang="0">
+                <a:pos x="connsiteX24" y="connsiteY24"/>
+              </a:cxn>
+            </a:cxnLst>
+            <a:rect l="l" t="t" r="r" b="b"/>
+            <a:pathLst>
+              <a:path w="665018" h="184727">
+                <a:moveTo>
+                  <a:pt x="0" y="184727"/>
+                </a:moveTo>
+                <a:cubicBezTo>
+                  <a:pt x="15394" y="169333"/>
+                  <a:pt x="28068" y="150622"/>
+                  <a:pt x="46182" y="138546"/>
+                </a:cubicBezTo>
+                <a:cubicBezTo>
+                  <a:pt x="56744" y="131504"/>
+                  <a:pt x="71460" y="134310"/>
+                  <a:pt x="83128" y="129309"/>
+                </a:cubicBezTo>
+                <a:cubicBezTo>
+                  <a:pt x="93331" y="124936"/>
+                  <a:pt x="100693" y="115345"/>
+                  <a:pt x="110837" y="110837"/>
+                </a:cubicBezTo>
+                <a:cubicBezTo>
+                  <a:pt x="128631" y="102929"/>
+                  <a:pt x="147782" y="98522"/>
+                  <a:pt x="166255" y="92364"/>
+                </a:cubicBezTo>
+                <a:lnTo>
+                  <a:pt x="193964" y="83127"/>
+                </a:lnTo>
+                <a:lnTo>
+                  <a:pt x="221673" y="73891"/>
+                </a:lnTo>
+                <a:cubicBezTo>
+                  <a:pt x="230909" y="67733"/>
+                  <a:pt x="239453" y="60382"/>
+                  <a:pt x="249382" y="55418"/>
+                </a:cubicBezTo>
+                <a:cubicBezTo>
+                  <a:pt x="258090" y="51064"/>
+                  <a:pt x="269488" y="52264"/>
+                  <a:pt x="277091" y="46182"/>
+                </a:cubicBezTo>
+                <a:cubicBezTo>
+                  <a:pt x="285759" y="39247"/>
+                  <a:pt x="287715" y="26322"/>
+                  <a:pt x="295564" y="18473"/>
+                </a:cubicBezTo>
+                <a:cubicBezTo>
+                  <a:pt x="303413" y="10624"/>
+                  <a:pt x="314037" y="6158"/>
+                  <a:pt x="323273" y="0"/>
+                </a:cubicBezTo>
+                <a:cubicBezTo>
+                  <a:pt x="350982" y="3079"/>
+                  <a:pt x="378801" y="5294"/>
+                  <a:pt x="406400" y="9237"/>
+                </a:cubicBezTo>
+                <a:cubicBezTo>
+                  <a:pt x="421941" y="11457"/>
+                  <a:pt x="437066" y="16086"/>
+                  <a:pt x="452582" y="18473"/>
+                </a:cubicBezTo>
+                <a:cubicBezTo>
+                  <a:pt x="477115" y="22247"/>
+                  <a:pt x="501843" y="24630"/>
+                  <a:pt x="526473" y="27709"/>
+                </a:cubicBezTo>
+                <a:cubicBezTo>
+                  <a:pt x="538788" y="30788"/>
+                  <a:pt x="550724" y="36946"/>
+                  <a:pt x="563418" y="36946"/>
+                </a:cubicBezTo>
+                <a:cubicBezTo>
+                  <a:pt x="596509" y="36946"/>
+                  <a:pt x="632684" y="26556"/>
+                  <a:pt x="665018" y="18473"/>
+                </a:cubicBezTo>
+                <a:cubicBezTo>
+                  <a:pt x="610653" y="45656"/>
+                  <a:pt x="641140" y="32590"/>
+                  <a:pt x="572655" y="55418"/>
+                </a:cubicBezTo>
+                <a:cubicBezTo>
+                  <a:pt x="563419" y="58497"/>
+                  <a:pt x="553047" y="59255"/>
+                  <a:pt x="544946" y="64655"/>
+                </a:cubicBezTo>
+                <a:cubicBezTo>
+                  <a:pt x="535710" y="70812"/>
+                  <a:pt x="527381" y="78619"/>
+                  <a:pt x="517237" y="83127"/>
+                </a:cubicBezTo>
+                <a:cubicBezTo>
+                  <a:pt x="499443" y="91035"/>
+                  <a:pt x="461818" y="101600"/>
+                  <a:pt x="461818" y="101600"/>
+                </a:cubicBezTo>
+                <a:cubicBezTo>
+                  <a:pt x="382407" y="154541"/>
+                  <a:pt x="482880" y="91069"/>
+                  <a:pt x="406400" y="129309"/>
+                </a:cubicBezTo>
+                <a:cubicBezTo>
+                  <a:pt x="334781" y="165119"/>
+                  <a:pt x="420629" y="133803"/>
+                  <a:pt x="350982" y="157018"/>
+                </a:cubicBezTo>
+                <a:cubicBezTo>
+                  <a:pt x="332509" y="153939"/>
+                  <a:pt x="313732" y="152324"/>
+                  <a:pt x="295564" y="147782"/>
+                </a:cubicBezTo>
+                <a:cubicBezTo>
+                  <a:pt x="276673" y="143059"/>
+                  <a:pt x="240146" y="129309"/>
+                  <a:pt x="240146" y="129309"/>
+                </a:cubicBezTo>
+                <a:cubicBezTo>
+                  <a:pt x="60307" y="138775"/>
+                  <a:pt x="106078" y="97127"/>
+                  <a:pt x="55418" y="147782"/>
+                </a:cubicBezTo>
+              </a:path>
+            </a:pathLst>
+          </a:custGeom>
+          <a:solidFill>
+            <a:schemeClr val="bg1"/>
+          </a:solidFill>
+          <a:ln>
+            <a:solidFill>
+              <a:schemeClr val="bg1"/>
+            </a:solidFill>
+          </a:ln>
+        </p:spPr>
+        <p:style>
+          <a:lnRef idx="2">
+            <a:schemeClr val="accent1">
+              <a:shade val="50000"/>
+            </a:schemeClr>
+          </a:lnRef>
+          <a:fillRef idx="1">
+            <a:schemeClr val="accent1"/>
+          </a:fillRef>
+          <a:effectRef idx="0">
+            <a:schemeClr val="accent1"/>
+          </a:effectRef>
+          <a:fontRef idx="minor">
+            <a:schemeClr val="lt1"/>
+          </a:fontRef>
+        </p:style>
+        <p:txBody>
+          <a:bodyPr rtlCol="0" anchor="ctr"/>
+          <a:lstStyle/>
+          <a:p>
+            <a:pPr algn="ctr"/>
+            <a:r>
+              <a:rPr lang="en-US" dirty="0">
+                <a:solidFill>
+                  <a:schemeClr val="tx1"/>
+                </a:solidFill>
+              </a:rPr>
+              <a:t>000</a:t>
+            </a:r>
+          </a:p>
+        </p:txBody>
+      </p:sp>
+      <p:sp>
+        <p:nvSpPr>
+          <p:cNvPr id="67" name="Freeform 66"/>
+          <p:cNvSpPr/>
+          <p:nvPr/>
+        </p:nvSpPr>
+        <p:spPr>
+          <a:xfrm>
+            <a:off x="5126420" y="3312626"/>
+            <a:ext cx="665018" cy="184727"/>
+          </a:xfrm>
+          <a:custGeom>
+            <a:avLst/>
+            <a:gdLst>
+              <a:gd name="connsiteX0" fmla="*/ 0 w 665018"/>
+              <a:gd name="connsiteY0" fmla="*/ 184727 h 184727"/>
+              <a:gd name="connsiteX1" fmla="*/ 46182 w 665018"/>
+              <a:gd name="connsiteY1" fmla="*/ 138546 h 184727"/>
+              <a:gd name="connsiteX2" fmla="*/ 83128 w 665018"/>
+              <a:gd name="connsiteY2" fmla="*/ 129309 h 184727"/>
+              <a:gd name="connsiteX3" fmla="*/ 110837 w 665018"/>
+              <a:gd name="connsiteY3" fmla="*/ 110837 h 184727"/>
+              <a:gd name="connsiteX4" fmla="*/ 166255 w 665018"/>
+              <a:gd name="connsiteY4" fmla="*/ 92364 h 184727"/>
+              <a:gd name="connsiteX5" fmla="*/ 193964 w 665018"/>
+              <a:gd name="connsiteY5" fmla="*/ 83127 h 184727"/>
+              <a:gd name="connsiteX6" fmla="*/ 221673 w 665018"/>
+              <a:gd name="connsiteY6" fmla="*/ 73891 h 184727"/>
+              <a:gd name="connsiteX7" fmla="*/ 249382 w 665018"/>
+              <a:gd name="connsiteY7" fmla="*/ 55418 h 184727"/>
+              <a:gd name="connsiteX8" fmla="*/ 277091 w 665018"/>
+              <a:gd name="connsiteY8" fmla="*/ 46182 h 184727"/>
+              <a:gd name="connsiteX9" fmla="*/ 295564 w 665018"/>
+              <a:gd name="connsiteY9" fmla="*/ 18473 h 184727"/>
+              <a:gd name="connsiteX10" fmla="*/ 323273 w 665018"/>
+              <a:gd name="connsiteY10" fmla="*/ 0 h 184727"/>
+              <a:gd name="connsiteX11" fmla="*/ 406400 w 665018"/>
+              <a:gd name="connsiteY11" fmla="*/ 9237 h 184727"/>
+              <a:gd name="connsiteX12" fmla="*/ 452582 w 665018"/>
+              <a:gd name="connsiteY12" fmla="*/ 18473 h 184727"/>
+              <a:gd name="connsiteX13" fmla="*/ 526473 w 665018"/>
+              <a:gd name="connsiteY13" fmla="*/ 27709 h 184727"/>
+              <a:gd name="connsiteX14" fmla="*/ 563418 w 665018"/>
+              <a:gd name="connsiteY14" fmla="*/ 36946 h 184727"/>
+              <a:gd name="connsiteX15" fmla="*/ 665018 w 665018"/>
+              <a:gd name="connsiteY15" fmla="*/ 18473 h 184727"/>
+              <a:gd name="connsiteX16" fmla="*/ 572655 w 665018"/>
+              <a:gd name="connsiteY16" fmla="*/ 55418 h 184727"/>
+              <a:gd name="connsiteX17" fmla="*/ 544946 w 665018"/>
+              <a:gd name="connsiteY17" fmla="*/ 64655 h 184727"/>
+              <a:gd name="connsiteX18" fmla="*/ 517237 w 665018"/>
+              <a:gd name="connsiteY18" fmla="*/ 83127 h 184727"/>
+              <a:gd name="connsiteX19" fmla="*/ 461818 w 665018"/>
+              <a:gd name="connsiteY19" fmla="*/ 101600 h 184727"/>
+              <a:gd name="connsiteX20" fmla="*/ 406400 w 665018"/>
+              <a:gd name="connsiteY20" fmla="*/ 129309 h 184727"/>
+              <a:gd name="connsiteX21" fmla="*/ 350982 w 665018"/>
+              <a:gd name="connsiteY21" fmla="*/ 157018 h 184727"/>
+              <a:gd name="connsiteX22" fmla="*/ 295564 w 665018"/>
+              <a:gd name="connsiteY22" fmla="*/ 147782 h 184727"/>
+              <a:gd name="connsiteX23" fmla="*/ 240146 w 665018"/>
+              <a:gd name="connsiteY23" fmla="*/ 129309 h 184727"/>
+              <a:gd name="connsiteX24" fmla="*/ 55418 w 665018"/>
+              <a:gd name="connsiteY24" fmla="*/ 147782 h 184727"/>
+            </a:gdLst>
+            <a:ahLst/>
+            <a:cxnLst>
+              <a:cxn ang="0">
+                <a:pos x="connsiteX0" y="connsiteY0"/>
+              </a:cxn>
+              <a:cxn ang="0">
+                <a:pos x="connsiteX1" y="connsiteY1"/>
+              </a:cxn>
+              <a:cxn ang="0">
+                <a:pos x="connsiteX2" y="connsiteY2"/>
+              </a:cxn>
+              <a:cxn ang="0">
+                <a:pos x="connsiteX3" y="connsiteY3"/>
+              </a:cxn>
+              <a:cxn ang="0">
+                <a:pos x="connsiteX4" y="connsiteY4"/>
+              </a:cxn>
+              <a:cxn ang="0">
+                <a:pos x="connsiteX5" y="connsiteY5"/>
+              </a:cxn>
+              <a:cxn ang="0">
+                <a:pos x="connsiteX6" y="connsiteY6"/>
+              </a:cxn>
+              <a:cxn ang="0">
+                <a:pos x="connsiteX7" y="connsiteY7"/>
+              </a:cxn>
+              <a:cxn ang="0">
+                <a:pos x="connsiteX8" y="connsiteY8"/>
+              </a:cxn>
+              <a:cxn ang="0">
+                <a:pos x="connsiteX9" y="connsiteY9"/>
+              </a:cxn>
+              <a:cxn ang="0">
+                <a:pos x="connsiteX10" y="connsiteY10"/>
+              </a:cxn>
+              <a:cxn ang="0">
+                <a:pos x="connsiteX11" y="connsiteY11"/>
+              </a:cxn>
+              <a:cxn ang="0">
+                <a:pos x="connsiteX12" y="connsiteY12"/>
+              </a:cxn>
+              <a:cxn ang="0">
+                <a:pos x="connsiteX13" y="connsiteY13"/>
+              </a:cxn>
+              <a:cxn ang="0">
+                <a:pos x="connsiteX14" y="connsiteY14"/>
+              </a:cxn>
+              <a:cxn ang="0">
+                <a:pos x="connsiteX15" y="connsiteY15"/>
+              </a:cxn>
+              <a:cxn ang="0">
+                <a:pos x="connsiteX16" y="connsiteY16"/>
+              </a:cxn>
+              <a:cxn ang="0">
+                <a:pos x="connsiteX17" y="connsiteY17"/>
+              </a:cxn>
+              <a:cxn ang="0">
+                <a:pos x="connsiteX18" y="connsiteY18"/>
+              </a:cxn>
+              <a:cxn ang="0">
+                <a:pos x="connsiteX19" y="connsiteY19"/>
+              </a:cxn>
+              <a:cxn ang="0">
+                <a:pos x="connsiteX20" y="connsiteY20"/>
+              </a:cxn>
+              <a:cxn ang="0">
+                <a:pos x="connsiteX21" y="connsiteY21"/>
+              </a:cxn>
+              <a:cxn ang="0">
+                <a:pos x="connsiteX22" y="connsiteY22"/>
+              </a:cxn>
+              <a:cxn ang="0">
+                <a:pos x="connsiteX23" y="connsiteY23"/>
+              </a:cxn>
+              <a:cxn ang="0">
+                <a:pos x="connsiteX24" y="connsiteY24"/>
+              </a:cxn>
+            </a:cxnLst>
+            <a:rect l="l" t="t" r="r" b="b"/>
+            <a:pathLst>
+              <a:path w="665018" h="184727">
+                <a:moveTo>
+                  <a:pt x="0" y="184727"/>
+                </a:moveTo>
+                <a:cubicBezTo>
+                  <a:pt x="15394" y="169333"/>
+                  <a:pt x="28068" y="150622"/>
+                  <a:pt x="46182" y="138546"/>
+                </a:cubicBezTo>
+                <a:cubicBezTo>
+                  <a:pt x="56744" y="131504"/>
+                  <a:pt x="71460" y="134310"/>
+                  <a:pt x="83128" y="129309"/>
+                </a:cubicBezTo>
+                <a:cubicBezTo>
+                  <a:pt x="93331" y="124936"/>
+                  <a:pt x="100693" y="115345"/>
+                  <a:pt x="110837" y="110837"/>
+                </a:cubicBezTo>
+                <a:cubicBezTo>
+                  <a:pt x="128631" y="102929"/>
+                  <a:pt x="147782" y="98522"/>
+                  <a:pt x="166255" y="92364"/>
+                </a:cubicBezTo>
+                <a:lnTo>
+                  <a:pt x="193964" y="83127"/>
+                </a:lnTo>
+                <a:lnTo>
+                  <a:pt x="221673" y="73891"/>
+                </a:lnTo>
+                <a:cubicBezTo>
+                  <a:pt x="230909" y="67733"/>
+                  <a:pt x="239453" y="60382"/>
+                  <a:pt x="249382" y="55418"/>
+                </a:cubicBezTo>
+                <a:cubicBezTo>
+                  <a:pt x="258090" y="51064"/>
+                  <a:pt x="269488" y="52264"/>
+                  <a:pt x="277091" y="46182"/>
+                </a:cubicBezTo>
+                <a:cubicBezTo>
+                  <a:pt x="285759" y="39247"/>
+                  <a:pt x="287715" y="26322"/>
+                  <a:pt x="295564" y="18473"/>
+                </a:cubicBezTo>
+                <a:cubicBezTo>
+                  <a:pt x="303413" y="10624"/>
+                  <a:pt x="314037" y="6158"/>
+                  <a:pt x="323273" y="0"/>
+                </a:cubicBezTo>
+                <a:cubicBezTo>
+                  <a:pt x="350982" y="3079"/>
+                  <a:pt x="378801" y="5294"/>
+                  <a:pt x="406400" y="9237"/>
+                </a:cubicBezTo>
+                <a:cubicBezTo>
+                  <a:pt x="421941" y="11457"/>
+                  <a:pt x="437066" y="16086"/>
+                  <a:pt x="452582" y="18473"/>
+                </a:cubicBezTo>
+                <a:cubicBezTo>
+                  <a:pt x="477115" y="22247"/>
+                  <a:pt x="501843" y="24630"/>
+                  <a:pt x="526473" y="27709"/>
+                </a:cubicBezTo>
+                <a:cubicBezTo>
+                  <a:pt x="538788" y="30788"/>
+                  <a:pt x="550724" y="36946"/>
+                  <a:pt x="563418" y="36946"/>
+                </a:cubicBezTo>
+                <a:cubicBezTo>
+                  <a:pt x="596509" y="36946"/>
+                  <a:pt x="632684" y="26556"/>
+                  <a:pt x="665018" y="18473"/>
+                </a:cubicBezTo>
+                <a:cubicBezTo>
+                  <a:pt x="610653" y="45656"/>
+                  <a:pt x="641140" y="32590"/>
+                  <a:pt x="572655" y="55418"/>
+                </a:cubicBezTo>
+                <a:cubicBezTo>
+                  <a:pt x="563419" y="58497"/>
+                  <a:pt x="553047" y="59255"/>
+                  <a:pt x="544946" y="64655"/>
+                </a:cubicBezTo>
+                <a:cubicBezTo>
+                  <a:pt x="535710" y="70812"/>
+                  <a:pt x="527381" y="78619"/>
+                  <a:pt x="517237" y="83127"/>
+                </a:cubicBezTo>
+                <a:cubicBezTo>
+                  <a:pt x="499443" y="91035"/>
+                  <a:pt x="461818" y="101600"/>
+                  <a:pt x="461818" y="101600"/>
+                </a:cubicBezTo>
+                <a:cubicBezTo>
+                  <a:pt x="382407" y="154541"/>
+                  <a:pt x="482880" y="91069"/>
+                  <a:pt x="406400" y="129309"/>
+                </a:cubicBezTo>
+                <a:cubicBezTo>
+                  <a:pt x="334781" y="165119"/>
+                  <a:pt x="420629" y="133803"/>
+                  <a:pt x="350982" y="157018"/>
+                </a:cubicBezTo>
+                <a:cubicBezTo>
+                  <a:pt x="332509" y="153939"/>
+                  <a:pt x="313732" y="152324"/>
+                  <a:pt x="295564" y="147782"/>
+                </a:cubicBezTo>
+                <a:cubicBezTo>
+                  <a:pt x="276673" y="143059"/>
+                  <a:pt x="240146" y="129309"/>
+                  <a:pt x="240146" y="129309"/>
+                </a:cubicBezTo>
+                <a:cubicBezTo>
+                  <a:pt x="60307" y="138775"/>
+                  <a:pt x="106078" y="97127"/>
+                  <a:pt x="55418" y="147782"/>
+                </a:cubicBezTo>
+              </a:path>
+            </a:pathLst>
+          </a:custGeom>
+          <a:solidFill>
+            <a:schemeClr val="bg1"/>
+          </a:solidFill>
+          <a:ln>
+            <a:solidFill>
+              <a:schemeClr val="bg1"/>
+            </a:solidFill>
+          </a:ln>
+        </p:spPr>
+        <p:style>
+          <a:lnRef idx="2">
+            <a:schemeClr val="accent1">
+              <a:shade val="50000"/>
+            </a:schemeClr>
+          </a:lnRef>
+          <a:fillRef idx="1">
+            <a:schemeClr val="accent1"/>
+          </a:fillRef>
+          <a:effectRef idx="0">
+            <a:schemeClr val="accent1"/>
+          </a:effectRef>
+          <a:fontRef idx="minor">
+            <a:schemeClr val="lt1"/>
+          </a:fontRef>
+        </p:style>
+        <p:txBody>
+          <a:bodyPr rtlCol="0" anchor="ctr"/>
+          <a:lstStyle/>
+          <a:p>
+            <a:pPr algn="ctr"/>
+            <a:r>
+              <a:rPr lang="en-US" dirty="0">
+                <a:solidFill>
+                  <a:schemeClr val="tx1"/>
+                </a:solidFill>
+              </a:rPr>
+              <a:t>001</a:t>
+            </a:r>
+          </a:p>
+        </p:txBody>
+      </p:sp>
+      <p:sp>
+        <p:nvSpPr>
+          <p:cNvPr id="68" name="Freeform 67"/>
+          <p:cNvSpPr/>
+          <p:nvPr/>
+        </p:nvSpPr>
+        <p:spPr>
+          <a:xfrm>
+            <a:off x="6170311" y="3041175"/>
+            <a:ext cx="665018" cy="184727"/>
+          </a:xfrm>
+          <a:custGeom>
+            <a:avLst/>
+            <a:gdLst>
+              <a:gd name="connsiteX0" fmla="*/ 0 w 665018"/>
+              <a:gd name="connsiteY0" fmla="*/ 184727 h 184727"/>
+              <a:gd name="connsiteX1" fmla="*/ 46182 w 665018"/>
+              <a:gd name="connsiteY1" fmla="*/ 138546 h 184727"/>
+              <a:gd name="connsiteX2" fmla="*/ 83128 w 665018"/>
+              <a:gd name="connsiteY2" fmla="*/ 129309 h 184727"/>
+              <a:gd name="connsiteX3" fmla="*/ 110837 w 665018"/>
+              <a:gd name="connsiteY3" fmla="*/ 110837 h 184727"/>
+              <a:gd name="connsiteX4" fmla="*/ 166255 w 665018"/>
+              <a:gd name="connsiteY4" fmla="*/ 92364 h 184727"/>
+              <a:gd name="connsiteX5" fmla="*/ 193964 w 665018"/>
+              <a:gd name="connsiteY5" fmla="*/ 83127 h 184727"/>
+              <a:gd name="connsiteX6" fmla="*/ 221673 w 665018"/>
+              <a:gd name="connsiteY6" fmla="*/ 73891 h 184727"/>
+              <a:gd name="connsiteX7" fmla="*/ 249382 w 665018"/>
+              <a:gd name="connsiteY7" fmla="*/ 55418 h 184727"/>
+              <a:gd name="connsiteX8" fmla="*/ 277091 w 665018"/>
+              <a:gd name="connsiteY8" fmla="*/ 46182 h 184727"/>
+              <a:gd name="connsiteX9" fmla="*/ 295564 w 665018"/>
+              <a:gd name="connsiteY9" fmla="*/ 18473 h 184727"/>
+              <a:gd name="connsiteX10" fmla="*/ 323273 w 665018"/>
+              <a:gd name="connsiteY10" fmla="*/ 0 h 184727"/>
+              <a:gd name="connsiteX11" fmla="*/ 406400 w 665018"/>
+              <a:gd name="connsiteY11" fmla="*/ 9237 h 184727"/>
+              <a:gd name="connsiteX12" fmla="*/ 452582 w 665018"/>
+              <a:gd name="connsiteY12" fmla="*/ 18473 h 184727"/>
+              <a:gd name="connsiteX13" fmla="*/ 526473 w 665018"/>
+              <a:gd name="connsiteY13" fmla="*/ 27709 h 184727"/>
+              <a:gd name="connsiteX14" fmla="*/ 563418 w 665018"/>
+              <a:gd name="connsiteY14" fmla="*/ 36946 h 184727"/>
+              <a:gd name="connsiteX15" fmla="*/ 665018 w 665018"/>
+              <a:gd name="connsiteY15" fmla="*/ 18473 h 184727"/>
+              <a:gd name="connsiteX16" fmla="*/ 572655 w 665018"/>
+              <a:gd name="connsiteY16" fmla="*/ 55418 h 184727"/>
+              <a:gd name="connsiteX17" fmla="*/ 544946 w 665018"/>
+              <a:gd name="connsiteY17" fmla="*/ 64655 h 184727"/>
+              <a:gd name="connsiteX18" fmla="*/ 517237 w 665018"/>
+              <a:gd name="connsiteY18" fmla="*/ 83127 h 184727"/>
+              <a:gd name="connsiteX19" fmla="*/ 461818 w 665018"/>
+              <a:gd name="connsiteY19" fmla="*/ 101600 h 184727"/>
+              <a:gd name="connsiteX20" fmla="*/ 406400 w 665018"/>
+              <a:gd name="connsiteY20" fmla="*/ 129309 h 184727"/>
+              <a:gd name="connsiteX21" fmla="*/ 350982 w 665018"/>
+              <a:gd name="connsiteY21" fmla="*/ 157018 h 184727"/>
+              <a:gd name="connsiteX22" fmla="*/ 295564 w 665018"/>
+              <a:gd name="connsiteY22" fmla="*/ 147782 h 184727"/>
+              <a:gd name="connsiteX23" fmla="*/ 240146 w 665018"/>
+              <a:gd name="connsiteY23" fmla="*/ 129309 h 184727"/>
+              <a:gd name="connsiteX24" fmla="*/ 55418 w 665018"/>
+              <a:gd name="connsiteY24" fmla="*/ 147782 h 184727"/>
+            </a:gdLst>
+            <a:ahLst/>
+            <a:cxnLst>
+              <a:cxn ang="0">
+                <a:pos x="connsiteX0" y="connsiteY0"/>
+              </a:cxn>
+              <a:cxn ang="0">
+                <a:pos x="connsiteX1" y="connsiteY1"/>
+              </a:cxn>
+              <a:cxn ang="0">
+                <a:pos x="connsiteX2" y="connsiteY2"/>
+              </a:cxn>
+              <a:cxn ang="0">
+                <a:pos x="connsiteX3" y="connsiteY3"/>
+              </a:cxn>
+              <a:cxn ang="0">
+                <a:pos x="connsiteX4" y="connsiteY4"/>
+              </a:cxn>
+              <a:cxn ang="0">
+                <a:pos x="connsiteX5" y="connsiteY5"/>
+              </a:cxn>
+              <a:cxn ang="0">
+                <a:pos x="connsiteX6" y="connsiteY6"/>
+              </a:cxn>
+              <a:cxn ang="0">
+                <a:pos x="connsiteX7" y="connsiteY7"/>
+              </a:cxn>
+              <a:cxn ang="0">
+                <a:pos x="connsiteX8" y="connsiteY8"/>
+              </a:cxn>
+              <a:cxn ang="0">
+                <a:pos x="connsiteX9" y="connsiteY9"/>
+              </a:cxn>
+              <a:cxn ang="0">
+                <a:pos x="connsiteX10" y="connsiteY10"/>
+              </a:cxn>
+              <a:cxn ang="0">
+                <a:pos x="connsiteX11" y="connsiteY11"/>
+              </a:cxn>
+              <a:cxn ang="0">
+                <a:pos x="connsiteX12" y="connsiteY12"/>
+              </a:cxn>
+              <a:cxn ang="0">
+                <a:pos x="connsiteX13" y="connsiteY13"/>
+              </a:cxn>
+              <a:cxn ang="0">
+                <a:pos x="connsiteX14" y="connsiteY14"/>
+              </a:cxn>
+              <a:cxn ang="0">
+                <a:pos x="connsiteX15" y="connsiteY15"/>
+              </a:cxn>
+              <a:cxn ang="0">
+                <a:pos x="connsiteX16" y="connsiteY16"/>
+              </a:cxn>
+              <a:cxn ang="0">
+                <a:pos x="connsiteX17" y="connsiteY17"/>
+              </a:cxn>
+              <a:cxn ang="0">
+                <a:pos x="connsiteX18" y="connsiteY18"/>
+              </a:cxn>
+              <a:cxn ang="0">
+                <a:pos x="connsiteX19" y="connsiteY19"/>
+              </a:cxn>
+              <a:cxn ang="0">
+                <a:pos x="connsiteX20" y="connsiteY20"/>
+              </a:cxn>
+              <a:cxn ang="0">
+                <a:pos x="connsiteX21" y="connsiteY21"/>
+              </a:cxn>
+              <a:cxn ang="0">
+                <a:pos x="connsiteX22" y="connsiteY22"/>
+              </a:cxn>
+              <a:cxn ang="0">
+                <a:pos x="connsiteX23" y="connsiteY23"/>
+              </a:cxn>
+              <a:cxn ang="0">
+                <a:pos x="connsiteX24" y="connsiteY24"/>
+              </a:cxn>
+            </a:cxnLst>
+            <a:rect l="l" t="t" r="r" b="b"/>
+            <a:pathLst>
+              <a:path w="665018" h="184727">
+                <a:moveTo>
+                  <a:pt x="0" y="184727"/>
+                </a:moveTo>
+                <a:cubicBezTo>
+                  <a:pt x="15394" y="169333"/>
+                  <a:pt x="28068" y="150622"/>
+                  <a:pt x="46182" y="138546"/>
+                </a:cubicBezTo>
+                <a:cubicBezTo>
+                  <a:pt x="56744" y="131504"/>
+                  <a:pt x="71460" y="134310"/>
+                  <a:pt x="83128" y="129309"/>
+                </a:cubicBezTo>
+                <a:cubicBezTo>
+                  <a:pt x="93331" y="124936"/>
+                  <a:pt x="100693" y="115345"/>
+                  <a:pt x="110837" y="110837"/>
+                </a:cubicBezTo>
+                <a:cubicBezTo>
+                  <a:pt x="128631" y="102929"/>
+                  <a:pt x="147782" y="98522"/>
+                  <a:pt x="166255" y="92364"/>
+                </a:cubicBezTo>
+                <a:lnTo>
+                  <a:pt x="193964" y="83127"/>
+                </a:lnTo>
+                <a:lnTo>
+                  <a:pt x="221673" y="73891"/>
+                </a:lnTo>
+                <a:cubicBezTo>
+                  <a:pt x="230909" y="67733"/>
+                  <a:pt x="239453" y="60382"/>
+                  <a:pt x="249382" y="55418"/>
+                </a:cubicBezTo>
+                <a:cubicBezTo>
+                  <a:pt x="258090" y="51064"/>
+                  <a:pt x="269488" y="52264"/>
+                  <a:pt x="277091" y="46182"/>
+                </a:cubicBezTo>
+                <a:cubicBezTo>
+                  <a:pt x="285759" y="39247"/>
+                  <a:pt x="287715" y="26322"/>
+                  <a:pt x="295564" y="18473"/>
+                </a:cubicBezTo>
+                <a:cubicBezTo>
+                  <a:pt x="303413" y="10624"/>
+                  <a:pt x="314037" y="6158"/>
+                  <a:pt x="323273" y="0"/>
+                </a:cubicBezTo>
+                <a:cubicBezTo>
+                  <a:pt x="350982" y="3079"/>
+                  <a:pt x="378801" y="5294"/>
+                  <a:pt x="406400" y="9237"/>
+                </a:cubicBezTo>
+                <a:cubicBezTo>
+                  <a:pt x="421941" y="11457"/>
+                  <a:pt x="437066" y="16086"/>
+                  <a:pt x="452582" y="18473"/>
+                </a:cubicBezTo>
+                <a:cubicBezTo>
+                  <a:pt x="477115" y="22247"/>
+                  <a:pt x="501843" y="24630"/>
+                  <a:pt x="526473" y="27709"/>
+                </a:cubicBezTo>
+                <a:cubicBezTo>
+                  <a:pt x="538788" y="30788"/>
+                  <a:pt x="550724" y="36946"/>
+                  <a:pt x="563418" y="36946"/>
+                </a:cubicBezTo>
+                <a:cubicBezTo>
+                  <a:pt x="596509" y="36946"/>
+                  <a:pt x="632684" y="26556"/>
+                  <a:pt x="665018" y="18473"/>
+                </a:cubicBezTo>
+                <a:cubicBezTo>
+                  <a:pt x="610653" y="45656"/>
+                  <a:pt x="641140" y="32590"/>
+                  <a:pt x="572655" y="55418"/>
+                </a:cubicBezTo>
+                <a:cubicBezTo>
+                  <a:pt x="563419" y="58497"/>
+                  <a:pt x="553047" y="59255"/>
+                  <a:pt x="544946" y="64655"/>
+                </a:cubicBezTo>
+                <a:cubicBezTo>
+                  <a:pt x="535710" y="70812"/>
+                  <a:pt x="527381" y="78619"/>
+                  <a:pt x="517237" y="83127"/>
+                </a:cubicBezTo>
+                <a:cubicBezTo>
+                  <a:pt x="499443" y="91035"/>
+                  <a:pt x="461818" y="101600"/>
+                  <a:pt x="461818" y="101600"/>
+                </a:cubicBezTo>
+                <a:cubicBezTo>
+                  <a:pt x="382407" y="154541"/>
+                  <a:pt x="482880" y="91069"/>
+                  <a:pt x="406400" y="129309"/>
+                </a:cubicBezTo>
+                <a:cubicBezTo>
+                  <a:pt x="334781" y="165119"/>
+                  <a:pt x="420629" y="133803"/>
+                  <a:pt x="350982" y="157018"/>
+                </a:cubicBezTo>
+                <a:cubicBezTo>
+                  <a:pt x="332509" y="153939"/>
+                  <a:pt x="313732" y="152324"/>
+                  <a:pt x="295564" y="147782"/>
+                </a:cubicBezTo>
+                <a:cubicBezTo>
+                  <a:pt x="276673" y="143059"/>
+                  <a:pt x="240146" y="129309"/>
+                  <a:pt x="240146" y="129309"/>
+                </a:cubicBezTo>
+                <a:cubicBezTo>
+                  <a:pt x="60307" y="138775"/>
+                  <a:pt x="106078" y="97127"/>
+                  <a:pt x="55418" y="147782"/>
+                </a:cubicBezTo>
+              </a:path>
+            </a:pathLst>
+          </a:custGeom>
+          <a:solidFill>
+            <a:schemeClr val="bg1"/>
+          </a:solidFill>
+          <a:ln>
+            <a:solidFill>
+              <a:schemeClr val="bg1"/>
+            </a:solidFill>
+          </a:ln>
+        </p:spPr>
+        <p:style>
+          <a:lnRef idx="2">
+            <a:schemeClr val="accent1">
+              <a:shade val="50000"/>
+            </a:schemeClr>
+          </a:lnRef>
+          <a:fillRef idx="1">
+            <a:schemeClr val="accent1"/>
+          </a:fillRef>
+          <a:effectRef idx="0">
+            <a:schemeClr val="accent1"/>
+          </a:effectRef>
+          <a:fontRef idx="minor">
+            <a:schemeClr val="lt1"/>
+          </a:fontRef>
+        </p:style>
+        <p:txBody>
+          <a:bodyPr rtlCol="0" anchor="ctr"/>
+          <a:lstStyle/>
+          <a:p>
+            <a:pPr algn="ctr"/>
+            <a:r>
+              <a:rPr lang="en-US" dirty="0">
+                <a:solidFill>
+                  <a:schemeClr val="tx1"/>
+                </a:solidFill>
+              </a:rPr>
+              <a:t>000</a:t>
+            </a:r>
+          </a:p>
+        </p:txBody>
+      </p:sp>
+      <p:sp>
+        <p:nvSpPr>
+          <p:cNvPr id="69" name="Freeform 68"/>
+          <p:cNvSpPr/>
+          <p:nvPr/>
+        </p:nvSpPr>
+        <p:spPr>
+          <a:xfrm>
+            <a:off x="6290421" y="3347571"/>
+            <a:ext cx="665018" cy="184727"/>
+          </a:xfrm>
+          <a:custGeom>
+            <a:avLst/>
+            <a:gdLst>
+              <a:gd name="connsiteX0" fmla="*/ 0 w 665018"/>
+              <a:gd name="connsiteY0" fmla="*/ 184727 h 184727"/>
+              <a:gd name="connsiteX1" fmla="*/ 46182 w 665018"/>
+              <a:gd name="connsiteY1" fmla="*/ 138546 h 184727"/>
+              <a:gd name="connsiteX2" fmla="*/ 83128 w 665018"/>
+              <a:gd name="connsiteY2" fmla="*/ 129309 h 184727"/>
+              <a:gd name="connsiteX3" fmla="*/ 110837 w 665018"/>
+              <a:gd name="connsiteY3" fmla="*/ 110837 h 184727"/>
+              <a:gd name="connsiteX4" fmla="*/ 166255 w 665018"/>
+              <a:gd name="connsiteY4" fmla="*/ 92364 h 184727"/>
+              <a:gd name="connsiteX5" fmla="*/ 193964 w 665018"/>
+              <a:gd name="connsiteY5" fmla="*/ 83127 h 184727"/>
+              <a:gd name="connsiteX6" fmla="*/ 221673 w 665018"/>
+              <a:gd name="connsiteY6" fmla="*/ 73891 h 184727"/>
+              <a:gd name="connsiteX7" fmla="*/ 249382 w 665018"/>
+              <a:gd name="connsiteY7" fmla="*/ 55418 h 184727"/>
+              <a:gd name="connsiteX8" fmla="*/ 277091 w 665018"/>
+              <a:gd name="connsiteY8" fmla="*/ 46182 h 184727"/>
+              <a:gd name="connsiteX9" fmla="*/ 295564 w 665018"/>
+              <a:gd name="connsiteY9" fmla="*/ 18473 h 184727"/>
+              <a:gd name="connsiteX10" fmla="*/ 323273 w 665018"/>
+              <a:gd name="connsiteY10" fmla="*/ 0 h 184727"/>
+              <a:gd name="connsiteX11" fmla="*/ 406400 w 665018"/>
+              <a:gd name="connsiteY11" fmla="*/ 9237 h 184727"/>
+              <a:gd name="connsiteX12" fmla="*/ 452582 w 665018"/>
+              <a:gd name="connsiteY12" fmla="*/ 18473 h 184727"/>
+              <a:gd name="connsiteX13" fmla="*/ 526473 w 665018"/>
+              <a:gd name="connsiteY13" fmla="*/ 27709 h 184727"/>
+              <a:gd name="connsiteX14" fmla="*/ 563418 w 665018"/>
+              <a:gd name="connsiteY14" fmla="*/ 36946 h 184727"/>
+              <a:gd name="connsiteX15" fmla="*/ 665018 w 665018"/>
+              <a:gd name="connsiteY15" fmla="*/ 18473 h 184727"/>
+              <a:gd name="connsiteX16" fmla="*/ 572655 w 665018"/>
+              <a:gd name="connsiteY16" fmla="*/ 55418 h 184727"/>
+              <a:gd name="connsiteX17" fmla="*/ 544946 w 665018"/>
+              <a:gd name="connsiteY17" fmla="*/ 64655 h 184727"/>
+              <a:gd name="connsiteX18" fmla="*/ 517237 w 665018"/>
+              <a:gd name="connsiteY18" fmla="*/ 83127 h 184727"/>
+              <a:gd name="connsiteX19" fmla="*/ 461818 w 665018"/>
+              <a:gd name="connsiteY19" fmla="*/ 101600 h 184727"/>
+              <a:gd name="connsiteX20" fmla="*/ 406400 w 665018"/>
+              <a:gd name="connsiteY20" fmla="*/ 129309 h 184727"/>
+              <a:gd name="connsiteX21" fmla="*/ 350982 w 665018"/>
+              <a:gd name="connsiteY21" fmla="*/ 157018 h 184727"/>
+              <a:gd name="connsiteX22" fmla="*/ 295564 w 665018"/>
+              <a:gd name="connsiteY22" fmla="*/ 147782 h 184727"/>
+              <a:gd name="connsiteX23" fmla="*/ 240146 w 665018"/>
+              <a:gd name="connsiteY23" fmla="*/ 129309 h 184727"/>
+              <a:gd name="connsiteX24" fmla="*/ 55418 w 665018"/>
+              <a:gd name="connsiteY24" fmla="*/ 147782 h 184727"/>
+            </a:gdLst>
+            <a:ahLst/>
+            <a:cxnLst>
+              <a:cxn ang="0">
+                <a:pos x="connsiteX0" y="connsiteY0"/>
+              </a:cxn>
+              <a:cxn ang="0">
+                <a:pos x="connsiteX1" y="connsiteY1"/>
+              </a:cxn>
+              <a:cxn ang="0">
+                <a:pos x="connsiteX2" y="connsiteY2"/>
+              </a:cxn>
+              <a:cxn ang="0">
+                <a:pos x="connsiteX3" y="connsiteY3"/>
+              </a:cxn>
+              <a:cxn ang="0">
+                <a:pos x="connsiteX4" y="connsiteY4"/>
+              </a:cxn>
+              <a:cxn ang="0">
+                <a:pos x="connsiteX5" y="connsiteY5"/>
+              </a:cxn>
+              <a:cxn ang="0">
+                <a:pos x="connsiteX6" y="connsiteY6"/>
+              </a:cxn>
+              <a:cxn ang="0">
+                <a:pos x="connsiteX7" y="connsiteY7"/>
+              </a:cxn>
+              <a:cxn ang="0">
+                <a:pos x="connsiteX8" y="connsiteY8"/>
+              </a:cxn>
+              <a:cxn ang="0">
+                <a:pos x="connsiteX9" y="connsiteY9"/>
+              </a:cxn>
+              <a:cxn ang="0">
+                <a:pos x="connsiteX10" y="connsiteY10"/>
+              </a:cxn>
+              <a:cxn ang="0">
+                <a:pos x="connsiteX11" y="connsiteY11"/>
+              </a:cxn>
+              <a:cxn ang="0">
+                <a:pos x="connsiteX12" y="connsiteY12"/>
+              </a:cxn>
+              <a:cxn ang="0">
+                <a:pos x="connsiteX13" y="connsiteY13"/>
+              </a:cxn>
+              <a:cxn ang="0">
+                <a:pos x="connsiteX14" y="connsiteY14"/>
+              </a:cxn>
+              <a:cxn ang="0">
+                <a:pos x="connsiteX15" y="connsiteY15"/>
+              </a:cxn>
+              <a:cxn ang="0">
+                <a:pos x="connsiteX16" y="connsiteY16"/>
+              </a:cxn>
+              <a:cxn ang="0">
+                <a:pos x="connsiteX17" y="connsiteY17"/>
+              </a:cxn>
+              <a:cxn ang="0">
+                <a:pos x="connsiteX18" y="connsiteY18"/>
+              </a:cxn>
+              <a:cxn ang="0">
+                <a:pos x="connsiteX19" y="connsiteY19"/>
+              </a:cxn>
+              <a:cxn ang="0">
+                <a:pos x="connsiteX20" y="connsiteY20"/>
+              </a:cxn>
+              <a:cxn ang="0">
+                <a:pos x="connsiteX21" y="connsiteY21"/>
+              </a:cxn>
+              <a:cxn ang="0">
+                <a:pos x="connsiteX22" y="connsiteY22"/>
+              </a:cxn>
+              <a:cxn ang="0">
+                <a:pos x="connsiteX23" y="connsiteY23"/>
+              </a:cxn>
+              <a:cxn ang="0">
+                <a:pos x="connsiteX24" y="connsiteY24"/>
+              </a:cxn>
+            </a:cxnLst>
+            <a:rect l="l" t="t" r="r" b="b"/>
+            <a:pathLst>
+              <a:path w="665018" h="184727">
+                <a:moveTo>
+                  <a:pt x="0" y="184727"/>
+                </a:moveTo>
+                <a:cubicBezTo>
+                  <a:pt x="15394" y="169333"/>
+                  <a:pt x="28068" y="150622"/>
+                  <a:pt x="46182" y="138546"/>
+                </a:cubicBezTo>
+                <a:cubicBezTo>
+                  <a:pt x="56744" y="131504"/>
+                  <a:pt x="71460" y="134310"/>
+                  <a:pt x="83128" y="129309"/>
+                </a:cubicBezTo>
+                <a:cubicBezTo>
+                  <a:pt x="93331" y="124936"/>
+                  <a:pt x="100693" y="115345"/>
+                  <a:pt x="110837" y="110837"/>
+                </a:cubicBezTo>
+                <a:cubicBezTo>
+                  <a:pt x="128631" y="102929"/>
+                  <a:pt x="147782" y="98522"/>
+                  <a:pt x="166255" y="92364"/>
+                </a:cubicBezTo>
+                <a:lnTo>
+                  <a:pt x="193964" y="83127"/>
+                </a:lnTo>
+                <a:lnTo>
+                  <a:pt x="221673" y="73891"/>
+                </a:lnTo>
+                <a:cubicBezTo>
+                  <a:pt x="230909" y="67733"/>
+                  <a:pt x="239453" y="60382"/>
+                  <a:pt x="249382" y="55418"/>
+                </a:cubicBezTo>
+                <a:cubicBezTo>
+                  <a:pt x="258090" y="51064"/>
+                  <a:pt x="269488" y="52264"/>
+                  <a:pt x="277091" y="46182"/>
+                </a:cubicBezTo>
+                <a:cubicBezTo>
+                  <a:pt x="285759" y="39247"/>
+                  <a:pt x="287715" y="26322"/>
+                  <a:pt x="295564" y="18473"/>
+                </a:cubicBezTo>
+                <a:cubicBezTo>
+                  <a:pt x="303413" y="10624"/>
+                  <a:pt x="314037" y="6158"/>
+                  <a:pt x="323273" y="0"/>
+                </a:cubicBezTo>
+                <a:cubicBezTo>
+                  <a:pt x="350982" y="3079"/>
+                  <a:pt x="378801" y="5294"/>
+                  <a:pt x="406400" y="9237"/>
+                </a:cubicBezTo>
+                <a:cubicBezTo>
+                  <a:pt x="421941" y="11457"/>
+                  <a:pt x="437066" y="16086"/>
+                  <a:pt x="452582" y="18473"/>
+                </a:cubicBezTo>
+                <a:cubicBezTo>
+                  <a:pt x="477115" y="22247"/>
+                  <a:pt x="501843" y="24630"/>
+                  <a:pt x="526473" y="27709"/>
+                </a:cubicBezTo>
+                <a:cubicBezTo>
+                  <a:pt x="538788" y="30788"/>
+                  <a:pt x="550724" y="36946"/>
+                  <a:pt x="563418" y="36946"/>
+                </a:cubicBezTo>
+                <a:cubicBezTo>
+                  <a:pt x="596509" y="36946"/>
+                  <a:pt x="632684" y="26556"/>
+                  <a:pt x="665018" y="18473"/>
+                </a:cubicBezTo>
+                <a:cubicBezTo>
+                  <a:pt x="610653" y="45656"/>
+                  <a:pt x="641140" y="32590"/>
+                  <a:pt x="572655" y="55418"/>
+                </a:cubicBezTo>
+                <a:cubicBezTo>
+                  <a:pt x="563419" y="58497"/>
+                  <a:pt x="553047" y="59255"/>
+                  <a:pt x="544946" y="64655"/>
+                </a:cubicBezTo>
+                <a:cubicBezTo>
+                  <a:pt x="535710" y="70812"/>
+                  <a:pt x="527381" y="78619"/>
+                  <a:pt x="517237" y="83127"/>
+                </a:cubicBezTo>
+                <a:cubicBezTo>
+                  <a:pt x="499443" y="91035"/>
+                  <a:pt x="461818" y="101600"/>
+                  <a:pt x="461818" y="101600"/>
+                </a:cubicBezTo>
+                <a:cubicBezTo>
+                  <a:pt x="382407" y="154541"/>
+                  <a:pt x="482880" y="91069"/>
+                  <a:pt x="406400" y="129309"/>
+                </a:cubicBezTo>
+                <a:cubicBezTo>
+                  <a:pt x="334781" y="165119"/>
+                  <a:pt x="420629" y="133803"/>
+                  <a:pt x="350982" y="157018"/>
+                </a:cubicBezTo>
+                <a:cubicBezTo>
+                  <a:pt x="332509" y="153939"/>
+                  <a:pt x="313732" y="152324"/>
+                  <a:pt x="295564" y="147782"/>
+                </a:cubicBezTo>
+                <a:cubicBezTo>
+                  <a:pt x="276673" y="143059"/>
+                  <a:pt x="240146" y="129309"/>
+                  <a:pt x="240146" y="129309"/>
+                </a:cubicBezTo>
+                <a:cubicBezTo>
+                  <a:pt x="60307" y="138775"/>
+                  <a:pt x="106078" y="97127"/>
+                  <a:pt x="55418" y="147782"/>
+                </a:cubicBezTo>
+              </a:path>
+            </a:pathLst>
+          </a:custGeom>
+          <a:solidFill>
+            <a:schemeClr val="bg1"/>
+          </a:solidFill>
+          <a:ln>
+            <a:solidFill>
+              <a:schemeClr val="bg1"/>
+            </a:solidFill>
+          </a:ln>
+        </p:spPr>
+        <p:style>
+          <a:lnRef idx="2">
+            <a:schemeClr val="accent1">
+              <a:shade val="50000"/>
+            </a:schemeClr>
+          </a:lnRef>
+          <a:fillRef idx="1">
+            <a:schemeClr val="accent1"/>
+          </a:fillRef>
+          <a:effectRef idx="0">
+            <a:schemeClr val="accent1"/>
+          </a:effectRef>
+          <a:fontRef idx="minor">
+            <a:schemeClr val="lt1"/>
+          </a:fontRef>
+        </p:style>
+        <p:txBody>
+          <a:bodyPr rtlCol="0" anchor="ctr"/>
+          <a:lstStyle/>
+          <a:p>
+            <a:pPr algn="ctr"/>
+            <a:r>
+              <a:rPr lang="en-US" dirty="0">
+                <a:solidFill>
+                  <a:schemeClr val="tx1"/>
+                </a:solidFill>
+              </a:rPr>
+              <a:t>000</a:t>
+            </a:r>
+          </a:p>
+        </p:txBody>
+      </p:sp>
+      <p:sp>
+        <p:nvSpPr>
+          <p:cNvPr id="70" name="Freeform 69"/>
+          <p:cNvSpPr/>
+          <p:nvPr/>
+        </p:nvSpPr>
+        <p:spPr>
+          <a:xfrm>
+            <a:off x="7357007" y="3031939"/>
+            <a:ext cx="665018" cy="184727"/>
+          </a:xfrm>
+          <a:custGeom>
+            <a:avLst/>
+            <a:gdLst>
+              <a:gd name="connsiteX0" fmla="*/ 0 w 665018"/>
+              <a:gd name="connsiteY0" fmla="*/ 184727 h 184727"/>
+              <a:gd name="connsiteX1" fmla="*/ 46182 w 665018"/>
+              <a:gd name="connsiteY1" fmla="*/ 138546 h 184727"/>
+              <a:gd name="connsiteX2" fmla="*/ 83128 w 665018"/>
+              <a:gd name="connsiteY2" fmla="*/ 129309 h 184727"/>
+              <a:gd name="connsiteX3" fmla="*/ 110837 w 665018"/>
+              <a:gd name="connsiteY3" fmla="*/ 110837 h 184727"/>
+              <a:gd name="connsiteX4" fmla="*/ 166255 w 665018"/>
+              <a:gd name="connsiteY4" fmla="*/ 92364 h 184727"/>
+              <a:gd name="connsiteX5" fmla="*/ 193964 w 665018"/>
+              <a:gd name="connsiteY5" fmla="*/ 83127 h 184727"/>
+              <a:gd name="connsiteX6" fmla="*/ 221673 w 665018"/>
+              <a:gd name="connsiteY6" fmla="*/ 73891 h 184727"/>
+              <a:gd name="connsiteX7" fmla="*/ 249382 w 665018"/>
+              <a:gd name="connsiteY7" fmla="*/ 55418 h 184727"/>
+              <a:gd name="connsiteX8" fmla="*/ 277091 w 665018"/>
+              <a:gd name="connsiteY8" fmla="*/ 46182 h 184727"/>
+              <a:gd name="connsiteX9" fmla="*/ 295564 w 665018"/>
+              <a:gd name="connsiteY9" fmla="*/ 18473 h 184727"/>
+              <a:gd name="connsiteX10" fmla="*/ 323273 w 665018"/>
+              <a:gd name="connsiteY10" fmla="*/ 0 h 184727"/>
+              <a:gd name="connsiteX11" fmla="*/ 406400 w 665018"/>
+              <a:gd name="connsiteY11" fmla="*/ 9237 h 184727"/>
+              <a:gd name="connsiteX12" fmla="*/ 452582 w 665018"/>
+              <a:gd name="connsiteY12" fmla="*/ 18473 h 184727"/>
+              <a:gd name="connsiteX13" fmla="*/ 526473 w 665018"/>
+              <a:gd name="connsiteY13" fmla="*/ 27709 h 184727"/>
+              <a:gd name="connsiteX14" fmla="*/ 563418 w 665018"/>
+              <a:gd name="connsiteY14" fmla="*/ 36946 h 184727"/>
+              <a:gd name="connsiteX15" fmla="*/ 665018 w 665018"/>
+              <a:gd name="connsiteY15" fmla="*/ 18473 h 184727"/>
+              <a:gd name="connsiteX16" fmla="*/ 572655 w 665018"/>
+              <a:gd name="connsiteY16" fmla="*/ 55418 h 184727"/>
+              <a:gd name="connsiteX17" fmla="*/ 544946 w 665018"/>
+              <a:gd name="connsiteY17" fmla="*/ 64655 h 184727"/>
+              <a:gd name="connsiteX18" fmla="*/ 517237 w 665018"/>
+              <a:gd name="connsiteY18" fmla="*/ 83127 h 184727"/>
+              <a:gd name="connsiteX19" fmla="*/ 461818 w 665018"/>
+              <a:gd name="connsiteY19" fmla="*/ 101600 h 184727"/>
+              <a:gd name="connsiteX20" fmla="*/ 406400 w 665018"/>
+              <a:gd name="connsiteY20" fmla="*/ 129309 h 184727"/>
+              <a:gd name="connsiteX21" fmla="*/ 350982 w 665018"/>
+              <a:gd name="connsiteY21" fmla="*/ 157018 h 184727"/>
+              <a:gd name="connsiteX22" fmla="*/ 295564 w 665018"/>
+              <a:gd name="connsiteY22" fmla="*/ 147782 h 184727"/>
+              <a:gd name="connsiteX23" fmla="*/ 240146 w 665018"/>
+              <a:gd name="connsiteY23" fmla="*/ 129309 h 184727"/>
+              <a:gd name="connsiteX24" fmla="*/ 55418 w 665018"/>
+              <a:gd name="connsiteY24" fmla="*/ 147782 h 184727"/>
+            </a:gdLst>
+            <a:ahLst/>
+            <a:cxnLst>
+              <a:cxn ang="0">
+                <a:pos x="connsiteX0" y="connsiteY0"/>
+              </a:cxn>
+              <a:cxn ang="0">
+                <a:pos x="connsiteX1" y="connsiteY1"/>
+              </a:cxn>
+              <a:cxn ang="0">
+                <a:pos x="connsiteX2" y="connsiteY2"/>
+              </a:cxn>
+              <a:cxn ang="0">
+                <a:pos x="connsiteX3" y="connsiteY3"/>
+              </a:cxn>
+              <a:cxn ang="0">
+                <a:pos x="connsiteX4" y="connsiteY4"/>
+              </a:cxn>
+              <a:cxn ang="0">
+                <a:pos x="connsiteX5" y="connsiteY5"/>
+              </a:cxn>
+              <a:cxn ang="0">
+                <a:pos x="connsiteX6" y="connsiteY6"/>
+              </a:cxn>
+              <a:cxn ang="0">
+                <a:pos x="connsiteX7" y="connsiteY7"/>
+              </a:cxn>
+              <a:cxn ang="0">
+                <a:pos x="connsiteX8" y="connsiteY8"/>
+              </a:cxn>
+              <a:cxn ang="0">
+                <a:pos x="connsiteX9" y="connsiteY9"/>
+              </a:cxn>
+              <a:cxn ang="0">
+                <a:pos x="connsiteX10" y="connsiteY10"/>
+              </a:cxn>
+              <a:cxn ang="0">
+                <a:pos x="connsiteX11" y="connsiteY11"/>
+              </a:cxn>
+              <a:cxn ang="0">
+                <a:pos x="connsiteX12" y="connsiteY12"/>
+              </a:cxn>
+              <a:cxn ang="0">
+                <a:pos x="connsiteX13" y="connsiteY13"/>
+              </a:cxn>
+              <a:cxn ang="0">
+                <a:pos x="connsiteX14" y="connsiteY14"/>
+              </a:cxn>
+              <a:cxn ang="0">
+                <a:pos x="connsiteX15" y="connsiteY15"/>
+              </a:cxn>
+              <a:cxn ang="0">
+                <a:pos x="connsiteX16" y="connsiteY16"/>
+              </a:cxn>
+              <a:cxn ang="0">
+                <a:pos x="connsiteX17" y="connsiteY17"/>
+              </a:cxn>
+              <a:cxn ang="0">
+                <a:pos x="connsiteX18" y="connsiteY18"/>
+              </a:cxn>
+              <a:cxn ang="0">
+                <a:pos x="connsiteX19" y="connsiteY19"/>
+              </a:cxn>
+              <a:cxn ang="0">
+                <a:pos x="connsiteX20" y="connsiteY20"/>
+              </a:cxn>
+              <a:cxn ang="0">
+                <a:pos x="connsiteX21" y="connsiteY21"/>
+              </a:cxn>
+              <a:cxn ang="0">
+                <a:pos x="connsiteX22" y="connsiteY22"/>
+              </a:cxn>
+              <a:cxn ang="0">
+                <a:pos x="connsiteX23" y="connsiteY23"/>
+              </a:cxn>
+              <a:cxn ang="0">
+                <a:pos x="connsiteX24" y="connsiteY24"/>
+              </a:cxn>
+            </a:cxnLst>
+            <a:rect l="l" t="t" r="r" b="b"/>
+            <a:pathLst>
+              <a:path w="665018" h="184727">
+                <a:moveTo>
+                  <a:pt x="0" y="184727"/>
+                </a:moveTo>
+                <a:cubicBezTo>
+                  <a:pt x="15394" y="169333"/>
+                  <a:pt x="28068" y="150622"/>
+                  <a:pt x="46182" y="138546"/>
+                </a:cubicBezTo>
+                <a:cubicBezTo>
+                  <a:pt x="56744" y="131504"/>
+                  <a:pt x="71460" y="134310"/>
+                  <a:pt x="83128" y="129309"/>
+                </a:cubicBezTo>
+                <a:cubicBezTo>
+                  <a:pt x="93331" y="124936"/>
+                  <a:pt x="100693" y="115345"/>
+                  <a:pt x="110837" y="110837"/>
+                </a:cubicBezTo>
+                <a:cubicBezTo>
+                  <a:pt x="128631" y="102929"/>
+                  <a:pt x="147782" y="98522"/>
+                  <a:pt x="166255" y="92364"/>
+                </a:cubicBezTo>
+                <a:lnTo>
+                  <a:pt x="193964" y="83127"/>
+                </a:lnTo>
+                <a:lnTo>
+                  <a:pt x="221673" y="73891"/>
+                </a:lnTo>
+                <a:cubicBezTo>
+                  <a:pt x="230909" y="67733"/>
+                  <a:pt x="239453" y="60382"/>
+                  <a:pt x="249382" y="55418"/>
+                </a:cubicBezTo>
+                <a:cubicBezTo>
+                  <a:pt x="258090" y="51064"/>
+                  <a:pt x="269488" y="52264"/>
+                  <a:pt x="277091" y="46182"/>
+                </a:cubicBezTo>
+                <a:cubicBezTo>
+                  <a:pt x="285759" y="39247"/>
+                  <a:pt x="287715" y="26322"/>
+                  <a:pt x="295564" y="18473"/>
+                </a:cubicBezTo>
+                <a:cubicBezTo>
+                  <a:pt x="303413" y="10624"/>
+                  <a:pt x="314037" y="6158"/>
+                  <a:pt x="323273" y="0"/>
+                </a:cubicBezTo>
+                <a:cubicBezTo>
+                  <a:pt x="350982" y="3079"/>
+                  <a:pt x="378801" y="5294"/>
+                  <a:pt x="406400" y="9237"/>
+                </a:cubicBezTo>
+                <a:cubicBezTo>
+                  <a:pt x="421941" y="11457"/>
+                  <a:pt x="437066" y="16086"/>
+                  <a:pt x="452582" y="18473"/>
+                </a:cubicBezTo>
+                <a:cubicBezTo>
+                  <a:pt x="477115" y="22247"/>
+                  <a:pt x="501843" y="24630"/>
+                  <a:pt x="526473" y="27709"/>
+                </a:cubicBezTo>
+                <a:cubicBezTo>
+                  <a:pt x="538788" y="30788"/>
+                  <a:pt x="550724" y="36946"/>
+                  <a:pt x="563418" y="36946"/>
+                </a:cubicBezTo>
+                <a:cubicBezTo>
+                  <a:pt x="596509" y="36946"/>
+                  <a:pt x="632684" y="26556"/>
+                  <a:pt x="665018" y="18473"/>
+                </a:cubicBezTo>
+                <a:cubicBezTo>
+                  <a:pt x="610653" y="45656"/>
+                  <a:pt x="641140" y="32590"/>
+                  <a:pt x="572655" y="55418"/>
+                </a:cubicBezTo>
+                <a:cubicBezTo>
+                  <a:pt x="563419" y="58497"/>
+                  <a:pt x="553047" y="59255"/>
+                  <a:pt x="544946" y="64655"/>
+                </a:cubicBezTo>
+                <a:cubicBezTo>
+                  <a:pt x="535710" y="70812"/>
+                  <a:pt x="527381" y="78619"/>
+                  <a:pt x="517237" y="83127"/>
+                </a:cubicBezTo>
+                <a:cubicBezTo>
+                  <a:pt x="499443" y="91035"/>
+                  <a:pt x="461818" y="101600"/>
+                  <a:pt x="461818" y="101600"/>
+                </a:cubicBezTo>
+                <a:cubicBezTo>
+                  <a:pt x="382407" y="154541"/>
+                  <a:pt x="482880" y="91069"/>
+                  <a:pt x="406400" y="129309"/>
+                </a:cubicBezTo>
+                <a:cubicBezTo>
+                  <a:pt x="334781" y="165119"/>
+                  <a:pt x="420629" y="133803"/>
+                  <a:pt x="350982" y="157018"/>
+                </a:cubicBezTo>
+                <a:cubicBezTo>
+                  <a:pt x="332509" y="153939"/>
+                  <a:pt x="313732" y="152324"/>
+                  <a:pt x="295564" y="147782"/>
+                </a:cubicBezTo>
+                <a:cubicBezTo>
+                  <a:pt x="276673" y="143059"/>
+                  <a:pt x="240146" y="129309"/>
+                  <a:pt x="240146" y="129309"/>
+                </a:cubicBezTo>
+                <a:cubicBezTo>
+                  <a:pt x="60307" y="138775"/>
+                  <a:pt x="106078" y="97127"/>
+                  <a:pt x="55418" y="147782"/>
+                </a:cubicBezTo>
+              </a:path>
+            </a:pathLst>
+          </a:custGeom>
+          <a:solidFill>
+            <a:schemeClr val="bg1"/>
+          </a:solidFill>
+          <a:ln>
+            <a:solidFill>
+              <a:schemeClr val="bg1"/>
+            </a:solidFill>
+          </a:ln>
+        </p:spPr>
+        <p:style>
+          <a:lnRef idx="2">
+            <a:schemeClr val="accent1">
+              <a:shade val="50000"/>
+            </a:schemeClr>
+          </a:lnRef>
+          <a:fillRef idx="1">
+            <a:schemeClr val="accent1"/>
+          </a:fillRef>
+          <a:effectRef idx="0">
+            <a:schemeClr val="accent1"/>
+          </a:effectRef>
+          <a:fontRef idx="minor">
+            <a:schemeClr val="lt1"/>
+          </a:fontRef>
+        </p:style>
+        <p:txBody>
+          <a:bodyPr rtlCol="0" anchor="ctr"/>
+          <a:lstStyle/>
+          <a:p>
+            <a:pPr algn="ctr"/>
+            <a:r>
+              <a:rPr lang="en-US" dirty="0">
+                <a:solidFill>
+                  <a:schemeClr val="tx1"/>
+                </a:solidFill>
+              </a:rPr>
+              <a:t>050</a:t>
+            </a:r>
+          </a:p>
+        </p:txBody>
+      </p:sp>
+      <p:sp>
+        <p:nvSpPr>
+          <p:cNvPr id="71" name="Freeform 70"/>
+          <p:cNvSpPr/>
+          <p:nvPr/>
+        </p:nvSpPr>
+        <p:spPr>
+          <a:xfrm>
+            <a:off x="7971055" y="3016112"/>
+            <a:ext cx="665018" cy="184727"/>
+          </a:xfrm>
+          <a:custGeom>
+            <a:avLst/>
+            <a:gdLst>
+              <a:gd name="connsiteX0" fmla="*/ 0 w 665018"/>
+              <a:gd name="connsiteY0" fmla="*/ 184727 h 184727"/>
+              <a:gd name="connsiteX1" fmla="*/ 46182 w 665018"/>
+              <a:gd name="connsiteY1" fmla="*/ 138546 h 184727"/>
+              <a:gd name="connsiteX2" fmla="*/ 83128 w 665018"/>
+              <a:gd name="connsiteY2" fmla="*/ 129309 h 184727"/>
+              <a:gd name="connsiteX3" fmla="*/ 110837 w 665018"/>
+              <a:gd name="connsiteY3" fmla="*/ 110837 h 184727"/>
+              <a:gd name="connsiteX4" fmla="*/ 166255 w 665018"/>
+              <a:gd name="connsiteY4" fmla="*/ 92364 h 184727"/>
+              <a:gd name="connsiteX5" fmla="*/ 193964 w 665018"/>
+              <a:gd name="connsiteY5" fmla="*/ 83127 h 184727"/>
+              <a:gd name="connsiteX6" fmla="*/ 221673 w 665018"/>
+              <a:gd name="connsiteY6" fmla="*/ 73891 h 184727"/>
+              <a:gd name="connsiteX7" fmla="*/ 249382 w 665018"/>
+              <a:gd name="connsiteY7" fmla="*/ 55418 h 184727"/>
+              <a:gd name="connsiteX8" fmla="*/ 277091 w 665018"/>
+              <a:gd name="connsiteY8" fmla="*/ 46182 h 184727"/>
+              <a:gd name="connsiteX9" fmla="*/ 295564 w 665018"/>
+              <a:gd name="connsiteY9" fmla="*/ 18473 h 184727"/>
+              <a:gd name="connsiteX10" fmla="*/ 323273 w 665018"/>
+              <a:gd name="connsiteY10" fmla="*/ 0 h 184727"/>
+              <a:gd name="connsiteX11" fmla="*/ 406400 w 665018"/>
+              <a:gd name="connsiteY11" fmla="*/ 9237 h 184727"/>
+              <a:gd name="connsiteX12" fmla="*/ 452582 w 665018"/>
+              <a:gd name="connsiteY12" fmla="*/ 18473 h 184727"/>
+              <a:gd name="connsiteX13" fmla="*/ 526473 w 665018"/>
+              <a:gd name="connsiteY13" fmla="*/ 27709 h 184727"/>
+              <a:gd name="connsiteX14" fmla="*/ 563418 w 665018"/>
+              <a:gd name="connsiteY14" fmla="*/ 36946 h 184727"/>
+              <a:gd name="connsiteX15" fmla="*/ 665018 w 665018"/>
+              <a:gd name="connsiteY15" fmla="*/ 18473 h 184727"/>
+              <a:gd name="connsiteX16" fmla="*/ 572655 w 665018"/>
+              <a:gd name="connsiteY16" fmla="*/ 55418 h 184727"/>
+              <a:gd name="connsiteX17" fmla="*/ 544946 w 665018"/>
+              <a:gd name="connsiteY17" fmla="*/ 64655 h 184727"/>
+              <a:gd name="connsiteX18" fmla="*/ 517237 w 665018"/>
+              <a:gd name="connsiteY18" fmla="*/ 83127 h 184727"/>
+              <a:gd name="connsiteX19" fmla="*/ 461818 w 665018"/>
+              <a:gd name="connsiteY19" fmla="*/ 101600 h 184727"/>
+              <a:gd name="connsiteX20" fmla="*/ 406400 w 665018"/>
+              <a:gd name="connsiteY20" fmla="*/ 129309 h 184727"/>
+              <a:gd name="connsiteX21" fmla="*/ 350982 w 665018"/>
+              <a:gd name="connsiteY21" fmla="*/ 157018 h 184727"/>
+              <a:gd name="connsiteX22" fmla="*/ 295564 w 665018"/>
+              <a:gd name="connsiteY22" fmla="*/ 147782 h 184727"/>
+              <a:gd name="connsiteX23" fmla="*/ 240146 w 665018"/>
+              <a:gd name="connsiteY23" fmla="*/ 129309 h 184727"/>
+              <a:gd name="connsiteX24" fmla="*/ 55418 w 665018"/>
+              <a:gd name="connsiteY24" fmla="*/ 147782 h 184727"/>
+            </a:gdLst>
+            <a:ahLst/>
+            <a:cxnLst>
+              <a:cxn ang="0">
+                <a:pos x="connsiteX0" y="connsiteY0"/>
+              </a:cxn>
+              <a:cxn ang="0">
+                <a:pos x="connsiteX1" y="connsiteY1"/>
+              </a:cxn>
+              <a:cxn ang="0">
+                <a:pos x="connsiteX2" y="connsiteY2"/>
+              </a:cxn>
+              <a:cxn ang="0">
+                <a:pos x="connsiteX3" y="connsiteY3"/>
+              </a:cxn>
+              <a:cxn ang="0">
+                <a:pos x="connsiteX4" y="connsiteY4"/>
+              </a:cxn>
+              <a:cxn ang="0">
+                <a:pos x="connsiteX5" y="connsiteY5"/>
+              </a:cxn>
+              <a:cxn ang="0">
+                <a:pos x="connsiteX6" y="connsiteY6"/>
+              </a:cxn>
+              <a:cxn ang="0">
+                <a:pos x="connsiteX7" y="connsiteY7"/>
+              </a:cxn>
+              <a:cxn ang="0">
+                <a:pos x="connsiteX8" y="connsiteY8"/>
+              </a:cxn>
+              <a:cxn ang="0">
+                <a:pos x="connsiteX9" y="connsiteY9"/>
+              </a:cxn>
+              <a:cxn ang="0">
+                <a:pos x="connsiteX10" y="connsiteY10"/>
+              </a:cxn>
+              <a:cxn ang="0">
+                <a:pos x="connsiteX11" y="connsiteY11"/>
+              </a:cxn>
+              <a:cxn ang="0">
+                <a:pos x="connsiteX12" y="connsiteY12"/>
+              </a:cxn>
+              <a:cxn ang="0">
+                <a:pos x="connsiteX13" y="connsiteY13"/>
+              </a:cxn>
+              <a:cxn ang="0">
+                <a:pos x="connsiteX14" y="connsiteY14"/>
+              </a:cxn>
+              <a:cxn ang="0">
+                <a:pos x="connsiteX15" y="connsiteY15"/>
+              </a:cxn>
+              <a:cxn ang="0">
+                <a:pos x="connsiteX16" y="connsiteY16"/>
+              </a:cxn>
+              <a:cxn ang="0">
+                <a:pos x="connsiteX17" y="connsiteY17"/>
+              </a:cxn>
+              <a:cxn ang="0">
+                <a:pos x="connsiteX18" y="connsiteY18"/>
+              </a:cxn>
+              <a:cxn ang="0">
+                <a:pos x="connsiteX19" y="connsiteY19"/>
+              </a:cxn>
+              <a:cxn ang="0">
+                <a:pos x="connsiteX20" y="connsiteY20"/>
+              </a:cxn>
+              <a:cxn ang="0">
+                <a:pos x="connsiteX21" y="connsiteY21"/>
+              </a:cxn>
+              <a:cxn ang="0">
+                <a:pos x="connsiteX22" y="connsiteY22"/>
+              </a:cxn>
+              <a:cxn ang="0">
+                <a:pos x="connsiteX23" y="connsiteY23"/>
+              </a:cxn>
+              <a:cxn ang="0">
+                <a:pos x="connsiteX24" y="connsiteY24"/>
+              </a:cxn>
+            </a:cxnLst>
+            <a:rect l="l" t="t" r="r" b="b"/>
+            <a:pathLst>
+              <a:path w="665018" h="184727">
+                <a:moveTo>
+                  <a:pt x="0" y="184727"/>
+                </a:moveTo>
+                <a:cubicBezTo>
+                  <a:pt x="15394" y="169333"/>
+                  <a:pt x="28068" y="150622"/>
+                  <a:pt x="46182" y="138546"/>
+                </a:cubicBezTo>
+                <a:cubicBezTo>
+                  <a:pt x="56744" y="131504"/>
+                  <a:pt x="71460" y="134310"/>
+                  <a:pt x="83128" y="129309"/>
+                </a:cubicBezTo>
+                <a:cubicBezTo>
+                  <a:pt x="93331" y="124936"/>
+                  <a:pt x="100693" y="115345"/>
+                  <a:pt x="110837" y="110837"/>
+                </a:cubicBezTo>
+                <a:cubicBezTo>
+                  <a:pt x="128631" y="102929"/>
+                  <a:pt x="147782" y="98522"/>
+                  <a:pt x="166255" y="92364"/>
+                </a:cubicBezTo>
+                <a:lnTo>
+                  <a:pt x="193964" y="83127"/>
+                </a:lnTo>
+                <a:lnTo>
+                  <a:pt x="221673" y="73891"/>
+                </a:lnTo>
+                <a:cubicBezTo>
+                  <a:pt x="230909" y="67733"/>
+                  <a:pt x="239453" y="60382"/>
+                  <a:pt x="249382" y="55418"/>
+                </a:cubicBezTo>
+                <a:cubicBezTo>
+                  <a:pt x="258090" y="51064"/>
+                  <a:pt x="269488" y="52264"/>
+                  <a:pt x="277091" y="46182"/>
+                </a:cubicBezTo>
+                <a:cubicBezTo>
+                  <a:pt x="285759" y="39247"/>
+                  <a:pt x="287715" y="26322"/>
+                  <a:pt x="295564" y="18473"/>
+                </a:cubicBezTo>
+                <a:cubicBezTo>
+                  <a:pt x="303413" y="10624"/>
+                  <a:pt x="314037" y="6158"/>
+                  <a:pt x="323273" y="0"/>
+                </a:cubicBezTo>
+                <a:cubicBezTo>
+                  <a:pt x="350982" y="3079"/>
+                  <a:pt x="378801" y="5294"/>
+                  <a:pt x="406400" y="9237"/>
+                </a:cubicBezTo>
+                <a:cubicBezTo>
+                  <a:pt x="421941" y="11457"/>
+                  <a:pt x="437066" y="16086"/>
+                  <a:pt x="452582" y="18473"/>
+                </a:cubicBezTo>
+                <a:cubicBezTo>
+                  <a:pt x="477115" y="22247"/>
+                  <a:pt x="501843" y="24630"/>
+                  <a:pt x="526473" y="27709"/>
+                </a:cubicBezTo>
+                <a:cubicBezTo>
+                  <a:pt x="538788" y="30788"/>
+                  <a:pt x="550724" y="36946"/>
+                  <a:pt x="563418" y="36946"/>
+                </a:cubicBezTo>
+                <a:cubicBezTo>
+                  <a:pt x="596509" y="36946"/>
+                  <a:pt x="632684" y="26556"/>
+                  <a:pt x="665018" y="18473"/>
+                </a:cubicBezTo>
+                <a:cubicBezTo>
+                  <a:pt x="610653" y="45656"/>
+                  <a:pt x="641140" y="32590"/>
+                  <a:pt x="572655" y="55418"/>
+                </a:cubicBezTo>
+                <a:cubicBezTo>
+                  <a:pt x="563419" y="58497"/>
+                  <a:pt x="553047" y="59255"/>
+                  <a:pt x="544946" y="64655"/>
+                </a:cubicBezTo>
+                <a:cubicBezTo>
+                  <a:pt x="535710" y="70812"/>
+                  <a:pt x="527381" y="78619"/>
+                  <a:pt x="517237" y="83127"/>
+                </a:cubicBezTo>
+                <a:cubicBezTo>
+                  <a:pt x="499443" y="91035"/>
+                  <a:pt x="461818" y="101600"/>
+                  <a:pt x="461818" y="101600"/>
+                </a:cubicBezTo>
+                <a:cubicBezTo>
+                  <a:pt x="382407" y="154541"/>
+                  <a:pt x="482880" y="91069"/>
+                  <a:pt x="406400" y="129309"/>
+                </a:cubicBezTo>
+                <a:cubicBezTo>
+                  <a:pt x="334781" y="165119"/>
+                  <a:pt x="420629" y="133803"/>
+                  <a:pt x="350982" y="157018"/>
+                </a:cubicBezTo>
+                <a:cubicBezTo>
+                  <a:pt x="332509" y="153939"/>
+                  <a:pt x="313732" y="152324"/>
+                  <a:pt x="295564" y="147782"/>
+                </a:cubicBezTo>
+                <a:cubicBezTo>
+                  <a:pt x="276673" y="143059"/>
+                  <a:pt x="240146" y="129309"/>
+                  <a:pt x="240146" y="129309"/>
+                </a:cubicBezTo>
+                <a:cubicBezTo>
+                  <a:pt x="60307" y="138775"/>
+                  <a:pt x="106078" y="97127"/>
+                  <a:pt x="55418" y="147782"/>
+                </a:cubicBezTo>
+              </a:path>
+            </a:pathLst>
+          </a:custGeom>
+          <a:solidFill>
+            <a:schemeClr val="bg1"/>
+          </a:solidFill>
+          <a:ln>
+            <a:solidFill>
+              <a:schemeClr val="bg1"/>
+            </a:solidFill>
+          </a:ln>
+        </p:spPr>
+        <p:style>
+          <a:lnRef idx="2">
+            <a:schemeClr val="accent1">
+              <a:shade val="50000"/>
+            </a:schemeClr>
+          </a:lnRef>
+          <a:fillRef idx="1">
+            <a:schemeClr val="accent1"/>
+          </a:fillRef>
+          <a:effectRef idx="0">
+            <a:schemeClr val="accent1"/>
+          </a:effectRef>
+          <a:fontRef idx="minor">
+            <a:schemeClr val="lt1"/>
+          </a:fontRef>
+        </p:style>
+        <p:txBody>
+          <a:bodyPr rtlCol="0" anchor="ctr"/>
+          <a:lstStyle/>
+          <a:p>
+            <a:pPr algn="ctr"/>
+            <a:r>
+              <a:rPr lang="en-US" dirty="0">
+                <a:solidFill>
+                  <a:schemeClr val="tx1"/>
+                </a:solidFill>
+              </a:rPr>
+              <a:t>000</a:t>
+            </a:r>
+          </a:p>
+        </p:txBody>
+      </p:sp>
+      <p:sp>
+        <p:nvSpPr>
+          <p:cNvPr id="72" name="Freeform 71"/>
+          <p:cNvSpPr/>
+          <p:nvPr/>
+        </p:nvSpPr>
+        <p:spPr>
+          <a:xfrm>
+            <a:off x="7454422" y="3334569"/>
+            <a:ext cx="665018" cy="184727"/>
+          </a:xfrm>
+          <a:custGeom>
+            <a:avLst/>
+            <a:gdLst>
+              <a:gd name="connsiteX0" fmla="*/ 0 w 665018"/>
+              <a:gd name="connsiteY0" fmla="*/ 184727 h 184727"/>
+              <a:gd name="connsiteX1" fmla="*/ 46182 w 665018"/>
+              <a:gd name="connsiteY1" fmla="*/ 138546 h 184727"/>
+              <a:gd name="connsiteX2" fmla="*/ 83128 w 665018"/>
+              <a:gd name="connsiteY2" fmla="*/ 129309 h 184727"/>
+              <a:gd name="connsiteX3" fmla="*/ 110837 w 665018"/>
+              <a:gd name="connsiteY3" fmla="*/ 110837 h 184727"/>
+              <a:gd name="connsiteX4" fmla="*/ 166255 w 665018"/>
+              <a:gd name="connsiteY4" fmla="*/ 92364 h 184727"/>
+              <a:gd name="connsiteX5" fmla="*/ 193964 w 665018"/>
+              <a:gd name="connsiteY5" fmla="*/ 83127 h 184727"/>
+              <a:gd name="connsiteX6" fmla="*/ 221673 w 665018"/>
+              <a:gd name="connsiteY6" fmla="*/ 73891 h 184727"/>
+              <a:gd name="connsiteX7" fmla="*/ 249382 w 665018"/>
+              <a:gd name="connsiteY7" fmla="*/ 55418 h 184727"/>
+              <a:gd name="connsiteX8" fmla="*/ 277091 w 665018"/>
+              <a:gd name="connsiteY8" fmla="*/ 46182 h 184727"/>
+              <a:gd name="connsiteX9" fmla="*/ 295564 w 665018"/>
+              <a:gd name="connsiteY9" fmla="*/ 18473 h 184727"/>
+              <a:gd name="connsiteX10" fmla="*/ 323273 w 665018"/>
+              <a:gd name="connsiteY10" fmla="*/ 0 h 184727"/>
+              <a:gd name="connsiteX11" fmla="*/ 406400 w 665018"/>
+              <a:gd name="connsiteY11" fmla="*/ 9237 h 184727"/>
+              <a:gd name="connsiteX12" fmla="*/ 452582 w 665018"/>
+              <a:gd name="connsiteY12" fmla="*/ 18473 h 184727"/>
+              <a:gd name="connsiteX13" fmla="*/ 526473 w 665018"/>
+              <a:gd name="connsiteY13" fmla="*/ 27709 h 184727"/>
+              <a:gd name="connsiteX14" fmla="*/ 563418 w 665018"/>
+              <a:gd name="connsiteY14" fmla="*/ 36946 h 184727"/>
+              <a:gd name="connsiteX15" fmla="*/ 665018 w 665018"/>
+              <a:gd name="connsiteY15" fmla="*/ 18473 h 184727"/>
+              <a:gd name="connsiteX16" fmla="*/ 572655 w 665018"/>
+              <a:gd name="connsiteY16" fmla="*/ 55418 h 184727"/>
+              <a:gd name="connsiteX17" fmla="*/ 544946 w 665018"/>
+              <a:gd name="connsiteY17" fmla="*/ 64655 h 184727"/>
+              <a:gd name="connsiteX18" fmla="*/ 517237 w 665018"/>
+              <a:gd name="connsiteY18" fmla="*/ 83127 h 184727"/>
+              <a:gd name="connsiteX19" fmla="*/ 461818 w 665018"/>
+              <a:gd name="connsiteY19" fmla="*/ 101600 h 184727"/>
+              <a:gd name="connsiteX20" fmla="*/ 406400 w 665018"/>
+              <a:gd name="connsiteY20" fmla="*/ 129309 h 184727"/>
+              <a:gd name="connsiteX21" fmla="*/ 350982 w 665018"/>
+              <a:gd name="connsiteY21" fmla="*/ 157018 h 184727"/>
+              <a:gd name="connsiteX22" fmla="*/ 295564 w 665018"/>
+              <a:gd name="connsiteY22" fmla="*/ 147782 h 184727"/>
+              <a:gd name="connsiteX23" fmla="*/ 240146 w 665018"/>
+              <a:gd name="connsiteY23" fmla="*/ 129309 h 184727"/>
+              <a:gd name="connsiteX24" fmla="*/ 55418 w 665018"/>
+              <a:gd name="connsiteY24" fmla="*/ 147782 h 184727"/>
+            </a:gdLst>
+            <a:ahLst/>
+            <a:cxnLst>
+              <a:cxn ang="0">
+                <a:pos x="connsiteX0" y="connsiteY0"/>
+              </a:cxn>
+              <a:cxn ang="0">
+                <a:pos x="connsiteX1" y="connsiteY1"/>
+              </a:cxn>
+              <a:cxn ang="0">
+                <a:pos x="connsiteX2" y="connsiteY2"/>
+              </a:cxn>
+              <a:cxn ang="0">
+                <a:pos x="connsiteX3" y="connsiteY3"/>
+              </a:cxn>
+              <a:cxn ang="0">
+                <a:pos x="connsiteX4" y="connsiteY4"/>
+              </a:cxn>
+              <a:cxn ang="0">
+                <a:pos x="connsiteX5" y="connsiteY5"/>
+              </a:cxn>
+              <a:cxn ang="0">
+                <a:pos x="connsiteX6" y="connsiteY6"/>
+              </a:cxn>
+              <a:cxn ang="0">
+                <a:pos x="connsiteX7" y="connsiteY7"/>
+              </a:cxn>
+              <a:cxn ang="0">
+                <a:pos x="connsiteX8" y="connsiteY8"/>
+              </a:cxn>
+              <a:cxn ang="0">
+                <a:pos x="connsiteX9" y="connsiteY9"/>
+              </a:cxn>
+              <a:cxn ang="0">
+                <a:pos x="connsiteX10" y="connsiteY10"/>
+              </a:cxn>
+              <a:cxn ang="0">
+                <a:pos x="connsiteX11" y="connsiteY11"/>
+              </a:cxn>
+              <a:cxn ang="0">
+                <a:pos x="connsiteX12" y="connsiteY12"/>
+              </a:cxn>
+              <a:cxn ang="0">
+                <a:pos x="connsiteX13" y="connsiteY13"/>
+              </a:cxn>
+              <a:cxn ang="0">
+                <a:pos x="connsiteX14" y="connsiteY14"/>
+              </a:cxn>
+              <a:cxn ang="0">
+                <a:pos x="connsiteX15" y="connsiteY15"/>
+              </a:cxn>
+              <a:cxn ang="0">
+                <a:pos x="connsiteX16" y="connsiteY16"/>
+              </a:cxn>
+              <a:cxn ang="0">
+                <a:pos x="connsiteX17" y="connsiteY17"/>
+              </a:cxn>
+              <a:cxn ang="0">
+                <a:pos x="connsiteX18" y="connsiteY18"/>
+              </a:cxn>
+              <a:cxn ang="0">
+                <a:pos x="connsiteX19" y="connsiteY19"/>
+              </a:cxn>
+              <a:cxn ang="0">
+                <a:pos x="connsiteX20" y="connsiteY20"/>
+              </a:cxn>
+              <a:cxn ang="0">
+                <a:pos x="connsiteX21" y="connsiteY21"/>
+              </a:cxn>
+              <a:cxn ang="0">
+                <a:pos x="connsiteX22" y="connsiteY22"/>
+              </a:cxn>
+              <a:cxn ang="0">
+                <a:pos x="connsiteX23" y="connsiteY23"/>
+              </a:cxn>
+              <a:cxn ang="0">
+                <a:pos x="connsiteX24" y="connsiteY24"/>
+              </a:cxn>
+            </a:cxnLst>
+            <a:rect l="l" t="t" r="r" b="b"/>
+            <a:pathLst>
+              <a:path w="665018" h="184727">
+                <a:moveTo>
+                  <a:pt x="0" y="184727"/>
+                </a:moveTo>
+                <a:cubicBezTo>
+                  <a:pt x="15394" y="169333"/>
+                  <a:pt x="28068" y="150622"/>
+                  <a:pt x="46182" y="138546"/>
+                </a:cubicBezTo>
+                <a:cubicBezTo>
+                  <a:pt x="56744" y="131504"/>
+                  <a:pt x="71460" y="134310"/>
+                  <a:pt x="83128" y="129309"/>
+                </a:cubicBezTo>
+                <a:cubicBezTo>
+                  <a:pt x="93331" y="124936"/>
+                  <a:pt x="100693" y="115345"/>
+                  <a:pt x="110837" y="110837"/>
+                </a:cubicBezTo>
+                <a:cubicBezTo>
+                  <a:pt x="128631" y="102929"/>
+                  <a:pt x="147782" y="98522"/>
+                  <a:pt x="166255" y="92364"/>
+                </a:cubicBezTo>
+                <a:lnTo>
+                  <a:pt x="193964" y="83127"/>
+                </a:lnTo>
+                <a:lnTo>
+                  <a:pt x="221673" y="73891"/>
+                </a:lnTo>
+                <a:cubicBezTo>
+                  <a:pt x="230909" y="67733"/>
+                  <a:pt x="239453" y="60382"/>
+                  <a:pt x="249382" y="55418"/>
+                </a:cubicBezTo>
+                <a:cubicBezTo>
+                  <a:pt x="258090" y="51064"/>
+                  <a:pt x="269488" y="52264"/>
+                  <a:pt x="277091" y="46182"/>
+                </a:cubicBezTo>
+                <a:cubicBezTo>
+                  <a:pt x="285759" y="39247"/>
+                  <a:pt x="287715" y="26322"/>
+                  <a:pt x="295564" y="18473"/>
+                </a:cubicBezTo>
+                <a:cubicBezTo>
+                  <a:pt x="303413" y="10624"/>
+                  <a:pt x="314037" y="6158"/>
+                  <a:pt x="323273" y="0"/>
+                </a:cubicBezTo>
+                <a:cubicBezTo>
+                  <a:pt x="350982" y="3079"/>
+                  <a:pt x="378801" y="5294"/>
+                  <a:pt x="406400" y="9237"/>
+                </a:cubicBezTo>
+                <a:cubicBezTo>
+                  <a:pt x="421941" y="11457"/>
+                  <a:pt x="437066" y="16086"/>
+                  <a:pt x="452582" y="18473"/>
+                </a:cubicBezTo>
+                <a:cubicBezTo>
+                  <a:pt x="477115" y="22247"/>
+                  <a:pt x="501843" y="24630"/>
+                  <a:pt x="526473" y="27709"/>
+                </a:cubicBezTo>
+                <a:cubicBezTo>
+                  <a:pt x="538788" y="30788"/>
+                  <a:pt x="550724" y="36946"/>
+                  <a:pt x="563418" y="36946"/>
+                </a:cubicBezTo>
+                <a:cubicBezTo>
+                  <a:pt x="596509" y="36946"/>
+                  <a:pt x="632684" y="26556"/>
+                  <a:pt x="665018" y="18473"/>
+                </a:cubicBezTo>
+                <a:cubicBezTo>
+                  <a:pt x="610653" y="45656"/>
+                  <a:pt x="641140" y="32590"/>
+                  <a:pt x="572655" y="55418"/>
+                </a:cubicBezTo>
+                <a:cubicBezTo>
+                  <a:pt x="563419" y="58497"/>
+                  <a:pt x="553047" y="59255"/>
+                  <a:pt x="544946" y="64655"/>
+                </a:cubicBezTo>
+                <a:cubicBezTo>
+                  <a:pt x="535710" y="70812"/>
+                  <a:pt x="527381" y="78619"/>
+                  <a:pt x="517237" y="83127"/>
+                </a:cubicBezTo>
+                <a:cubicBezTo>
+                  <a:pt x="499443" y="91035"/>
+                  <a:pt x="461818" y="101600"/>
+                  <a:pt x="461818" y="101600"/>
+                </a:cubicBezTo>
+                <a:cubicBezTo>
+                  <a:pt x="382407" y="154541"/>
+                  <a:pt x="482880" y="91069"/>
+                  <a:pt x="406400" y="129309"/>
+                </a:cubicBezTo>
+                <a:cubicBezTo>
+                  <a:pt x="334781" y="165119"/>
+                  <a:pt x="420629" y="133803"/>
+                  <a:pt x="350982" y="157018"/>
+                </a:cubicBezTo>
+                <a:cubicBezTo>
+                  <a:pt x="332509" y="153939"/>
+                  <a:pt x="313732" y="152324"/>
+                  <a:pt x="295564" y="147782"/>
+                </a:cubicBezTo>
+                <a:cubicBezTo>
+                  <a:pt x="276673" y="143059"/>
+                  <a:pt x="240146" y="129309"/>
+                  <a:pt x="240146" y="129309"/>
+                </a:cubicBezTo>
+                <a:cubicBezTo>
+                  <a:pt x="60307" y="138775"/>
+                  <a:pt x="106078" y="97127"/>
+                  <a:pt x="55418" y="147782"/>
+                </a:cubicBezTo>
+              </a:path>
+            </a:pathLst>
+          </a:custGeom>
+          <a:solidFill>
+            <a:schemeClr val="bg1"/>
+          </a:solidFill>
+          <a:ln>
+            <a:solidFill>
+              <a:schemeClr val="bg1"/>
+            </a:solidFill>
+          </a:ln>
+        </p:spPr>
+        <p:style>
+          <a:lnRef idx="2">
+            <a:schemeClr val="accent1">
+              <a:shade val="50000"/>
+            </a:schemeClr>
+          </a:lnRef>
+          <a:fillRef idx="1">
+            <a:schemeClr val="accent1"/>
+          </a:fillRef>
+          <a:effectRef idx="0">
+            <a:schemeClr val="accent1"/>
+          </a:effectRef>
+          <a:fontRef idx="minor">
+            <a:schemeClr val="lt1"/>
+          </a:fontRef>
+        </p:style>
+        <p:txBody>
+          <a:bodyPr rtlCol="0" anchor="ctr"/>
+          <a:lstStyle/>
+          <a:p>
+            <a:pPr algn="ctr"/>
+            <a:r>
+              <a:rPr lang="en-US" dirty="0">
+                <a:solidFill>
+                  <a:schemeClr val="tx1"/>
+                </a:solidFill>
+              </a:rPr>
+              <a:t>010</a:t>
+            </a:r>
+          </a:p>
+        </p:txBody>
+      </p:sp>
+      <p:sp>
+        <p:nvSpPr>
+          <p:cNvPr id="73" name="Freeform 72"/>
+          <p:cNvSpPr/>
+          <p:nvPr/>
+        </p:nvSpPr>
+        <p:spPr>
+          <a:xfrm>
+            <a:off x="6530528" y="3867646"/>
+            <a:ext cx="665018" cy="184727"/>
+          </a:xfrm>
+          <a:custGeom>
+            <a:avLst/>
+            <a:gdLst>
+              <a:gd name="connsiteX0" fmla="*/ 0 w 665018"/>
+              <a:gd name="connsiteY0" fmla="*/ 184727 h 184727"/>
+              <a:gd name="connsiteX1" fmla="*/ 46182 w 665018"/>
+              <a:gd name="connsiteY1" fmla="*/ 138546 h 184727"/>
+              <a:gd name="connsiteX2" fmla="*/ 83128 w 665018"/>
+              <a:gd name="connsiteY2" fmla="*/ 129309 h 184727"/>
+              <a:gd name="connsiteX3" fmla="*/ 110837 w 665018"/>
+              <a:gd name="connsiteY3" fmla="*/ 110837 h 184727"/>
+              <a:gd name="connsiteX4" fmla="*/ 166255 w 665018"/>
+              <a:gd name="connsiteY4" fmla="*/ 92364 h 184727"/>
+              <a:gd name="connsiteX5" fmla="*/ 193964 w 665018"/>
+              <a:gd name="connsiteY5" fmla="*/ 83127 h 184727"/>
+              <a:gd name="connsiteX6" fmla="*/ 221673 w 665018"/>
+              <a:gd name="connsiteY6" fmla="*/ 73891 h 184727"/>
+              <a:gd name="connsiteX7" fmla="*/ 249382 w 665018"/>
+              <a:gd name="connsiteY7" fmla="*/ 55418 h 184727"/>
+              <a:gd name="connsiteX8" fmla="*/ 277091 w 665018"/>
+              <a:gd name="connsiteY8" fmla="*/ 46182 h 184727"/>
+              <a:gd name="connsiteX9" fmla="*/ 295564 w 665018"/>
+              <a:gd name="connsiteY9" fmla="*/ 18473 h 184727"/>
+              <a:gd name="connsiteX10" fmla="*/ 323273 w 665018"/>
+              <a:gd name="connsiteY10" fmla="*/ 0 h 184727"/>
+              <a:gd name="connsiteX11" fmla="*/ 406400 w 665018"/>
+              <a:gd name="connsiteY11" fmla="*/ 9237 h 184727"/>
+              <a:gd name="connsiteX12" fmla="*/ 452582 w 665018"/>
+              <a:gd name="connsiteY12" fmla="*/ 18473 h 184727"/>
+              <a:gd name="connsiteX13" fmla="*/ 526473 w 665018"/>
+              <a:gd name="connsiteY13" fmla="*/ 27709 h 184727"/>
+              <a:gd name="connsiteX14" fmla="*/ 563418 w 665018"/>
+              <a:gd name="connsiteY14" fmla="*/ 36946 h 184727"/>
+              <a:gd name="connsiteX15" fmla="*/ 665018 w 665018"/>
+              <a:gd name="connsiteY15" fmla="*/ 18473 h 184727"/>
+              <a:gd name="connsiteX16" fmla="*/ 572655 w 665018"/>
+              <a:gd name="connsiteY16" fmla="*/ 55418 h 184727"/>
+              <a:gd name="connsiteX17" fmla="*/ 544946 w 665018"/>
+              <a:gd name="connsiteY17" fmla="*/ 64655 h 184727"/>
+              <a:gd name="connsiteX18" fmla="*/ 517237 w 665018"/>
+              <a:gd name="connsiteY18" fmla="*/ 83127 h 184727"/>
+              <a:gd name="connsiteX19" fmla="*/ 461818 w 665018"/>
+              <a:gd name="connsiteY19" fmla="*/ 101600 h 184727"/>
+              <a:gd name="connsiteX20" fmla="*/ 406400 w 665018"/>
+              <a:gd name="connsiteY20" fmla="*/ 129309 h 184727"/>
+              <a:gd name="connsiteX21" fmla="*/ 350982 w 665018"/>
+              <a:gd name="connsiteY21" fmla="*/ 157018 h 184727"/>
+              <a:gd name="connsiteX22" fmla="*/ 295564 w 665018"/>
+              <a:gd name="connsiteY22" fmla="*/ 147782 h 184727"/>
+              <a:gd name="connsiteX23" fmla="*/ 240146 w 665018"/>
+              <a:gd name="connsiteY23" fmla="*/ 129309 h 184727"/>
+              <a:gd name="connsiteX24" fmla="*/ 55418 w 665018"/>
+              <a:gd name="connsiteY24" fmla="*/ 147782 h 184727"/>
+            </a:gdLst>
+            <a:ahLst/>
+            <a:cxnLst>
+              <a:cxn ang="0">
+                <a:pos x="connsiteX0" y="connsiteY0"/>
+              </a:cxn>
+              <a:cxn ang="0">
+                <a:pos x="connsiteX1" y="connsiteY1"/>
+              </a:cxn>
+              <a:cxn ang="0">
+                <a:pos x="connsiteX2" y="connsiteY2"/>
+              </a:cxn>
+              <a:cxn ang="0">
+                <a:pos x="connsiteX3" y="connsiteY3"/>
+              </a:cxn>
+              <a:cxn ang="0">
+                <a:pos x="connsiteX4" y="connsiteY4"/>
+              </a:cxn>
+              <a:cxn ang="0">
+                <a:pos x="connsiteX5" y="connsiteY5"/>
+              </a:cxn>
+              <a:cxn ang="0">
+                <a:pos x="connsiteX6" y="connsiteY6"/>
+              </a:cxn>
+              <a:cxn ang="0">
+                <a:pos x="connsiteX7" y="connsiteY7"/>
+              </a:cxn>
+              <a:cxn ang="0">
+                <a:pos x="connsiteX8" y="connsiteY8"/>
+              </a:cxn>
+              <a:cxn ang="0">
+                <a:pos x="connsiteX9" y="connsiteY9"/>
+              </a:cxn>
+              <a:cxn ang="0">
+                <a:pos x="connsiteX10" y="connsiteY10"/>
+              </a:cxn>
+              <a:cxn ang="0">
+                <a:pos x="connsiteX11" y="connsiteY11"/>
+              </a:cxn>
+              <a:cxn ang="0">
+                <a:pos x="connsiteX12" y="connsiteY12"/>
+              </a:cxn>
+              <a:cxn ang="0">
+                <a:pos x="connsiteX13" y="connsiteY13"/>
+              </a:cxn>
+              <a:cxn ang="0">
+                <a:pos x="connsiteX14" y="connsiteY14"/>
+              </a:cxn>
+              <a:cxn ang="0">
+                <a:pos x="connsiteX15" y="connsiteY15"/>
+              </a:cxn>
+              <a:cxn ang="0">
+                <a:pos x="connsiteX16" y="connsiteY16"/>
+              </a:cxn>
+              <a:cxn ang="0">
+                <a:pos x="connsiteX17" y="connsiteY17"/>
+              </a:cxn>
+              <a:cxn ang="0">
+                <a:pos x="connsiteX18" y="connsiteY18"/>
+              </a:cxn>
+              <a:cxn ang="0">
+                <a:pos x="connsiteX19" y="connsiteY19"/>
+              </a:cxn>
+              <a:cxn ang="0">
+                <a:pos x="connsiteX20" y="connsiteY20"/>
+              </a:cxn>
+              <a:cxn ang="0">
+                <a:pos x="connsiteX21" y="connsiteY21"/>
+              </a:cxn>
+              <a:cxn ang="0">
+                <a:pos x="connsiteX22" y="connsiteY22"/>
+              </a:cxn>
+              <a:cxn ang="0">
+                <a:pos x="connsiteX23" y="connsiteY23"/>
+              </a:cxn>
+              <a:cxn ang="0">
+                <a:pos x="connsiteX24" y="connsiteY24"/>
+              </a:cxn>
+            </a:cxnLst>
+            <a:rect l="l" t="t" r="r" b="b"/>
+            <a:pathLst>
+              <a:path w="665018" h="184727">
+                <a:moveTo>
+                  <a:pt x="0" y="184727"/>
+                </a:moveTo>
+                <a:cubicBezTo>
+                  <a:pt x="15394" y="169333"/>
+                  <a:pt x="28068" y="150622"/>
+                  <a:pt x="46182" y="138546"/>
+                </a:cubicBezTo>
+                <a:cubicBezTo>
+                  <a:pt x="56744" y="131504"/>
+                  <a:pt x="71460" y="134310"/>
+                  <a:pt x="83128" y="129309"/>
+                </a:cubicBezTo>
+                <a:cubicBezTo>
+                  <a:pt x="93331" y="124936"/>
+                  <a:pt x="100693" y="115345"/>
+                  <a:pt x="110837" y="110837"/>
+                </a:cubicBezTo>
+                <a:cubicBezTo>
+                  <a:pt x="128631" y="102929"/>
+                  <a:pt x="147782" y="98522"/>
+                  <a:pt x="166255" y="92364"/>
+                </a:cubicBezTo>
+                <a:lnTo>
+                  <a:pt x="193964" y="83127"/>
+                </a:lnTo>
+                <a:lnTo>
+                  <a:pt x="221673" y="73891"/>
+                </a:lnTo>
+                <a:cubicBezTo>
+                  <a:pt x="230909" y="67733"/>
+                  <a:pt x="239453" y="60382"/>
+                  <a:pt x="249382" y="55418"/>
+                </a:cubicBezTo>
+                <a:cubicBezTo>
+                  <a:pt x="258090" y="51064"/>
+                  <a:pt x="269488" y="52264"/>
+                  <a:pt x="277091" y="46182"/>
+                </a:cubicBezTo>
+                <a:cubicBezTo>
+                  <a:pt x="285759" y="39247"/>
+                  <a:pt x="287715" y="26322"/>
+                  <a:pt x="295564" y="18473"/>
+                </a:cubicBezTo>
+                <a:cubicBezTo>
+                  <a:pt x="303413" y="10624"/>
+                  <a:pt x="314037" y="6158"/>
+                  <a:pt x="323273" y="0"/>
+                </a:cubicBezTo>
+                <a:cubicBezTo>
+                  <a:pt x="350982" y="3079"/>
+                  <a:pt x="378801" y="5294"/>
+                  <a:pt x="406400" y="9237"/>
+                </a:cubicBezTo>
+                <a:cubicBezTo>
+                  <a:pt x="421941" y="11457"/>
+                  <a:pt x="437066" y="16086"/>
+                  <a:pt x="452582" y="18473"/>
+                </a:cubicBezTo>
+                <a:cubicBezTo>
+                  <a:pt x="477115" y="22247"/>
+                  <a:pt x="501843" y="24630"/>
+                  <a:pt x="526473" y="27709"/>
+                </a:cubicBezTo>
+                <a:cubicBezTo>
+                  <a:pt x="538788" y="30788"/>
+                  <a:pt x="550724" y="36946"/>
+                  <a:pt x="563418" y="36946"/>
+                </a:cubicBezTo>
+                <a:cubicBezTo>
+                  <a:pt x="596509" y="36946"/>
+                  <a:pt x="632684" y="26556"/>
+                  <a:pt x="665018" y="18473"/>
+                </a:cubicBezTo>
+                <a:cubicBezTo>
+                  <a:pt x="610653" y="45656"/>
+                  <a:pt x="641140" y="32590"/>
+                  <a:pt x="572655" y="55418"/>
+                </a:cubicBezTo>
+                <a:cubicBezTo>
+                  <a:pt x="563419" y="58497"/>
+                  <a:pt x="553047" y="59255"/>
+                  <a:pt x="544946" y="64655"/>
+                </a:cubicBezTo>
+                <a:cubicBezTo>
+                  <a:pt x="535710" y="70812"/>
+                  <a:pt x="527381" y="78619"/>
+                  <a:pt x="517237" y="83127"/>
+                </a:cubicBezTo>
+                <a:cubicBezTo>
+                  <a:pt x="499443" y="91035"/>
+                  <a:pt x="461818" y="101600"/>
+                  <a:pt x="461818" y="101600"/>
+                </a:cubicBezTo>
+                <a:cubicBezTo>
+                  <a:pt x="382407" y="154541"/>
+                  <a:pt x="482880" y="91069"/>
+                  <a:pt x="406400" y="129309"/>
+                </a:cubicBezTo>
+                <a:cubicBezTo>
+                  <a:pt x="334781" y="165119"/>
+                  <a:pt x="420629" y="133803"/>
+                  <a:pt x="350982" y="157018"/>
+                </a:cubicBezTo>
+                <a:cubicBezTo>
+                  <a:pt x="332509" y="153939"/>
+                  <a:pt x="313732" y="152324"/>
+                  <a:pt x="295564" y="147782"/>
+                </a:cubicBezTo>
+                <a:cubicBezTo>
+                  <a:pt x="276673" y="143059"/>
+                  <a:pt x="240146" y="129309"/>
+                  <a:pt x="240146" y="129309"/>
+                </a:cubicBezTo>
+                <a:cubicBezTo>
+                  <a:pt x="60307" y="138775"/>
+                  <a:pt x="106078" y="97127"/>
+                  <a:pt x="55418" y="147782"/>
+                </a:cubicBezTo>
+              </a:path>
+            </a:pathLst>
+          </a:custGeom>
+          <a:solidFill>
+            <a:schemeClr val="bg1"/>
+          </a:solidFill>
+          <a:ln>
+            <a:solidFill>
+              <a:schemeClr val="bg1"/>
+            </a:solidFill>
+          </a:ln>
+        </p:spPr>
+        <p:style>
+          <a:lnRef idx="2">
+            <a:schemeClr val="accent1">
+              <a:shade val="50000"/>
+            </a:schemeClr>
+          </a:lnRef>
+          <a:fillRef idx="1">
+            <a:schemeClr val="accent1"/>
+          </a:fillRef>
+          <a:effectRef idx="0">
+            <a:schemeClr val="accent1"/>
+          </a:effectRef>
+          <a:fontRef idx="minor">
+            <a:schemeClr val="lt1"/>
+          </a:fontRef>
+        </p:style>
+        <p:txBody>
+          <a:bodyPr rtlCol="0" anchor="ctr"/>
+          <a:lstStyle/>
+          <a:p>
+            <a:pPr algn="ctr"/>
+            <a:r>
+              <a:rPr lang="en-US" dirty="0">
+                <a:solidFill>
+                  <a:schemeClr val="tx1"/>
+                </a:solidFill>
+              </a:rPr>
+              <a:t>000</a:t>
+            </a:r>
+          </a:p>
+        </p:txBody>
+      </p:sp>
+      <p:sp>
+        <p:nvSpPr>
+          <p:cNvPr id="74" name="Freeform 73"/>
+          <p:cNvSpPr/>
+          <p:nvPr/>
+        </p:nvSpPr>
+        <p:spPr>
+          <a:xfrm>
+            <a:off x="5957912" y="3892459"/>
+            <a:ext cx="665018" cy="184727"/>
+          </a:xfrm>
+          <a:custGeom>
+            <a:avLst/>
+            <a:gdLst>
+              <a:gd name="connsiteX0" fmla="*/ 0 w 665018"/>
+              <a:gd name="connsiteY0" fmla="*/ 184727 h 184727"/>
+              <a:gd name="connsiteX1" fmla="*/ 46182 w 665018"/>
+              <a:gd name="connsiteY1" fmla="*/ 138546 h 184727"/>
+              <a:gd name="connsiteX2" fmla="*/ 83128 w 665018"/>
+              <a:gd name="connsiteY2" fmla="*/ 129309 h 184727"/>
+              <a:gd name="connsiteX3" fmla="*/ 110837 w 665018"/>
+              <a:gd name="connsiteY3" fmla="*/ 110837 h 184727"/>
+              <a:gd name="connsiteX4" fmla="*/ 166255 w 665018"/>
+              <a:gd name="connsiteY4" fmla="*/ 92364 h 184727"/>
+              <a:gd name="connsiteX5" fmla="*/ 193964 w 665018"/>
+              <a:gd name="connsiteY5" fmla="*/ 83127 h 184727"/>
+              <a:gd name="connsiteX6" fmla="*/ 221673 w 665018"/>
+              <a:gd name="connsiteY6" fmla="*/ 73891 h 184727"/>
+              <a:gd name="connsiteX7" fmla="*/ 249382 w 665018"/>
+              <a:gd name="connsiteY7" fmla="*/ 55418 h 184727"/>
+              <a:gd name="connsiteX8" fmla="*/ 277091 w 665018"/>
+              <a:gd name="connsiteY8" fmla="*/ 46182 h 184727"/>
+              <a:gd name="connsiteX9" fmla="*/ 295564 w 665018"/>
+              <a:gd name="connsiteY9" fmla="*/ 18473 h 184727"/>
+              <a:gd name="connsiteX10" fmla="*/ 323273 w 665018"/>
+              <a:gd name="connsiteY10" fmla="*/ 0 h 184727"/>
+              <a:gd name="connsiteX11" fmla="*/ 406400 w 665018"/>
+              <a:gd name="connsiteY11" fmla="*/ 9237 h 184727"/>
+              <a:gd name="connsiteX12" fmla="*/ 452582 w 665018"/>
+              <a:gd name="connsiteY12" fmla="*/ 18473 h 184727"/>
+              <a:gd name="connsiteX13" fmla="*/ 526473 w 665018"/>
+              <a:gd name="connsiteY13" fmla="*/ 27709 h 184727"/>
+              <a:gd name="connsiteX14" fmla="*/ 563418 w 665018"/>
+              <a:gd name="connsiteY14" fmla="*/ 36946 h 184727"/>
+              <a:gd name="connsiteX15" fmla="*/ 665018 w 665018"/>
+              <a:gd name="connsiteY15" fmla="*/ 18473 h 184727"/>
+              <a:gd name="connsiteX16" fmla="*/ 572655 w 665018"/>
+              <a:gd name="connsiteY16" fmla="*/ 55418 h 184727"/>
+              <a:gd name="connsiteX17" fmla="*/ 544946 w 665018"/>
+              <a:gd name="connsiteY17" fmla="*/ 64655 h 184727"/>
+              <a:gd name="connsiteX18" fmla="*/ 517237 w 665018"/>
+              <a:gd name="connsiteY18" fmla="*/ 83127 h 184727"/>
+              <a:gd name="connsiteX19" fmla="*/ 461818 w 665018"/>
+              <a:gd name="connsiteY19" fmla="*/ 101600 h 184727"/>
+              <a:gd name="connsiteX20" fmla="*/ 406400 w 665018"/>
+              <a:gd name="connsiteY20" fmla="*/ 129309 h 184727"/>
+              <a:gd name="connsiteX21" fmla="*/ 350982 w 665018"/>
+              <a:gd name="connsiteY21" fmla="*/ 157018 h 184727"/>
+              <a:gd name="connsiteX22" fmla="*/ 295564 w 665018"/>
+              <a:gd name="connsiteY22" fmla="*/ 147782 h 184727"/>
+              <a:gd name="connsiteX23" fmla="*/ 240146 w 665018"/>
+              <a:gd name="connsiteY23" fmla="*/ 129309 h 184727"/>
+              <a:gd name="connsiteX24" fmla="*/ 55418 w 665018"/>
+              <a:gd name="connsiteY24" fmla="*/ 147782 h 184727"/>
+            </a:gdLst>
+            <a:ahLst/>
+            <a:cxnLst>
+              <a:cxn ang="0">
+                <a:pos x="connsiteX0" y="connsiteY0"/>
+              </a:cxn>
+              <a:cxn ang="0">
+                <a:pos x="connsiteX1" y="connsiteY1"/>
+              </a:cxn>
+              <a:cxn ang="0">
+                <a:pos x="connsiteX2" y="connsiteY2"/>
+              </a:cxn>
+              <a:cxn ang="0">
+                <a:pos x="connsiteX3" y="connsiteY3"/>
+              </a:cxn>
+              <a:cxn ang="0">
+                <a:pos x="connsiteX4" y="connsiteY4"/>
+              </a:cxn>
+              <a:cxn ang="0">
+                <a:pos x="connsiteX5" y="connsiteY5"/>
+              </a:cxn>
+              <a:cxn ang="0">
+                <a:pos x="connsiteX6" y="connsiteY6"/>
+              </a:cxn>
+              <a:cxn ang="0">
+                <a:pos x="connsiteX7" y="connsiteY7"/>
+              </a:cxn>
+              <a:cxn ang="0">
+                <a:pos x="connsiteX8" y="connsiteY8"/>
+              </a:cxn>
+              <a:cxn ang="0">
+                <a:pos x="connsiteX9" y="connsiteY9"/>
+              </a:cxn>
+              <a:cxn ang="0">
+                <a:pos x="connsiteX10" y="connsiteY10"/>
+              </a:cxn>
+              <a:cxn ang="0">
+                <a:pos x="connsiteX11" y="connsiteY11"/>
+              </a:cxn>
+              <a:cxn ang="0">
+                <a:pos x="connsiteX12" y="connsiteY12"/>
+              </a:cxn>
+              <a:cxn ang="0">
+                <a:pos x="connsiteX13" y="connsiteY13"/>
+              </a:cxn>
+              <a:cxn ang="0">
+                <a:pos x="connsiteX14" y="connsiteY14"/>
+              </a:cxn>
+              <a:cxn ang="0">
+                <a:pos x="connsiteX15" y="connsiteY15"/>
+              </a:cxn>
+              <a:cxn ang="0">
+                <a:pos x="connsiteX16" y="connsiteY16"/>
+              </a:cxn>
+              <a:cxn ang="0">
+                <a:pos x="connsiteX17" y="connsiteY17"/>
+              </a:cxn>
+              <a:cxn ang="0">
+                <a:pos x="connsiteX18" y="connsiteY18"/>
+              </a:cxn>
+              <a:cxn ang="0">
+                <a:pos x="connsiteX19" y="connsiteY19"/>
+              </a:cxn>
+              <a:cxn ang="0">
+                <a:pos x="connsiteX20" y="connsiteY20"/>
+              </a:cxn>
+              <a:cxn ang="0">
+                <a:pos x="connsiteX21" y="connsiteY21"/>
+              </a:cxn>
+              <a:cxn ang="0">
+                <a:pos x="connsiteX22" y="connsiteY22"/>
+              </a:cxn>
+              <a:cxn ang="0">
+                <a:pos x="connsiteX23" y="connsiteY23"/>
+              </a:cxn>
+              <a:cxn ang="0">
+                <a:pos x="connsiteX24" y="connsiteY24"/>
+              </a:cxn>
+            </a:cxnLst>
+            <a:rect l="l" t="t" r="r" b="b"/>
+            <a:pathLst>
+              <a:path w="665018" h="184727">
+                <a:moveTo>
+                  <a:pt x="0" y="184727"/>
+                </a:moveTo>
+                <a:cubicBezTo>
+                  <a:pt x="15394" y="169333"/>
+                  <a:pt x="28068" y="150622"/>
+                  <a:pt x="46182" y="138546"/>
+                </a:cubicBezTo>
+                <a:cubicBezTo>
+                  <a:pt x="56744" y="131504"/>
+                  <a:pt x="71460" y="134310"/>
+                  <a:pt x="83128" y="129309"/>
+                </a:cubicBezTo>
+                <a:cubicBezTo>
+                  <a:pt x="93331" y="124936"/>
+                  <a:pt x="100693" y="115345"/>
+                  <a:pt x="110837" y="110837"/>
+                </a:cubicBezTo>
+                <a:cubicBezTo>
+                  <a:pt x="128631" y="102929"/>
+                  <a:pt x="147782" y="98522"/>
+                  <a:pt x="166255" y="92364"/>
+                </a:cubicBezTo>
+                <a:lnTo>
+                  <a:pt x="193964" y="83127"/>
+                </a:lnTo>
+                <a:lnTo>
+                  <a:pt x="221673" y="73891"/>
+                </a:lnTo>
+                <a:cubicBezTo>
+                  <a:pt x="230909" y="67733"/>
+                  <a:pt x="239453" y="60382"/>
+                  <a:pt x="249382" y="55418"/>
+                </a:cubicBezTo>
+                <a:cubicBezTo>
+                  <a:pt x="258090" y="51064"/>
+                  <a:pt x="269488" y="52264"/>
+                  <a:pt x="277091" y="46182"/>
+                </a:cubicBezTo>
+                <a:cubicBezTo>
+                  <a:pt x="285759" y="39247"/>
+                  <a:pt x="287715" y="26322"/>
+                  <a:pt x="295564" y="18473"/>
+                </a:cubicBezTo>
+                <a:cubicBezTo>
+                  <a:pt x="303413" y="10624"/>
+                  <a:pt x="314037" y="6158"/>
+                  <a:pt x="323273" y="0"/>
+                </a:cubicBezTo>
+                <a:cubicBezTo>
+                  <a:pt x="350982" y="3079"/>
+                  <a:pt x="378801" y="5294"/>
+                  <a:pt x="406400" y="9237"/>
+                </a:cubicBezTo>
+                <a:cubicBezTo>
+                  <a:pt x="421941" y="11457"/>
+                  <a:pt x="437066" y="16086"/>
+                  <a:pt x="452582" y="18473"/>
+                </a:cubicBezTo>
+                <a:cubicBezTo>
+                  <a:pt x="477115" y="22247"/>
+                  <a:pt x="501843" y="24630"/>
+                  <a:pt x="526473" y="27709"/>
+                </a:cubicBezTo>
+                <a:cubicBezTo>
+                  <a:pt x="538788" y="30788"/>
+                  <a:pt x="550724" y="36946"/>
+                  <a:pt x="563418" y="36946"/>
+                </a:cubicBezTo>
+                <a:cubicBezTo>
+                  <a:pt x="596509" y="36946"/>
+                  <a:pt x="632684" y="26556"/>
+                  <a:pt x="665018" y="18473"/>
+                </a:cubicBezTo>
+                <a:cubicBezTo>
+                  <a:pt x="610653" y="45656"/>
+                  <a:pt x="641140" y="32590"/>
+                  <a:pt x="572655" y="55418"/>
+                </a:cubicBezTo>
+                <a:cubicBezTo>
+                  <a:pt x="563419" y="58497"/>
+                  <a:pt x="553047" y="59255"/>
+                  <a:pt x="544946" y="64655"/>
+                </a:cubicBezTo>
+                <a:cubicBezTo>
+                  <a:pt x="535710" y="70812"/>
+                  <a:pt x="527381" y="78619"/>
+                  <a:pt x="517237" y="83127"/>
+                </a:cubicBezTo>
+                <a:cubicBezTo>
+                  <a:pt x="499443" y="91035"/>
+                  <a:pt x="461818" y="101600"/>
+                  <a:pt x="461818" y="101600"/>
+                </a:cubicBezTo>
+                <a:cubicBezTo>
+                  <a:pt x="382407" y="154541"/>
+                  <a:pt x="482880" y="91069"/>
+                  <a:pt x="406400" y="129309"/>
+                </a:cubicBezTo>
+                <a:cubicBezTo>
+                  <a:pt x="334781" y="165119"/>
+                  <a:pt x="420629" y="133803"/>
+                  <a:pt x="350982" y="157018"/>
+                </a:cubicBezTo>
+                <a:cubicBezTo>
+                  <a:pt x="332509" y="153939"/>
+                  <a:pt x="313732" y="152324"/>
+                  <a:pt x="295564" y="147782"/>
+                </a:cubicBezTo>
+                <a:cubicBezTo>
+                  <a:pt x="276673" y="143059"/>
+                  <a:pt x="240146" y="129309"/>
+                  <a:pt x="240146" y="129309"/>
+                </a:cubicBezTo>
+                <a:cubicBezTo>
+                  <a:pt x="60307" y="138775"/>
+                  <a:pt x="106078" y="97127"/>
+                  <a:pt x="55418" y="147782"/>
+                </a:cubicBezTo>
+              </a:path>
+            </a:pathLst>
+          </a:custGeom>
+          <a:solidFill>
+            <a:schemeClr val="bg1"/>
+          </a:solidFill>
+          <a:ln>
+            <a:solidFill>
+              <a:schemeClr val="bg1"/>
+            </a:solidFill>
+          </a:ln>
+        </p:spPr>
+        <p:style>
+          <a:lnRef idx="2">
+            <a:schemeClr val="accent1">
+              <a:shade val="50000"/>
+            </a:schemeClr>
+          </a:lnRef>
+          <a:fillRef idx="1">
+            <a:schemeClr val="accent1"/>
+          </a:fillRef>
+          <a:effectRef idx="0">
+            <a:schemeClr val="accent1"/>
+          </a:effectRef>
+          <a:fontRef idx="minor">
+            <a:schemeClr val="lt1"/>
+          </a:fontRef>
+        </p:style>
+        <p:txBody>
+          <a:bodyPr rtlCol="0" anchor="ctr"/>
+          <a:lstStyle/>
+          <a:p>
+            <a:pPr algn="ctr"/>
+            <a:r>
+              <a:rPr lang="en-US" dirty="0">
+                <a:solidFill>
+                  <a:schemeClr val="tx1"/>
+                </a:solidFill>
+              </a:rPr>
+              <a:t>211</a:t>
+            </a:r>
+          </a:p>
+        </p:txBody>
+      </p:sp>
+      <p:sp>
+        <p:nvSpPr>
+          <p:cNvPr id="75" name="Freeform 74"/>
+          <p:cNvSpPr/>
+          <p:nvPr/>
+        </p:nvSpPr>
+        <p:spPr>
+          <a:xfrm>
+            <a:off x="5837620" y="3590063"/>
+            <a:ext cx="665018" cy="184727"/>
+          </a:xfrm>
+          <a:custGeom>
+            <a:avLst/>
+            <a:gdLst>
+              <a:gd name="connsiteX0" fmla="*/ 0 w 665018"/>
+              <a:gd name="connsiteY0" fmla="*/ 184727 h 184727"/>
+              <a:gd name="connsiteX1" fmla="*/ 46182 w 665018"/>
+              <a:gd name="connsiteY1" fmla="*/ 138546 h 184727"/>
+              <a:gd name="connsiteX2" fmla="*/ 83128 w 665018"/>
+              <a:gd name="connsiteY2" fmla="*/ 129309 h 184727"/>
+              <a:gd name="connsiteX3" fmla="*/ 110837 w 665018"/>
+              <a:gd name="connsiteY3" fmla="*/ 110837 h 184727"/>
+              <a:gd name="connsiteX4" fmla="*/ 166255 w 665018"/>
+              <a:gd name="connsiteY4" fmla="*/ 92364 h 184727"/>
+              <a:gd name="connsiteX5" fmla="*/ 193964 w 665018"/>
+              <a:gd name="connsiteY5" fmla="*/ 83127 h 184727"/>
+              <a:gd name="connsiteX6" fmla="*/ 221673 w 665018"/>
+              <a:gd name="connsiteY6" fmla="*/ 73891 h 184727"/>
+              <a:gd name="connsiteX7" fmla="*/ 249382 w 665018"/>
+              <a:gd name="connsiteY7" fmla="*/ 55418 h 184727"/>
+              <a:gd name="connsiteX8" fmla="*/ 277091 w 665018"/>
+              <a:gd name="connsiteY8" fmla="*/ 46182 h 184727"/>
+              <a:gd name="connsiteX9" fmla="*/ 295564 w 665018"/>
+              <a:gd name="connsiteY9" fmla="*/ 18473 h 184727"/>
+              <a:gd name="connsiteX10" fmla="*/ 323273 w 665018"/>
+              <a:gd name="connsiteY10" fmla="*/ 0 h 184727"/>
+              <a:gd name="connsiteX11" fmla="*/ 406400 w 665018"/>
+              <a:gd name="connsiteY11" fmla="*/ 9237 h 184727"/>
+              <a:gd name="connsiteX12" fmla="*/ 452582 w 665018"/>
+              <a:gd name="connsiteY12" fmla="*/ 18473 h 184727"/>
+              <a:gd name="connsiteX13" fmla="*/ 526473 w 665018"/>
+              <a:gd name="connsiteY13" fmla="*/ 27709 h 184727"/>
+              <a:gd name="connsiteX14" fmla="*/ 563418 w 665018"/>
+              <a:gd name="connsiteY14" fmla="*/ 36946 h 184727"/>
+              <a:gd name="connsiteX15" fmla="*/ 665018 w 665018"/>
+              <a:gd name="connsiteY15" fmla="*/ 18473 h 184727"/>
+              <a:gd name="connsiteX16" fmla="*/ 572655 w 665018"/>
+              <a:gd name="connsiteY16" fmla="*/ 55418 h 184727"/>
+              <a:gd name="connsiteX17" fmla="*/ 544946 w 665018"/>
+              <a:gd name="connsiteY17" fmla="*/ 64655 h 184727"/>
+              <a:gd name="connsiteX18" fmla="*/ 517237 w 665018"/>
+              <a:gd name="connsiteY18" fmla="*/ 83127 h 184727"/>
+              <a:gd name="connsiteX19" fmla="*/ 461818 w 665018"/>
+              <a:gd name="connsiteY19" fmla="*/ 101600 h 184727"/>
+              <a:gd name="connsiteX20" fmla="*/ 406400 w 665018"/>
+              <a:gd name="connsiteY20" fmla="*/ 129309 h 184727"/>
+              <a:gd name="connsiteX21" fmla="*/ 350982 w 665018"/>
+              <a:gd name="connsiteY21" fmla="*/ 157018 h 184727"/>
+              <a:gd name="connsiteX22" fmla="*/ 295564 w 665018"/>
+              <a:gd name="connsiteY22" fmla="*/ 147782 h 184727"/>
+              <a:gd name="connsiteX23" fmla="*/ 240146 w 665018"/>
+              <a:gd name="connsiteY23" fmla="*/ 129309 h 184727"/>
+              <a:gd name="connsiteX24" fmla="*/ 55418 w 665018"/>
+              <a:gd name="connsiteY24" fmla="*/ 147782 h 184727"/>
+            </a:gdLst>
+            <a:ahLst/>
+            <a:cxnLst>
+              <a:cxn ang="0">
+                <a:pos x="connsiteX0" y="connsiteY0"/>
+              </a:cxn>
+              <a:cxn ang="0">
+                <a:pos x="connsiteX1" y="connsiteY1"/>
+              </a:cxn>
+              <a:cxn ang="0">
+                <a:pos x="connsiteX2" y="connsiteY2"/>
+              </a:cxn>
+              <a:cxn ang="0">
+                <a:pos x="connsiteX3" y="connsiteY3"/>
+              </a:cxn>
+              <a:cxn ang="0">
+                <a:pos x="connsiteX4" y="connsiteY4"/>
+              </a:cxn>
+              <a:cxn ang="0">
+                <a:pos x="connsiteX5" y="connsiteY5"/>
+              </a:cxn>
+              <a:cxn ang="0">
+                <a:pos x="connsiteX6" y="connsiteY6"/>
+              </a:cxn>
+              <a:cxn ang="0">
+                <a:pos x="connsiteX7" y="connsiteY7"/>
+              </a:cxn>
+              <a:cxn ang="0">
+                <a:pos x="connsiteX8" y="connsiteY8"/>
+              </a:cxn>
+              <a:cxn ang="0">
+                <a:pos x="connsiteX9" y="connsiteY9"/>
+              </a:cxn>
+              <a:cxn ang="0">
+                <a:pos x="connsiteX10" y="connsiteY10"/>
+              </a:cxn>
+              <a:cxn ang="0">
+                <a:pos x="connsiteX11" y="connsiteY11"/>
+              </a:cxn>
+              <a:cxn ang="0">
+                <a:pos x="connsiteX12" y="connsiteY12"/>
+              </a:cxn>
+              <a:cxn ang="0">
+                <a:pos x="connsiteX13" y="connsiteY13"/>
+              </a:cxn>
+              <a:cxn ang="0">
+                <a:pos x="connsiteX14" y="connsiteY14"/>
+              </a:cxn>
+              <a:cxn ang="0">
+                <a:pos x="connsiteX15" y="connsiteY15"/>
+              </a:cxn>
+              <a:cxn ang="0">
+                <a:pos x="connsiteX16" y="connsiteY16"/>
+              </a:cxn>
+              <a:cxn ang="0">
+                <a:pos x="connsiteX17" y="connsiteY17"/>
+              </a:cxn>
+              <a:cxn ang="0">
+                <a:pos x="connsiteX18" y="connsiteY18"/>
+              </a:cxn>
+              <a:cxn ang="0">
+                <a:pos x="connsiteX19" y="connsiteY19"/>
+              </a:cxn>
+              <a:cxn ang="0">
+                <a:pos x="connsiteX20" y="connsiteY20"/>
+              </a:cxn>
+              <a:cxn ang="0">
+                <a:pos x="connsiteX21" y="connsiteY21"/>
+              </a:cxn>
+              <a:cxn ang="0">
+                <a:pos x="connsiteX22" y="connsiteY22"/>
+              </a:cxn>
+              <a:cxn ang="0">
+                <a:pos x="connsiteX23" y="connsiteY23"/>
+              </a:cxn>
+              <a:cxn ang="0">
+                <a:pos x="connsiteX24" y="connsiteY24"/>
+              </a:cxn>
+            </a:cxnLst>
+            <a:rect l="l" t="t" r="r" b="b"/>
+            <a:pathLst>
+              <a:path w="665018" h="184727">
+                <a:moveTo>
+                  <a:pt x="0" y="184727"/>
+                </a:moveTo>
+                <a:cubicBezTo>
+                  <a:pt x="15394" y="169333"/>
+                  <a:pt x="28068" y="150622"/>
+                  <a:pt x="46182" y="138546"/>
+                </a:cubicBezTo>
+                <a:cubicBezTo>
+                  <a:pt x="56744" y="131504"/>
+                  <a:pt x="71460" y="134310"/>
+                  <a:pt x="83128" y="129309"/>
+                </a:cubicBezTo>
+                <a:cubicBezTo>
+                  <a:pt x="93331" y="124936"/>
+                  <a:pt x="100693" y="115345"/>
+                  <a:pt x="110837" y="110837"/>
+                </a:cubicBezTo>
+                <a:cubicBezTo>
+                  <a:pt x="128631" y="102929"/>
+                  <a:pt x="147782" y="98522"/>
+                  <a:pt x="166255" y="92364"/>
+                </a:cubicBezTo>
+                <a:lnTo>
+                  <a:pt x="193964" y="83127"/>
+                </a:lnTo>
+                <a:lnTo>
+                  <a:pt x="221673" y="73891"/>
+                </a:lnTo>
+                <a:cubicBezTo>
+                  <a:pt x="230909" y="67733"/>
+                  <a:pt x="239453" y="60382"/>
+                  <a:pt x="249382" y="55418"/>
+                </a:cubicBezTo>
+                <a:cubicBezTo>
+                  <a:pt x="258090" y="51064"/>
+                  <a:pt x="269488" y="52264"/>
+                  <a:pt x="277091" y="46182"/>
+                </a:cubicBezTo>
+                <a:cubicBezTo>
+                  <a:pt x="285759" y="39247"/>
+                  <a:pt x="287715" y="26322"/>
+                  <a:pt x="295564" y="18473"/>
+                </a:cubicBezTo>
+                <a:cubicBezTo>
+                  <a:pt x="303413" y="10624"/>
+                  <a:pt x="314037" y="6158"/>
+                  <a:pt x="323273" y="0"/>
+                </a:cubicBezTo>
+                <a:cubicBezTo>
+                  <a:pt x="350982" y="3079"/>
+                  <a:pt x="378801" y="5294"/>
+                  <a:pt x="406400" y="9237"/>
+                </a:cubicBezTo>
+                <a:cubicBezTo>
+                  <a:pt x="421941" y="11457"/>
+                  <a:pt x="437066" y="16086"/>
+                  <a:pt x="452582" y="18473"/>
+                </a:cubicBezTo>
+                <a:cubicBezTo>
+                  <a:pt x="477115" y="22247"/>
+                  <a:pt x="501843" y="24630"/>
+                  <a:pt x="526473" y="27709"/>
+                </a:cubicBezTo>
+                <a:cubicBezTo>
+                  <a:pt x="538788" y="30788"/>
+                  <a:pt x="550724" y="36946"/>
+                  <a:pt x="563418" y="36946"/>
+                </a:cubicBezTo>
+                <a:cubicBezTo>
+                  <a:pt x="596509" y="36946"/>
+                  <a:pt x="632684" y="26556"/>
+                  <a:pt x="665018" y="18473"/>
+                </a:cubicBezTo>
+                <a:cubicBezTo>
+                  <a:pt x="610653" y="45656"/>
+                  <a:pt x="641140" y="32590"/>
+                  <a:pt x="572655" y="55418"/>
+                </a:cubicBezTo>
+                <a:cubicBezTo>
+                  <a:pt x="563419" y="58497"/>
+                  <a:pt x="553047" y="59255"/>
+                  <a:pt x="544946" y="64655"/>
+                </a:cubicBezTo>
+                <a:cubicBezTo>
+                  <a:pt x="535710" y="70812"/>
+                  <a:pt x="527381" y="78619"/>
+                  <a:pt x="517237" y="83127"/>
+                </a:cubicBezTo>
+                <a:cubicBezTo>
+                  <a:pt x="499443" y="91035"/>
+                  <a:pt x="461818" y="101600"/>
+                  <a:pt x="461818" y="101600"/>
+                </a:cubicBezTo>
+                <a:cubicBezTo>
+                  <a:pt x="382407" y="154541"/>
+                  <a:pt x="482880" y="91069"/>
+                  <a:pt x="406400" y="129309"/>
+                </a:cubicBezTo>
+                <a:cubicBezTo>
+                  <a:pt x="334781" y="165119"/>
+                  <a:pt x="420629" y="133803"/>
+                  <a:pt x="350982" y="157018"/>
+                </a:cubicBezTo>
+                <a:cubicBezTo>
+                  <a:pt x="332509" y="153939"/>
+                  <a:pt x="313732" y="152324"/>
+                  <a:pt x="295564" y="147782"/>
+                </a:cubicBezTo>
+                <a:cubicBezTo>
+                  <a:pt x="276673" y="143059"/>
+                  <a:pt x="240146" y="129309"/>
+                  <a:pt x="240146" y="129309"/>
+                </a:cubicBezTo>
+                <a:cubicBezTo>
+                  <a:pt x="60307" y="138775"/>
+                  <a:pt x="106078" y="97127"/>
+                  <a:pt x="55418" y="147782"/>
+                </a:cubicBezTo>
+              </a:path>
+            </a:pathLst>
+          </a:custGeom>
+          <a:solidFill>
+            <a:schemeClr val="bg1"/>
+          </a:solidFill>
+          <a:ln>
+            <a:solidFill>
+              <a:schemeClr val="bg1"/>
+            </a:solidFill>
+          </a:ln>
+        </p:spPr>
+        <p:style>
+          <a:lnRef idx="2">
+            <a:schemeClr val="accent1">
+              <a:shade val="50000"/>
+            </a:schemeClr>
+          </a:lnRef>
+          <a:fillRef idx="1">
+            <a:schemeClr val="accent1"/>
+          </a:fillRef>
+          <a:effectRef idx="0">
+            <a:schemeClr val="accent1"/>
+          </a:effectRef>
+          <a:fontRef idx="minor">
+            <a:schemeClr val="lt1"/>
+          </a:fontRef>
+        </p:style>
+        <p:txBody>
+          <a:bodyPr rtlCol="0" anchor="ctr"/>
+          <a:lstStyle/>
+          <a:p>
+            <a:pPr algn="ctr"/>
+            <a:r>
+              <a:rPr lang="en-US" dirty="0">
+                <a:solidFill>
+                  <a:schemeClr val="tx1"/>
+                </a:solidFill>
+              </a:rPr>
+              <a:t>020</a:t>
+            </a:r>
+          </a:p>
+        </p:txBody>
+      </p:sp>
+      <p:sp>
+        <p:nvSpPr>
+          <p:cNvPr id="76" name="Freeform 75"/>
+          <p:cNvSpPr/>
+          <p:nvPr/>
+        </p:nvSpPr>
+        <p:spPr>
+          <a:xfrm>
+            <a:off x="5459406" y="4152298"/>
+            <a:ext cx="665018" cy="184727"/>
+          </a:xfrm>
+          <a:custGeom>
+            <a:avLst/>
+            <a:gdLst>
+              <a:gd name="connsiteX0" fmla="*/ 0 w 665018"/>
+              <a:gd name="connsiteY0" fmla="*/ 184727 h 184727"/>
+              <a:gd name="connsiteX1" fmla="*/ 46182 w 665018"/>
+              <a:gd name="connsiteY1" fmla="*/ 138546 h 184727"/>
+              <a:gd name="connsiteX2" fmla="*/ 83128 w 665018"/>
+              <a:gd name="connsiteY2" fmla="*/ 129309 h 184727"/>
+              <a:gd name="connsiteX3" fmla="*/ 110837 w 665018"/>
+              <a:gd name="connsiteY3" fmla="*/ 110837 h 184727"/>
+              <a:gd name="connsiteX4" fmla="*/ 166255 w 665018"/>
+              <a:gd name="connsiteY4" fmla="*/ 92364 h 184727"/>
+              <a:gd name="connsiteX5" fmla="*/ 193964 w 665018"/>
+              <a:gd name="connsiteY5" fmla="*/ 83127 h 184727"/>
+              <a:gd name="connsiteX6" fmla="*/ 221673 w 665018"/>
+              <a:gd name="connsiteY6" fmla="*/ 73891 h 184727"/>
+              <a:gd name="connsiteX7" fmla="*/ 249382 w 665018"/>
+              <a:gd name="connsiteY7" fmla="*/ 55418 h 184727"/>
+              <a:gd name="connsiteX8" fmla="*/ 277091 w 665018"/>
+              <a:gd name="connsiteY8" fmla="*/ 46182 h 184727"/>
+              <a:gd name="connsiteX9" fmla="*/ 295564 w 665018"/>
+              <a:gd name="connsiteY9" fmla="*/ 18473 h 184727"/>
+              <a:gd name="connsiteX10" fmla="*/ 323273 w 665018"/>
+              <a:gd name="connsiteY10" fmla="*/ 0 h 184727"/>
+              <a:gd name="connsiteX11" fmla="*/ 406400 w 665018"/>
+              <a:gd name="connsiteY11" fmla="*/ 9237 h 184727"/>
+              <a:gd name="connsiteX12" fmla="*/ 452582 w 665018"/>
+              <a:gd name="connsiteY12" fmla="*/ 18473 h 184727"/>
+              <a:gd name="connsiteX13" fmla="*/ 526473 w 665018"/>
+              <a:gd name="connsiteY13" fmla="*/ 27709 h 184727"/>
+              <a:gd name="connsiteX14" fmla="*/ 563418 w 665018"/>
+              <a:gd name="connsiteY14" fmla="*/ 36946 h 184727"/>
+              <a:gd name="connsiteX15" fmla="*/ 665018 w 665018"/>
+              <a:gd name="connsiteY15" fmla="*/ 18473 h 184727"/>
+              <a:gd name="connsiteX16" fmla="*/ 572655 w 665018"/>
+              <a:gd name="connsiteY16" fmla="*/ 55418 h 184727"/>
+              <a:gd name="connsiteX17" fmla="*/ 544946 w 665018"/>
+              <a:gd name="connsiteY17" fmla="*/ 64655 h 184727"/>
+              <a:gd name="connsiteX18" fmla="*/ 517237 w 665018"/>
+              <a:gd name="connsiteY18" fmla="*/ 83127 h 184727"/>
+              <a:gd name="connsiteX19" fmla="*/ 461818 w 665018"/>
+              <a:gd name="connsiteY19" fmla="*/ 101600 h 184727"/>
+              <a:gd name="connsiteX20" fmla="*/ 406400 w 665018"/>
+              <a:gd name="connsiteY20" fmla="*/ 129309 h 184727"/>
+              <a:gd name="connsiteX21" fmla="*/ 350982 w 665018"/>
+              <a:gd name="connsiteY21" fmla="*/ 157018 h 184727"/>
+              <a:gd name="connsiteX22" fmla="*/ 295564 w 665018"/>
+              <a:gd name="connsiteY22" fmla="*/ 147782 h 184727"/>
+              <a:gd name="connsiteX23" fmla="*/ 240146 w 665018"/>
+              <a:gd name="connsiteY23" fmla="*/ 129309 h 184727"/>
+              <a:gd name="connsiteX24" fmla="*/ 55418 w 665018"/>
+              <a:gd name="connsiteY24" fmla="*/ 147782 h 184727"/>
+            </a:gdLst>
+            <a:ahLst/>
+            <a:cxnLst>
+              <a:cxn ang="0">
+                <a:pos x="connsiteX0" y="connsiteY0"/>
+              </a:cxn>
+              <a:cxn ang="0">
+                <a:pos x="connsiteX1" y="connsiteY1"/>
+              </a:cxn>
+              <a:cxn ang="0">
+                <a:pos x="connsiteX2" y="connsiteY2"/>
+              </a:cxn>
+              <a:cxn ang="0">
+                <a:pos x="connsiteX3" y="connsiteY3"/>
+              </a:cxn>
+              <a:cxn ang="0">
+                <a:pos x="connsiteX4" y="connsiteY4"/>
+              </a:cxn>
+              <a:cxn ang="0">
+                <a:pos x="connsiteX5" y="connsiteY5"/>
+              </a:cxn>
+              <a:cxn ang="0">
+                <a:pos x="connsiteX6" y="connsiteY6"/>
+              </a:cxn>
+              <a:cxn ang="0">
+                <a:pos x="connsiteX7" y="connsiteY7"/>
+              </a:cxn>
+              <a:cxn ang="0">
+                <a:pos x="connsiteX8" y="connsiteY8"/>
+              </a:cxn>
+              <a:cxn ang="0">
+                <a:pos x="connsiteX9" y="connsiteY9"/>
+              </a:cxn>
+              <a:cxn ang="0">
+                <a:pos x="connsiteX10" y="connsiteY10"/>
+              </a:cxn>
+              <a:cxn ang="0">
+                <a:pos x="connsiteX11" y="connsiteY11"/>
+              </a:cxn>
+              <a:cxn ang="0">
+                <a:pos x="connsiteX12" y="connsiteY12"/>
+              </a:cxn>
+              <a:cxn ang="0">
+                <a:pos x="connsiteX13" y="connsiteY13"/>
+              </a:cxn>
+              <a:cxn ang="0">
+                <a:pos x="connsiteX14" y="connsiteY14"/>
+              </a:cxn>
+              <a:cxn ang="0">
+                <a:pos x="connsiteX15" y="connsiteY15"/>
+              </a:cxn>
+              <a:cxn ang="0">
+                <a:pos x="connsiteX16" y="connsiteY16"/>
+              </a:cxn>
+              <a:cxn ang="0">
+                <a:pos x="connsiteX17" y="connsiteY17"/>
+              </a:cxn>
+              <a:cxn ang="0">
+                <a:pos x="connsiteX18" y="connsiteY18"/>
+              </a:cxn>
+              <a:cxn ang="0">
+                <a:pos x="connsiteX19" y="connsiteY19"/>
+              </a:cxn>
+              <a:cxn ang="0">
+                <a:pos x="connsiteX20" y="connsiteY20"/>
+              </a:cxn>
+              <a:cxn ang="0">
+                <a:pos x="connsiteX21" y="connsiteY21"/>
+              </a:cxn>
+              <a:cxn ang="0">
+                <a:pos x="connsiteX22" y="connsiteY22"/>
+              </a:cxn>
+              <a:cxn ang="0">
+                <a:pos x="connsiteX23" y="connsiteY23"/>
+              </a:cxn>
+              <a:cxn ang="0">
+                <a:pos x="connsiteX24" y="connsiteY24"/>
+              </a:cxn>
+            </a:cxnLst>
+            <a:rect l="l" t="t" r="r" b="b"/>
+            <a:pathLst>
+              <a:path w="665018" h="184727">
+                <a:moveTo>
+                  <a:pt x="0" y="184727"/>
+                </a:moveTo>
+                <a:cubicBezTo>
+                  <a:pt x="15394" y="169333"/>
+                  <a:pt x="28068" y="150622"/>
+                  <a:pt x="46182" y="138546"/>
+                </a:cubicBezTo>
+                <a:cubicBezTo>
+                  <a:pt x="56744" y="131504"/>
+                  <a:pt x="71460" y="134310"/>
+                  <a:pt x="83128" y="129309"/>
+                </a:cubicBezTo>
+                <a:cubicBezTo>
+                  <a:pt x="93331" y="124936"/>
+                  <a:pt x="100693" y="115345"/>
+                  <a:pt x="110837" y="110837"/>
+                </a:cubicBezTo>
+                <a:cubicBezTo>
+                  <a:pt x="128631" y="102929"/>
+                  <a:pt x="147782" y="98522"/>
+                  <a:pt x="166255" y="92364"/>
+                </a:cubicBezTo>
+                <a:lnTo>
+                  <a:pt x="193964" y="83127"/>
+                </a:lnTo>
+                <a:lnTo>
+                  <a:pt x="221673" y="73891"/>
+                </a:lnTo>
+                <a:cubicBezTo>
+                  <a:pt x="230909" y="67733"/>
+                  <a:pt x="239453" y="60382"/>
+                  <a:pt x="249382" y="55418"/>
+                </a:cubicBezTo>
+                <a:cubicBezTo>
+                  <a:pt x="258090" y="51064"/>
+                  <a:pt x="269488" y="52264"/>
+                  <a:pt x="277091" y="46182"/>
+                </a:cubicBezTo>
+                <a:cubicBezTo>
+                  <a:pt x="285759" y="39247"/>
+                  <a:pt x="287715" y="26322"/>
+                  <a:pt x="295564" y="18473"/>
+                </a:cubicBezTo>
+                <a:cubicBezTo>
+                  <a:pt x="303413" y="10624"/>
+                  <a:pt x="314037" y="6158"/>
+                  <a:pt x="323273" y="0"/>
+                </a:cubicBezTo>
+                <a:cubicBezTo>
+                  <a:pt x="350982" y="3079"/>
+                  <a:pt x="378801" y="5294"/>
+                  <a:pt x="406400" y="9237"/>
+                </a:cubicBezTo>
+                <a:cubicBezTo>
+                  <a:pt x="421941" y="11457"/>
+                  <a:pt x="437066" y="16086"/>
+                  <a:pt x="452582" y="18473"/>
+                </a:cubicBezTo>
+                <a:cubicBezTo>
+                  <a:pt x="477115" y="22247"/>
+                  <a:pt x="501843" y="24630"/>
+                  <a:pt x="526473" y="27709"/>
+                </a:cubicBezTo>
+                <a:cubicBezTo>
+                  <a:pt x="538788" y="30788"/>
+                  <a:pt x="550724" y="36946"/>
+                  <a:pt x="563418" y="36946"/>
+                </a:cubicBezTo>
+                <a:cubicBezTo>
+                  <a:pt x="596509" y="36946"/>
+                  <a:pt x="632684" y="26556"/>
+                  <a:pt x="665018" y="18473"/>
+                </a:cubicBezTo>
+                <a:cubicBezTo>
+                  <a:pt x="610653" y="45656"/>
+                  <a:pt x="641140" y="32590"/>
+                  <a:pt x="572655" y="55418"/>
+                </a:cubicBezTo>
+                <a:cubicBezTo>
+                  <a:pt x="563419" y="58497"/>
+                  <a:pt x="553047" y="59255"/>
+                  <a:pt x="544946" y="64655"/>
+                </a:cubicBezTo>
+                <a:cubicBezTo>
+                  <a:pt x="535710" y="70812"/>
+                  <a:pt x="527381" y="78619"/>
+                  <a:pt x="517237" y="83127"/>
+                </a:cubicBezTo>
+                <a:cubicBezTo>
+                  <a:pt x="499443" y="91035"/>
+                  <a:pt x="461818" y="101600"/>
+                  <a:pt x="461818" y="101600"/>
+                </a:cubicBezTo>
+                <a:cubicBezTo>
+                  <a:pt x="382407" y="154541"/>
+                  <a:pt x="482880" y="91069"/>
+                  <a:pt x="406400" y="129309"/>
+                </a:cubicBezTo>
+                <a:cubicBezTo>
+                  <a:pt x="334781" y="165119"/>
+                  <a:pt x="420629" y="133803"/>
+                  <a:pt x="350982" y="157018"/>
+                </a:cubicBezTo>
+                <a:cubicBezTo>
+                  <a:pt x="332509" y="153939"/>
+                  <a:pt x="313732" y="152324"/>
+                  <a:pt x="295564" y="147782"/>
+                </a:cubicBezTo>
+                <a:cubicBezTo>
+                  <a:pt x="276673" y="143059"/>
+                  <a:pt x="240146" y="129309"/>
+                  <a:pt x="240146" y="129309"/>
+                </a:cubicBezTo>
+                <a:cubicBezTo>
+                  <a:pt x="60307" y="138775"/>
+                  <a:pt x="106078" y="97127"/>
+                  <a:pt x="55418" y="147782"/>
+                </a:cubicBezTo>
+              </a:path>
+            </a:pathLst>
+          </a:custGeom>
+          <a:solidFill>
+            <a:schemeClr val="bg1"/>
+          </a:solidFill>
+          <a:ln>
+            <a:solidFill>
+              <a:schemeClr val="bg1"/>
+            </a:solidFill>
+          </a:ln>
+        </p:spPr>
+        <p:style>
+          <a:lnRef idx="2">
+            <a:schemeClr val="accent1">
+              <a:shade val="50000"/>
+            </a:schemeClr>
+          </a:lnRef>
+          <a:fillRef idx="1">
+            <a:schemeClr val="accent1"/>
+          </a:fillRef>
+          <a:effectRef idx="0">
+            <a:schemeClr val="accent1"/>
+          </a:effectRef>
+          <a:fontRef idx="minor">
+            <a:schemeClr val="lt1"/>
+          </a:fontRef>
+        </p:style>
+        <p:txBody>
+          <a:bodyPr rtlCol="0" anchor="ctr"/>
+          <a:lstStyle/>
+          <a:p>
+            <a:pPr algn="ctr"/>
+            <a:r>
+              <a:rPr lang="en-US" dirty="0">
+                <a:solidFill>
+                  <a:schemeClr val="tx1"/>
+                </a:solidFill>
+              </a:rPr>
+              <a:t>111</a:t>
+            </a:r>
+          </a:p>
+        </p:txBody>
+      </p:sp>
+    </p:spTree>
+    <p:extLst>
+      <p:ext uri="{BB962C8B-B14F-4D97-AF65-F5344CB8AC3E}">
+        <p14:creationId xmlns:p14="http://schemas.microsoft.com/office/powerpoint/2010/main" val="3980358780"/>
+      </p:ext>
+    </p:extLst>
+  </p:cSld>
+  <p:clrMapOvr>
+    <a:masterClrMapping/>
+  </p:clrMapOvr>
+</p:sld>
+</file>
+
+<file path=ppt/slides/slide12.xml><?xml version="1.0" encoding="utf-8"?>
+<p:sld xmlns:a="http://schemas.openxmlformats.org/drawingml/2006/main" xmlns:r="http://schemas.openxmlformats.org/officeDocument/2006/relationships" xmlns:p="http://schemas.openxmlformats.org/presentationml/2006/main">
+  <p:cSld>
+    <p:spTree>
+      <p:nvGrpSpPr>
+        <p:cNvPr id="1" name=""/>
+        <p:cNvGrpSpPr/>
+        <p:nvPr/>
+      </p:nvGrpSpPr>
+      <p:grpSpPr>
+        <a:xfrm>
+          <a:off x="0" y="0"/>
+          <a:ext cx="0" cy="0"/>
+          <a:chOff x="0" y="0"/>
+          <a:chExt cx="0" cy="0"/>
+        </a:xfrm>
+      </p:grpSpPr>
+      <p:sp>
+        <p:nvSpPr>
+          <p:cNvPr id="2" name="Title 1"/>
+          <p:cNvSpPr>
+            <a:spLocks noGrp="1"/>
+          </p:cNvSpPr>
+          <p:nvPr>
+            <p:ph type="title"/>
+          </p:nvPr>
+        </p:nvSpPr>
+        <p:spPr/>
+        <p:txBody>
+          <a:bodyPr/>
+          <a:lstStyle/>
+          <a:p>
+            <a:r>
+              <a:rPr lang="en-US" dirty="0"/>
               <a:t>N-mixture Model</a:t>
             </a:r>
           </a:p>
@@ -9090,116 +13570,6 @@
 </p:sld>
 </file>
 
-<file path=ppt/slides/slide12.xml><?xml version="1.0" encoding="utf-8"?>
-<p:sld xmlns:a="http://schemas.openxmlformats.org/drawingml/2006/main" xmlns:r="http://schemas.openxmlformats.org/officeDocument/2006/relationships" xmlns:p="http://schemas.openxmlformats.org/presentationml/2006/main">
-  <p:cSld>
-    <p:spTree>
-      <p:nvGrpSpPr>
-        <p:cNvPr id="1" name=""/>
-        <p:cNvGrpSpPr/>
-        <p:nvPr/>
-      </p:nvGrpSpPr>
-      <p:grpSpPr>
-        <a:xfrm>
-          <a:off x="0" y="0"/>
-          <a:ext cx="0" cy="0"/>
-          <a:chOff x="0" y="0"/>
-          <a:chExt cx="0" cy="0"/>
-        </a:xfrm>
-      </p:grpSpPr>
-      <p:sp>
-        <p:nvSpPr>
-          <p:cNvPr id="2" name="Title 1"/>
-          <p:cNvSpPr>
-            <a:spLocks noGrp="1"/>
-          </p:cNvSpPr>
-          <p:nvPr>
-            <p:ph type="title"/>
-          </p:nvPr>
-        </p:nvSpPr>
-        <p:spPr/>
-        <p:txBody>
-          <a:bodyPr/>
-          <a:lstStyle/>
-          <a:p>
-            <a:r>
-              <a:rPr lang="en-US" dirty="0"/>
-              <a:t>Model Assumptions</a:t>
-            </a:r>
-          </a:p>
-        </p:txBody>
-      </p:sp>
-      <p:sp>
-        <p:nvSpPr>
-          <p:cNvPr id="3" name="Content Placeholder 2"/>
-          <p:cNvSpPr>
-            <a:spLocks noGrp="1"/>
-          </p:cNvSpPr>
-          <p:nvPr>
-            <p:ph idx="1"/>
-          </p:nvPr>
-        </p:nvSpPr>
-        <p:spPr/>
-        <p:txBody>
-          <a:bodyPr>
-            <a:normAutofit/>
-          </a:bodyPr>
-          <a:lstStyle/>
-          <a:p>
-            <a:r>
-              <a:rPr lang="en-US" sz="3200" dirty="0"/>
-              <a:t>Closure</a:t>
-            </a:r>
-          </a:p>
-          <a:p>
-            <a:r>
-              <a:rPr lang="en-US" sz="3200" dirty="0"/>
-              <a:t>No false positives or double counts</a:t>
-            </a:r>
-          </a:p>
-          <a:p>
-            <a:r>
-              <a:rPr lang="en-US" sz="3200" dirty="0"/>
-              <a:t>Independence of detection (</a:t>
-            </a:r>
-            <a:r>
-              <a:rPr lang="en-US" sz="3200" i="1" dirty="0"/>
-              <a:t>p</a:t>
-            </a:r>
-            <a:r>
-              <a:rPr lang="en-US" sz="3200" dirty="0"/>
-              <a:t> of 1 individual = </a:t>
-            </a:r>
-            <a:r>
-              <a:rPr lang="en-US" sz="3200" i="1" dirty="0"/>
-              <a:t>p</a:t>
-            </a:r>
-            <a:r>
-              <a:rPr lang="en-US" sz="3200" dirty="0"/>
-              <a:t> of 10 individuals)</a:t>
-            </a:r>
-          </a:p>
-          <a:p>
-            <a:r>
-              <a:rPr lang="en-US" sz="3200" dirty="0"/>
-              <a:t>Homogeneity of detection among individuals</a:t>
-            </a:r>
-          </a:p>
-        </p:txBody>
-      </p:sp>
-    </p:spTree>
-    <p:extLst>
-      <p:ext uri="{BB962C8B-B14F-4D97-AF65-F5344CB8AC3E}">
-        <p14:creationId xmlns:p14="http://schemas.microsoft.com/office/powerpoint/2010/main" val="239265510"/>
-      </p:ext>
-    </p:extLst>
-  </p:cSld>
-  <p:clrMapOvr>
-    <a:masterClrMapping/>
-  </p:clrMapOvr>
-</p:sld>
-</file>
-
 <file path=ppt/slides/slide13.xml><?xml version="1.0" encoding="utf-8"?>
 <p:sld xmlns:a="http://schemas.openxmlformats.org/drawingml/2006/main" xmlns:r="http://schemas.openxmlformats.org/officeDocument/2006/relationships" xmlns:p="http://schemas.openxmlformats.org/presentationml/2006/main">
   <p:cSld>
@@ -9234,7 +13604,7 @@
           <a:p>
             <a:r>
               <a:rPr lang="en-US" dirty="0"/>
-              <a:t>N-mixture Model – single year</a:t>
+              <a:t>Model Assumptions</a:t>
             </a:r>
           </a:p>
         </p:txBody>
@@ -9256,6 +13626,116 @@
           </a:bodyPr>
           <a:lstStyle/>
           <a:p>
+            <a:r>
+              <a:rPr lang="en-US" sz="3200" dirty="0"/>
+              <a:t>Closure</a:t>
+            </a:r>
+          </a:p>
+          <a:p>
+            <a:r>
+              <a:rPr lang="en-US" sz="3200" dirty="0"/>
+              <a:t>No false positives or double counts</a:t>
+            </a:r>
+          </a:p>
+          <a:p>
+            <a:r>
+              <a:rPr lang="en-US" sz="3200" dirty="0"/>
+              <a:t>Independence of detection (</a:t>
+            </a:r>
+            <a:r>
+              <a:rPr lang="en-US" sz="3200" i="1" dirty="0"/>
+              <a:t>p</a:t>
+            </a:r>
+            <a:r>
+              <a:rPr lang="en-US" sz="3200" dirty="0"/>
+              <a:t> of 1 individual = </a:t>
+            </a:r>
+            <a:r>
+              <a:rPr lang="en-US" sz="3200" i="1" dirty="0"/>
+              <a:t>p</a:t>
+            </a:r>
+            <a:r>
+              <a:rPr lang="en-US" sz="3200" dirty="0"/>
+              <a:t> of 10 individuals)</a:t>
+            </a:r>
+          </a:p>
+          <a:p>
+            <a:r>
+              <a:rPr lang="en-US" sz="3200" dirty="0"/>
+              <a:t>Homogeneity of detection among individuals</a:t>
+            </a:r>
+          </a:p>
+        </p:txBody>
+      </p:sp>
+    </p:spTree>
+    <p:extLst>
+      <p:ext uri="{BB962C8B-B14F-4D97-AF65-F5344CB8AC3E}">
+        <p14:creationId xmlns:p14="http://schemas.microsoft.com/office/powerpoint/2010/main" val="239265510"/>
+      </p:ext>
+    </p:extLst>
+  </p:cSld>
+  <p:clrMapOvr>
+    <a:masterClrMapping/>
+  </p:clrMapOvr>
+</p:sld>
+</file>
+
+<file path=ppt/slides/slide14.xml><?xml version="1.0" encoding="utf-8"?>
+<p:sld xmlns:a="http://schemas.openxmlformats.org/drawingml/2006/main" xmlns:r="http://schemas.openxmlformats.org/officeDocument/2006/relationships" xmlns:p="http://schemas.openxmlformats.org/presentationml/2006/main">
+  <p:cSld>
+    <p:spTree>
+      <p:nvGrpSpPr>
+        <p:cNvPr id="1" name=""/>
+        <p:cNvGrpSpPr/>
+        <p:nvPr/>
+      </p:nvGrpSpPr>
+      <p:grpSpPr>
+        <a:xfrm>
+          <a:off x="0" y="0"/>
+          <a:ext cx="0" cy="0"/>
+          <a:chOff x="0" y="0"/>
+          <a:chExt cx="0" cy="0"/>
+        </a:xfrm>
+      </p:grpSpPr>
+      <p:sp>
+        <p:nvSpPr>
+          <p:cNvPr id="2" name="Title 1"/>
+          <p:cNvSpPr>
+            <a:spLocks noGrp="1"/>
+          </p:cNvSpPr>
+          <p:nvPr>
+            <p:ph type="title"/>
+          </p:nvPr>
+        </p:nvSpPr>
+        <p:spPr/>
+        <p:txBody>
+          <a:bodyPr/>
+          <a:lstStyle/>
+          <a:p>
+            <a:r>
+              <a:rPr lang="en-US" dirty="0"/>
+              <a:t>N-mixture Model – single year</a:t>
+            </a:r>
+          </a:p>
+        </p:txBody>
+      </p:sp>
+      <p:sp>
+        <p:nvSpPr>
+          <p:cNvPr id="3" name="Content Placeholder 2"/>
+          <p:cNvSpPr>
+            <a:spLocks noGrp="1"/>
+          </p:cNvSpPr>
+          <p:nvPr>
+            <p:ph idx="1"/>
+          </p:nvPr>
+        </p:nvSpPr>
+        <p:spPr/>
+        <p:txBody>
+          <a:bodyPr>
+            <a:normAutofit/>
+          </a:bodyPr>
+          <a:lstStyle/>
+          <a:p>
             <a:pPr marL="0" indent="0">
               <a:buNone/>
             </a:pPr>
@@ -9423,7 +13903,7 @@
 </p:sld>
 </file>
 
-<file path=ppt/slides/slide14.xml><?xml version="1.0" encoding="utf-8"?>
+<file path=ppt/slides/slide15.xml><?xml version="1.0" encoding="utf-8"?>
 <p:sld xmlns:a="http://schemas.openxmlformats.org/drawingml/2006/main" xmlns:r="http://schemas.openxmlformats.org/officeDocument/2006/relationships" xmlns:p="http://schemas.openxmlformats.org/presentationml/2006/main">
   <p:cSld>
     <p:spTree>
@@ -9660,7 +14140,7 @@
 </p:sld>
 </file>
 
-<file path=ppt/slides/slide15.xml><?xml version="1.0" encoding="utf-8"?>
+<file path=ppt/slides/slide16.xml><?xml version="1.0" encoding="utf-8"?>
 <p:sld xmlns:a="http://schemas.openxmlformats.org/drawingml/2006/main" xmlns:r="http://schemas.openxmlformats.org/officeDocument/2006/relationships" xmlns:p="http://schemas.openxmlformats.org/presentationml/2006/main">
   <p:cSld>
     <p:spTree>
@@ -9913,7 +14393,7 @@
 </p:sld>
 </file>
 
-<file path=ppt/slides/slide16.xml><?xml version="1.0" encoding="utf-8"?>
+<file path=ppt/slides/slide17.xml><?xml version="1.0" encoding="utf-8"?>
 <p:sld xmlns:a="http://schemas.openxmlformats.org/drawingml/2006/main" xmlns:r="http://schemas.openxmlformats.org/officeDocument/2006/relationships" xmlns:p="http://schemas.openxmlformats.org/presentationml/2006/main">
   <p:cSld>
     <p:spTree>
@@ -10096,6 +14576,205 @@
             <a:r>
               <a:rPr lang="en-US" sz="2800" dirty="0"/>
               <a:t>Site treatments</a:t>
+            </a:r>
+          </a:p>
+        </p:txBody>
+      </p:sp>
+      <p:sp>
+        <p:nvSpPr>
+          <p:cNvPr id="5" name="Content Placeholder 2">
+            <a:extLst>
+              <a:ext uri="{FF2B5EF4-FFF2-40B4-BE49-F238E27FC236}">
+                <a16:creationId xmlns:a16="http://schemas.microsoft.com/office/drawing/2014/main" id="{7532FCE9-F7CF-46F7-98EA-DA5EE39DF654}"/>
+              </a:ext>
+            </a:extLst>
+          </p:cNvPr>
+          <p:cNvSpPr txBox="1">
+            <a:spLocks/>
+          </p:cNvSpPr>
+          <p:nvPr/>
+        </p:nvSpPr>
+        <p:spPr>
+          <a:xfrm>
+            <a:off x="838200" y="4580548"/>
+            <a:ext cx="10515600" cy="1341950"/>
+          </a:xfrm>
+          <a:prstGeom prst="rect">
+            <a:avLst/>
+          </a:prstGeom>
+        </p:spPr>
+        <p:txBody>
+          <a:bodyPr vert="horz" lIns="91440" tIns="45720" rIns="91440" bIns="45720" rtlCol="0">
+            <a:noAutofit/>
+          </a:bodyPr>
+          <a:lstStyle>
+            <a:lvl1pPr marL="228600" indent="-228600" algn="l" defTabSz="914400" rtl="0" eaLnBrk="1" latinLnBrk="0" hangingPunct="1">
+              <a:lnSpc>
+                <a:spcPct val="90000"/>
+              </a:lnSpc>
+              <a:spcBef>
+                <a:spcPts val="1000"/>
+              </a:spcBef>
+              <a:buFont typeface="Arial" panose="020B0604020202020204" pitchFamily="34" charset="0"/>
+              <a:buChar char="•"/>
+              <a:defRPr sz="2800" kern="1200">
+                <a:solidFill>
+                  <a:schemeClr val="tx1"/>
+                </a:solidFill>
+                <a:latin typeface="+mn-lt"/>
+                <a:ea typeface="+mn-ea"/>
+                <a:cs typeface="+mn-cs"/>
+              </a:defRPr>
+            </a:lvl1pPr>
+            <a:lvl2pPr marL="685800" indent="-228600" algn="l" defTabSz="914400" rtl="0" eaLnBrk="1" latinLnBrk="0" hangingPunct="1">
+              <a:lnSpc>
+                <a:spcPct val="90000"/>
+              </a:lnSpc>
+              <a:spcBef>
+                <a:spcPts val="500"/>
+              </a:spcBef>
+              <a:buFont typeface="Arial" panose="020B0604020202020204" pitchFamily="34" charset="0"/>
+              <a:buChar char="•"/>
+              <a:defRPr sz="2400" kern="1200">
+                <a:solidFill>
+                  <a:schemeClr val="tx1"/>
+                </a:solidFill>
+                <a:latin typeface="+mn-lt"/>
+                <a:ea typeface="+mn-ea"/>
+                <a:cs typeface="+mn-cs"/>
+              </a:defRPr>
+            </a:lvl2pPr>
+            <a:lvl3pPr marL="1143000" indent="-228600" algn="l" defTabSz="914400" rtl="0" eaLnBrk="1" latinLnBrk="0" hangingPunct="1">
+              <a:lnSpc>
+                <a:spcPct val="90000"/>
+              </a:lnSpc>
+              <a:spcBef>
+                <a:spcPts val="500"/>
+              </a:spcBef>
+              <a:buFont typeface="Arial" panose="020B0604020202020204" pitchFamily="34" charset="0"/>
+              <a:buChar char="•"/>
+              <a:defRPr sz="2000" kern="1200">
+                <a:solidFill>
+                  <a:schemeClr val="tx1"/>
+                </a:solidFill>
+                <a:latin typeface="+mn-lt"/>
+                <a:ea typeface="+mn-ea"/>
+                <a:cs typeface="+mn-cs"/>
+              </a:defRPr>
+            </a:lvl3pPr>
+            <a:lvl4pPr marL="1600200" indent="-228600" algn="l" defTabSz="914400" rtl="0" eaLnBrk="1" latinLnBrk="0" hangingPunct="1">
+              <a:lnSpc>
+                <a:spcPct val="90000"/>
+              </a:lnSpc>
+              <a:spcBef>
+                <a:spcPts val="500"/>
+              </a:spcBef>
+              <a:buFont typeface="Arial" panose="020B0604020202020204" pitchFamily="34" charset="0"/>
+              <a:buChar char="•"/>
+              <a:defRPr sz="1800" kern="1200">
+                <a:solidFill>
+                  <a:schemeClr val="tx1"/>
+                </a:solidFill>
+                <a:latin typeface="+mn-lt"/>
+                <a:ea typeface="+mn-ea"/>
+                <a:cs typeface="+mn-cs"/>
+              </a:defRPr>
+            </a:lvl4pPr>
+            <a:lvl5pPr marL="2057400" indent="-228600" algn="l" defTabSz="914400" rtl="0" eaLnBrk="1" latinLnBrk="0" hangingPunct="1">
+              <a:lnSpc>
+                <a:spcPct val="90000"/>
+              </a:lnSpc>
+              <a:spcBef>
+                <a:spcPts val="500"/>
+              </a:spcBef>
+              <a:buFont typeface="Arial" panose="020B0604020202020204" pitchFamily="34" charset="0"/>
+              <a:buChar char="•"/>
+              <a:defRPr sz="1800" kern="1200">
+                <a:solidFill>
+                  <a:schemeClr val="tx1"/>
+                </a:solidFill>
+                <a:latin typeface="+mn-lt"/>
+                <a:ea typeface="+mn-ea"/>
+                <a:cs typeface="+mn-cs"/>
+              </a:defRPr>
+            </a:lvl5pPr>
+            <a:lvl6pPr marL="2514600" indent="-228600" algn="l" defTabSz="914400" rtl="0" eaLnBrk="1" latinLnBrk="0" hangingPunct="1">
+              <a:lnSpc>
+                <a:spcPct val="90000"/>
+              </a:lnSpc>
+              <a:spcBef>
+                <a:spcPts val="500"/>
+              </a:spcBef>
+              <a:buFont typeface="Arial" panose="020B0604020202020204" pitchFamily="34" charset="0"/>
+              <a:buChar char="•"/>
+              <a:defRPr sz="1800" kern="1200">
+                <a:solidFill>
+                  <a:schemeClr val="tx1"/>
+                </a:solidFill>
+                <a:latin typeface="+mn-lt"/>
+                <a:ea typeface="+mn-ea"/>
+                <a:cs typeface="+mn-cs"/>
+              </a:defRPr>
+            </a:lvl6pPr>
+            <a:lvl7pPr marL="2971800" indent="-228600" algn="l" defTabSz="914400" rtl="0" eaLnBrk="1" latinLnBrk="0" hangingPunct="1">
+              <a:lnSpc>
+                <a:spcPct val="90000"/>
+              </a:lnSpc>
+              <a:spcBef>
+                <a:spcPts val="500"/>
+              </a:spcBef>
+              <a:buFont typeface="Arial" panose="020B0604020202020204" pitchFamily="34" charset="0"/>
+              <a:buChar char="•"/>
+              <a:defRPr sz="1800" kern="1200">
+                <a:solidFill>
+                  <a:schemeClr val="tx1"/>
+                </a:solidFill>
+                <a:latin typeface="+mn-lt"/>
+                <a:ea typeface="+mn-ea"/>
+                <a:cs typeface="+mn-cs"/>
+              </a:defRPr>
+            </a:lvl7pPr>
+            <a:lvl8pPr marL="3429000" indent="-228600" algn="l" defTabSz="914400" rtl="0" eaLnBrk="1" latinLnBrk="0" hangingPunct="1">
+              <a:lnSpc>
+                <a:spcPct val="90000"/>
+              </a:lnSpc>
+              <a:spcBef>
+                <a:spcPts val="500"/>
+              </a:spcBef>
+              <a:buFont typeface="Arial" panose="020B0604020202020204" pitchFamily="34" charset="0"/>
+              <a:buChar char="•"/>
+              <a:defRPr sz="1800" kern="1200">
+                <a:solidFill>
+                  <a:schemeClr val="tx1"/>
+                </a:solidFill>
+                <a:latin typeface="+mn-lt"/>
+                <a:ea typeface="+mn-ea"/>
+                <a:cs typeface="+mn-cs"/>
+              </a:defRPr>
+            </a:lvl8pPr>
+            <a:lvl9pPr marL="3886200" indent="-228600" algn="l" defTabSz="914400" rtl="0" eaLnBrk="1" latinLnBrk="0" hangingPunct="1">
+              <a:lnSpc>
+                <a:spcPct val="90000"/>
+              </a:lnSpc>
+              <a:spcBef>
+                <a:spcPts val="500"/>
+              </a:spcBef>
+              <a:buFont typeface="Arial" panose="020B0604020202020204" pitchFamily="34" charset="0"/>
+              <a:buChar char="•"/>
+              <a:defRPr sz="1800" kern="1200">
+                <a:solidFill>
+                  <a:schemeClr val="tx1"/>
+                </a:solidFill>
+                <a:latin typeface="+mn-lt"/>
+                <a:ea typeface="+mn-ea"/>
+                <a:cs typeface="+mn-cs"/>
+              </a:defRPr>
+            </a:lvl9pPr>
+          </a:lstStyle>
+          <a:p>
+            <a:r>
+              <a:rPr lang="en-US" dirty="0"/>
+              <a:t>We’ll only work through abundance examples, but unmarked can be used for occupancy analyses as well (just need a slightly different function)</a:t>
             </a:r>
           </a:p>
         </p:txBody>
